--- a/과제/프레젠테이션 23.pptx
+++ b/과제/프레젠테이션 23.pptx
@@ -14,6 +14,9 @@
     <p:sldId id="260" r:id="rId8"/>
     <p:sldId id="261" r:id="rId9"/>
     <p:sldId id="262" r:id="rId10"/>
+    <p:sldId id="265" r:id="rId11"/>
+    <p:sldId id="266" r:id="rId12"/>
+    <p:sldId id="267" r:id="rId13"/>
   </p:sldIdLst>
   <p:sldSz cx="12192000" cy="6858000"/>
   <p:notesSz cx="6858000" cy="9144000"/>
@@ -276,7 +279,7 @@
           <a:p>
             <a:fld id="{AD3280C5-DF15-423D-9B8B-39743579C484}" type="datetimeFigureOut">
               <a:rPr lang="ko-KR" altLang="en-US" smtClean="0"/>
-              <a:t>2023-10-22</a:t>
+              <a:t>2023-10-23</a:t>
             </a:fld>
             <a:endParaRPr lang="ko-KR" altLang="en-US"/>
           </a:p>
@@ -474,7 +477,7 @@
           <a:p>
             <a:fld id="{AD3280C5-DF15-423D-9B8B-39743579C484}" type="datetimeFigureOut">
               <a:rPr lang="ko-KR" altLang="en-US" smtClean="0"/>
-              <a:t>2023-10-22</a:t>
+              <a:t>2023-10-23</a:t>
             </a:fld>
             <a:endParaRPr lang="ko-KR" altLang="en-US"/>
           </a:p>
@@ -682,7 +685,7 @@
           <a:p>
             <a:fld id="{AD3280C5-DF15-423D-9B8B-39743579C484}" type="datetimeFigureOut">
               <a:rPr lang="ko-KR" altLang="en-US" smtClean="0"/>
-              <a:t>2023-10-22</a:t>
+              <a:t>2023-10-23</a:t>
             </a:fld>
             <a:endParaRPr lang="ko-KR" altLang="en-US"/>
           </a:p>
@@ -880,7 +883,7 @@
           <a:p>
             <a:fld id="{AD3280C5-DF15-423D-9B8B-39743579C484}" type="datetimeFigureOut">
               <a:rPr lang="ko-KR" altLang="en-US" smtClean="0"/>
-              <a:t>2023-10-22</a:t>
+              <a:t>2023-10-23</a:t>
             </a:fld>
             <a:endParaRPr lang="ko-KR" altLang="en-US"/>
           </a:p>
@@ -1155,7 +1158,7 @@
           <a:p>
             <a:fld id="{AD3280C5-DF15-423D-9B8B-39743579C484}" type="datetimeFigureOut">
               <a:rPr lang="ko-KR" altLang="en-US" smtClean="0"/>
-              <a:t>2023-10-22</a:t>
+              <a:t>2023-10-23</a:t>
             </a:fld>
             <a:endParaRPr lang="ko-KR" altLang="en-US"/>
           </a:p>
@@ -1420,7 +1423,7 @@
           <a:p>
             <a:fld id="{AD3280C5-DF15-423D-9B8B-39743579C484}" type="datetimeFigureOut">
               <a:rPr lang="ko-KR" altLang="en-US" smtClean="0"/>
-              <a:t>2023-10-22</a:t>
+              <a:t>2023-10-23</a:t>
             </a:fld>
             <a:endParaRPr lang="ko-KR" altLang="en-US"/>
           </a:p>
@@ -1832,7 +1835,7 @@
           <a:p>
             <a:fld id="{AD3280C5-DF15-423D-9B8B-39743579C484}" type="datetimeFigureOut">
               <a:rPr lang="ko-KR" altLang="en-US" smtClean="0"/>
-              <a:t>2023-10-22</a:t>
+              <a:t>2023-10-23</a:t>
             </a:fld>
             <a:endParaRPr lang="ko-KR" altLang="en-US"/>
           </a:p>
@@ -1973,7 +1976,7 @@
           <a:p>
             <a:fld id="{AD3280C5-DF15-423D-9B8B-39743579C484}" type="datetimeFigureOut">
               <a:rPr lang="ko-KR" altLang="en-US" smtClean="0"/>
-              <a:t>2023-10-22</a:t>
+              <a:t>2023-10-23</a:t>
             </a:fld>
             <a:endParaRPr lang="ko-KR" altLang="en-US"/>
           </a:p>
@@ -2086,7 +2089,7 @@
           <a:p>
             <a:fld id="{AD3280C5-DF15-423D-9B8B-39743579C484}" type="datetimeFigureOut">
               <a:rPr lang="ko-KR" altLang="en-US" smtClean="0"/>
-              <a:t>2023-10-22</a:t>
+              <a:t>2023-10-23</a:t>
             </a:fld>
             <a:endParaRPr lang="ko-KR" altLang="en-US"/>
           </a:p>
@@ -2397,7 +2400,7 @@
           <a:p>
             <a:fld id="{AD3280C5-DF15-423D-9B8B-39743579C484}" type="datetimeFigureOut">
               <a:rPr lang="ko-KR" altLang="en-US" smtClean="0"/>
-              <a:t>2023-10-22</a:t>
+              <a:t>2023-10-23</a:t>
             </a:fld>
             <a:endParaRPr lang="ko-KR" altLang="en-US"/>
           </a:p>
@@ -2685,7 +2688,7 @@
           <a:p>
             <a:fld id="{AD3280C5-DF15-423D-9B8B-39743579C484}" type="datetimeFigureOut">
               <a:rPr lang="ko-KR" altLang="en-US" smtClean="0"/>
-              <a:t>2023-10-22</a:t>
+              <a:t>2023-10-23</a:t>
             </a:fld>
             <a:endParaRPr lang="ko-KR" altLang="en-US"/>
           </a:p>
@@ -2926,7 +2929,7 @@
           <a:p>
             <a:fld id="{AD3280C5-DF15-423D-9B8B-39743579C484}" type="datetimeFigureOut">
               <a:rPr lang="ko-KR" altLang="en-US" smtClean="0"/>
-              <a:t>2023-10-22</a:t>
+              <a:t>2023-10-23</a:t>
             </a:fld>
             <a:endParaRPr lang="ko-KR" altLang="en-US"/>
           </a:p>
@@ -4225,6 +4228,1658 @@
     <p:extLst>
       <p:ext uri="{BB962C8B-B14F-4D97-AF65-F5344CB8AC3E}">
         <p14:creationId xmlns:p14="http://schemas.microsoft.com/office/powerpoint/2010/main" val="2287611680"/>
+      </p:ext>
+    </p:extLst>
+  </p:cSld>
+  <p:clrMapOvr>
+    <a:masterClrMapping/>
+  </p:clrMapOvr>
+</p:sld>
+</file>
+
+<file path=ppt/slides/slide10.xml><?xml version="1.0" encoding="utf-8"?>
+<p:sld xmlns:a="http://schemas.openxmlformats.org/drawingml/2006/main" xmlns:r="http://schemas.openxmlformats.org/officeDocument/2006/relationships" xmlns:p="http://schemas.openxmlformats.org/presentationml/2006/main">
+  <p:cSld>
+    <p:spTree>
+      <p:nvGrpSpPr>
+        <p:cNvPr id="1" name=""/>
+        <p:cNvGrpSpPr/>
+        <p:nvPr/>
+      </p:nvGrpSpPr>
+      <p:grpSpPr>
+        <a:xfrm>
+          <a:off x="0" y="0"/>
+          <a:ext cx="0" cy="0"/>
+          <a:chOff x="0" y="0"/>
+          <a:chExt cx="0" cy="0"/>
+        </a:xfrm>
+      </p:grpSpPr>
+      <p:pic>
+        <p:nvPicPr>
+          <p:cNvPr id="3" name="그림 2" descr="스크린샷, 텍스트, 소프트웨어, 컴퓨터 아이콘이(가) 표시된 사진&#10;&#10;자동 생성된 설명">
+            <a:extLst>
+              <a:ext uri="{FF2B5EF4-FFF2-40B4-BE49-F238E27FC236}">
+                <a16:creationId xmlns:a16="http://schemas.microsoft.com/office/drawing/2014/main" id="{0A839CD4-26E8-6771-FC54-59F5170769B2}"/>
+              </a:ext>
+            </a:extLst>
+          </p:cNvPr>
+          <p:cNvPicPr>
+            <a:picLocks noChangeAspect="1"/>
+          </p:cNvPicPr>
+          <p:nvPr/>
+        </p:nvPicPr>
+        <p:blipFill>
+          <a:blip r:embed="rId2">
+            <a:extLst>
+              <a:ext uri="{28A0092B-C50C-407E-A947-70E740481C1C}">
+                <a14:useLocalDpi xmlns:a14="http://schemas.microsoft.com/office/drawing/2010/main" val="0"/>
+              </a:ext>
+            </a:extLst>
+          </a:blip>
+          <a:stretch>
+            <a:fillRect/>
+          </a:stretch>
+        </p:blipFill>
+        <p:spPr>
+          <a:xfrm>
+            <a:off x="4497444" y="0"/>
+            <a:ext cx="3197111" cy="6858000"/>
+          </a:xfrm>
+          <a:prstGeom prst="rect">
+            <a:avLst/>
+          </a:prstGeom>
+        </p:spPr>
+      </p:pic>
+      <p:pic>
+        <p:nvPicPr>
+          <p:cNvPr id="5" name="그림 4" descr="텍스트, 스크린샷, 소프트웨어, 웹 페이지이(가) 표시된 사진&#10;&#10;자동 생성된 설명">
+            <a:extLst>
+              <a:ext uri="{FF2B5EF4-FFF2-40B4-BE49-F238E27FC236}">
+                <a16:creationId xmlns:a16="http://schemas.microsoft.com/office/drawing/2014/main" id="{CF32F9F5-E3A0-43F4-A497-716092876E95}"/>
+              </a:ext>
+            </a:extLst>
+          </p:cNvPr>
+          <p:cNvPicPr>
+            <a:picLocks noChangeAspect="1"/>
+          </p:cNvPicPr>
+          <p:nvPr/>
+        </p:nvPicPr>
+        <p:blipFill>
+          <a:blip r:embed="rId3">
+            <a:extLst>
+              <a:ext uri="{28A0092B-C50C-407E-A947-70E740481C1C}">
+                <a14:useLocalDpi xmlns:a14="http://schemas.microsoft.com/office/drawing/2010/main" val="0"/>
+              </a:ext>
+            </a:extLst>
+          </a:blip>
+          <a:stretch>
+            <a:fillRect/>
+          </a:stretch>
+        </p:blipFill>
+        <p:spPr>
+          <a:xfrm>
+            <a:off x="0" y="0"/>
+            <a:ext cx="3197111" cy="6858000"/>
+          </a:xfrm>
+          <a:prstGeom prst="rect">
+            <a:avLst/>
+          </a:prstGeom>
+        </p:spPr>
+      </p:pic>
+      <p:sp>
+        <p:nvSpPr>
+          <p:cNvPr id="8" name="사각형: 둥근 모서리 7">
+            <a:extLst>
+              <a:ext uri="{FF2B5EF4-FFF2-40B4-BE49-F238E27FC236}">
+                <a16:creationId xmlns:a16="http://schemas.microsoft.com/office/drawing/2014/main" id="{C8E7524E-8010-C09F-BE4A-18D5CEDB6B41}"/>
+              </a:ext>
+            </a:extLst>
+          </p:cNvPr>
+          <p:cNvSpPr/>
+          <p:nvPr/>
+        </p:nvSpPr>
+        <p:spPr>
+          <a:xfrm>
+            <a:off x="2433711" y="225083"/>
+            <a:ext cx="763400" cy="450166"/>
+          </a:xfrm>
+          <a:prstGeom prst="roundRect">
+            <a:avLst/>
+          </a:prstGeom>
+          <a:solidFill>
+            <a:schemeClr val="accent1">
+              <a:alpha val="30000"/>
+            </a:schemeClr>
+          </a:solidFill>
+        </p:spPr>
+        <p:style>
+          <a:lnRef idx="2">
+            <a:schemeClr val="accent1">
+              <a:shade val="15000"/>
+            </a:schemeClr>
+          </a:lnRef>
+          <a:fillRef idx="1">
+            <a:schemeClr val="accent1"/>
+          </a:fillRef>
+          <a:effectRef idx="0">
+            <a:schemeClr val="accent1"/>
+          </a:effectRef>
+          <a:fontRef idx="minor">
+            <a:schemeClr val="lt1"/>
+          </a:fontRef>
+        </p:style>
+        <p:txBody>
+          <a:bodyPr rtlCol="0" anchor="ctr"/>
+          <a:lstStyle/>
+          <a:p>
+            <a:pPr algn="ctr"/>
+            <a:endParaRPr lang="ko-KR" altLang="en-US"/>
+          </a:p>
+        </p:txBody>
+      </p:sp>
+      <p:cxnSp>
+        <p:nvCxnSpPr>
+          <p:cNvPr id="11" name="연결선: 꺾임 10">
+            <a:extLst>
+              <a:ext uri="{FF2B5EF4-FFF2-40B4-BE49-F238E27FC236}">
+                <a16:creationId xmlns:a16="http://schemas.microsoft.com/office/drawing/2014/main" id="{799B9A17-7760-B463-EFE3-4BC81A382D55}"/>
+              </a:ext>
+            </a:extLst>
+          </p:cNvPr>
+          <p:cNvCxnSpPr>
+            <a:cxnSpLocks/>
+            <a:stCxn id="8" idx="3"/>
+          </p:cNvCxnSpPr>
+          <p:nvPr/>
+        </p:nvCxnSpPr>
+        <p:spPr>
+          <a:xfrm>
+            <a:off x="3197111" y="450166"/>
+            <a:ext cx="1300333" cy="1209822"/>
+          </a:xfrm>
+          <a:prstGeom prst="bentConnector3">
+            <a:avLst/>
+          </a:prstGeom>
+          <a:ln w="76200">
+            <a:solidFill>
+              <a:schemeClr val="accent5"/>
+            </a:solidFill>
+            <a:tailEnd type="triangle"/>
+          </a:ln>
+        </p:spPr>
+        <p:style>
+          <a:lnRef idx="1">
+            <a:schemeClr val="accent1"/>
+          </a:lnRef>
+          <a:fillRef idx="0">
+            <a:schemeClr val="accent1"/>
+          </a:fillRef>
+          <a:effectRef idx="0">
+            <a:schemeClr val="accent1"/>
+          </a:effectRef>
+          <a:fontRef idx="minor">
+            <a:schemeClr val="tx1"/>
+          </a:fontRef>
+        </p:style>
+      </p:cxnSp>
+    </p:spTree>
+    <p:extLst>
+      <p:ext uri="{BB962C8B-B14F-4D97-AF65-F5344CB8AC3E}">
+        <p14:creationId xmlns:p14="http://schemas.microsoft.com/office/powerpoint/2010/main" val="2127437336"/>
+      </p:ext>
+    </p:extLst>
+  </p:cSld>
+  <p:clrMapOvr>
+    <a:masterClrMapping/>
+  </p:clrMapOvr>
+</p:sld>
+</file>
+
+<file path=ppt/slides/slide11.xml><?xml version="1.0" encoding="utf-8"?>
+<p:sld xmlns:a="http://schemas.openxmlformats.org/drawingml/2006/main" xmlns:r="http://schemas.openxmlformats.org/officeDocument/2006/relationships" xmlns:p="http://schemas.openxmlformats.org/presentationml/2006/main">
+  <p:cSld>
+    <p:spTree>
+      <p:nvGrpSpPr>
+        <p:cNvPr id="1" name=""/>
+        <p:cNvGrpSpPr/>
+        <p:nvPr/>
+      </p:nvGrpSpPr>
+      <p:grpSpPr>
+        <a:xfrm>
+          <a:off x="0" y="0"/>
+          <a:ext cx="0" cy="0"/>
+          <a:chOff x="0" y="0"/>
+          <a:chExt cx="0" cy="0"/>
+        </a:xfrm>
+      </p:grpSpPr>
+      <p:pic>
+        <p:nvPicPr>
+          <p:cNvPr id="3" name="그림 2" descr="텍스트, 스크린샷, 운영 체제, 소프트웨어이(가) 표시된 사진&#10;&#10;자동 생성된 설명">
+            <a:extLst>
+              <a:ext uri="{FF2B5EF4-FFF2-40B4-BE49-F238E27FC236}">
+                <a16:creationId xmlns:a16="http://schemas.microsoft.com/office/drawing/2014/main" id="{C12A941A-E485-7C07-611E-497D1782615D}"/>
+              </a:ext>
+            </a:extLst>
+          </p:cNvPr>
+          <p:cNvPicPr>
+            <a:picLocks noChangeAspect="1"/>
+          </p:cNvPicPr>
+          <p:nvPr/>
+        </p:nvPicPr>
+        <p:blipFill>
+          <a:blip r:embed="rId2">
+            <a:extLst>
+              <a:ext uri="{28A0092B-C50C-407E-A947-70E740481C1C}">
+                <a14:useLocalDpi xmlns:a14="http://schemas.microsoft.com/office/drawing/2010/main" val="0"/>
+              </a:ext>
+            </a:extLst>
+          </a:blip>
+          <a:stretch>
+            <a:fillRect/>
+          </a:stretch>
+        </p:blipFill>
+        <p:spPr>
+          <a:xfrm>
+            <a:off x="4617947" y="0"/>
+            <a:ext cx="3197111" cy="6858000"/>
+          </a:xfrm>
+          <a:prstGeom prst="rect">
+            <a:avLst/>
+          </a:prstGeom>
+        </p:spPr>
+      </p:pic>
+      <p:pic>
+        <p:nvPicPr>
+          <p:cNvPr id="7" name="그림 6" descr="텍스트, 컴퓨터, 스크린샷, 개인용 컴퓨터이(가) 표시된 사진&#10;&#10;자동 생성된 설명">
+            <a:extLst>
+              <a:ext uri="{FF2B5EF4-FFF2-40B4-BE49-F238E27FC236}">
+                <a16:creationId xmlns:a16="http://schemas.microsoft.com/office/drawing/2014/main" id="{1C97DA61-AF1C-A4F1-5C9F-A7E30E303B70}"/>
+              </a:ext>
+            </a:extLst>
+          </p:cNvPr>
+          <p:cNvPicPr>
+            <a:picLocks noChangeAspect="1"/>
+          </p:cNvPicPr>
+          <p:nvPr/>
+        </p:nvPicPr>
+        <p:blipFill>
+          <a:blip r:embed="rId3">
+            <a:extLst>
+              <a:ext uri="{28A0092B-C50C-407E-A947-70E740481C1C}">
+                <a14:useLocalDpi xmlns:a14="http://schemas.microsoft.com/office/drawing/2010/main" val="0"/>
+              </a:ext>
+            </a:extLst>
+          </a:blip>
+          <a:stretch>
+            <a:fillRect/>
+          </a:stretch>
+        </p:blipFill>
+        <p:spPr>
+          <a:xfrm>
+            <a:off x="1420836" y="0"/>
+            <a:ext cx="3197111" cy="6858000"/>
+          </a:xfrm>
+          <a:prstGeom prst="rect">
+            <a:avLst/>
+          </a:prstGeom>
+        </p:spPr>
+      </p:pic>
+      <p:pic>
+        <p:nvPicPr>
+          <p:cNvPr id="9" name="그림 8" descr="텍스트, 스크린샷, 컴퓨터, 소프트웨어이(가) 표시된 사진&#10;&#10;자동 생성된 설명">
+            <a:extLst>
+              <a:ext uri="{FF2B5EF4-FFF2-40B4-BE49-F238E27FC236}">
+                <a16:creationId xmlns:a16="http://schemas.microsoft.com/office/drawing/2014/main" id="{C682E281-0C9E-0F77-CC3C-A2816C48E406}"/>
+              </a:ext>
+            </a:extLst>
+          </p:cNvPr>
+          <p:cNvPicPr>
+            <a:picLocks noChangeAspect="1"/>
+          </p:cNvPicPr>
+          <p:nvPr/>
+        </p:nvPicPr>
+        <p:blipFill>
+          <a:blip r:embed="rId4">
+            <a:extLst>
+              <a:ext uri="{28A0092B-C50C-407E-A947-70E740481C1C}">
+                <a14:useLocalDpi xmlns:a14="http://schemas.microsoft.com/office/drawing/2010/main" val="0"/>
+              </a:ext>
+            </a:extLst>
+          </a:blip>
+          <a:stretch>
+            <a:fillRect/>
+          </a:stretch>
+        </p:blipFill>
+        <p:spPr>
+          <a:xfrm>
+            <a:off x="7815058" y="0"/>
+            <a:ext cx="3197111" cy="6858000"/>
+          </a:xfrm>
+          <a:prstGeom prst="rect">
+            <a:avLst/>
+          </a:prstGeom>
+        </p:spPr>
+      </p:pic>
+    </p:spTree>
+    <p:extLst>
+      <p:ext uri="{BB962C8B-B14F-4D97-AF65-F5344CB8AC3E}">
+        <p14:creationId xmlns:p14="http://schemas.microsoft.com/office/powerpoint/2010/main" val="382978349"/>
+      </p:ext>
+    </p:extLst>
+  </p:cSld>
+  <p:clrMapOvr>
+    <a:masterClrMapping/>
+  </p:clrMapOvr>
+</p:sld>
+</file>
+
+<file path=ppt/slides/slide12.xml><?xml version="1.0" encoding="utf-8"?>
+<p:sld xmlns:a="http://schemas.openxmlformats.org/drawingml/2006/main" xmlns:r="http://schemas.openxmlformats.org/officeDocument/2006/relationships" xmlns:p="http://schemas.openxmlformats.org/presentationml/2006/main">
+  <p:cSld>
+    <p:spTree>
+      <p:nvGrpSpPr>
+        <p:cNvPr id="1" name=""/>
+        <p:cNvGrpSpPr/>
+        <p:nvPr/>
+      </p:nvGrpSpPr>
+      <p:grpSpPr>
+        <a:xfrm>
+          <a:off x="0" y="0"/>
+          <a:ext cx="0" cy="0"/>
+          <a:chOff x="0" y="0"/>
+          <a:chExt cx="0" cy="0"/>
+        </a:xfrm>
+      </p:grpSpPr>
+      <p:graphicFrame>
+        <p:nvGraphicFramePr>
+          <p:cNvPr id="4" name="표 3">
+            <a:extLst>
+              <a:ext uri="{FF2B5EF4-FFF2-40B4-BE49-F238E27FC236}">
+                <a16:creationId xmlns:a16="http://schemas.microsoft.com/office/drawing/2014/main" id="{DC3CA31D-3638-DF38-4E78-744F74FCB079}"/>
+              </a:ext>
+            </a:extLst>
+          </p:cNvPr>
+          <p:cNvGraphicFramePr>
+            <a:graphicFrameLocks noGrp="1"/>
+          </p:cNvGraphicFramePr>
+          <p:nvPr>
+            <p:extLst>
+              <p:ext uri="{D42A27DB-BD31-4B8C-83A1-F6EECF244321}">
+                <p14:modId xmlns:p14="http://schemas.microsoft.com/office/powerpoint/2010/main" val="3992367114"/>
+              </p:ext>
+            </p:extLst>
+          </p:nvPr>
+        </p:nvGraphicFramePr>
+        <p:xfrm>
+          <a:off x="0" y="1123330"/>
+          <a:ext cx="12192000" cy="5524810"/>
+        </p:xfrm>
+        <a:graphic>
+          <a:graphicData uri="http://schemas.openxmlformats.org/drawingml/2006/table">
+            <a:tbl>
+              <a:tblPr firstRow="1" bandRow="1">
+                <a:tableStyleId>{F5AB1C69-6EDB-4FF4-983F-18BD219EF322}</a:tableStyleId>
+              </a:tblPr>
+              <a:tblGrid>
+                <a:gridCol w="1219200">
+                  <a:extLst>
+                    <a:ext uri="{9D8B030D-6E8A-4147-A177-3AD203B41FA5}">
+                      <a16:colId xmlns:a16="http://schemas.microsoft.com/office/drawing/2014/main" val="2200988280"/>
+                    </a:ext>
+                  </a:extLst>
+                </a:gridCol>
+                <a:gridCol w="1219200">
+                  <a:extLst>
+                    <a:ext uri="{9D8B030D-6E8A-4147-A177-3AD203B41FA5}">
+                      <a16:colId xmlns:a16="http://schemas.microsoft.com/office/drawing/2014/main" val="4244174977"/>
+                    </a:ext>
+                  </a:extLst>
+                </a:gridCol>
+                <a:gridCol w="1219200">
+                  <a:extLst>
+                    <a:ext uri="{9D8B030D-6E8A-4147-A177-3AD203B41FA5}">
+                      <a16:colId xmlns:a16="http://schemas.microsoft.com/office/drawing/2014/main" val="3366244180"/>
+                    </a:ext>
+                  </a:extLst>
+                </a:gridCol>
+                <a:gridCol w="1219200">
+                  <a:extLst>
+                    <a:ext uri="{9D8B030D-6E8A-4147-A177-3AD203B41FA5}">
+                      <a16:colId xmlns:a16="http://schemas.microsoft.com/office/drawing/2014/main" val="1382058807"/>
+                    </a:ext>
+                  </a:extLst>
+                </a:gridCol>
+                <a:gridCol w="1219200">
+                  <a:extLst>
+                    <a:ext uri="{9D8B030D-6E8A-4147-A177-3AD203B41FA5}">
+                      <a16:colId xmlns:a16="http://schemas.microsoft.com/office/drawing/2014/main" val="3742512812"/>
+                    </a:ext>
+                  </a:extLst>
+                </a:gridCol>
+                <a:gridCol w="1219200">
+                  <a:extLst>
+                    <a:ext uri="{9D8B030D-6E8A-4147-A177-3AD203B41FA5}">
+                      <a16:colId xmlns:a16="http://schemas.microsoft.com/office/drawing/2014/main" val="3750005030"/>
+                    </a:ext>
+                  </a:extLst>
+                </a:gridCol>
+                <a:gridCol w="1219200">
+                  <a:extLst>
+                    <a:ext uri="{9D8B030D-6E8A-4147-A177-3AD203B41FA5}">
+                      <a16:colId xmlns:a16="http://schemas.microsoft.com/office/drawing/2014/main" val="2364409029"/>
+                    </a:ext>
+                  </a:extLst>
+                </a:gridCol>
+                <a:gridCol w="1219200">
+                  <a:extLst>
+                    <a:ext uri="{9D8B030D-6E8A-4147-A177-3AD203B41FA5}">
+                      <a16:colId xmlns:a16="http://schemas.microsoft.com/office/drawing/2014/main" val="561052210"/>
+                    </a:ext>
+                  </a:extLst>
+                </a:gridCol>
+                <a:gridCol w="1219200">
+                  <a:extLst>
+                    <a:ext uri="{9D8B030D-6E8A-4147-A177-3AD203B41FA5}">
+                      <a16:colId xmlns:a16="http://schemas.microsoft.com/office/drawing/2014/main" val="3433364521"/>
+                    </a:ext>
+                  </a:extLst>
+                </a:gridCol>
+                <a:gridCol w="1219200">
+                  <a:extLst>
+                    <a:ext uri="{9D8B030D-6E8A-4147-A177-3AD203B41FA5}">
+                      <a16:colId xmlns:a16="http://schemas.microsoft.com/office/drawing/2014/main" val="2176419713"/>
+                    </a:ext>
+                  </a:extLst>
+                </a:gridCol>
+              </a:tblGrid>
+              <a:tr h="495610">
+                <a:tc>
+                  <a:txBody>
+                    <a:bodyPr/>
+                    <a:lstStyle/>
+                    <a:p>
+                      <a:pPr latinLnBrk="1"/>
+                      <a:endParaRPr lang="ko-KR" altLang="en-US" dirty="0"/>
+                    </a:p>
+                  </a:txBody>
+                  <a:tcPr/>
+                </a:tc>
+                <a:tc>
+                  <a:txBody>
+                    <a:bodyPr/>
+                    <a:lstStyle/>
+                    <a:p>
+                      <a:pPr latinLnBrk="1"/>
+                      <a:r>
+                        <a:rPr lang="ko-KR" altLang="en-US" dirty="0"/>
+                        <a:t>학기</a:t>
+                      </a:r>
+                    </a:p>
+                  </a:txBody>
+                  <a:tcPr/>
+                </a:tc>
+                <a:tc>
+                  <a:txBody>
+                    <a:bodyPr/>
+                    <a:lstStyle/>
+                    <a:p>
+                      <a:pPr latinLnBrk="1"/>
+                      <a:r>
+                        <a:rPr lang="en-US" altLang="ko-KR" dirty="0"/>
+                        <a:t>1</a:t>
+                      </a:r>
+                      <a:r>
+                        <a:rPr lang="ko-KR" altLang="en-US" dirty="0"/>
+                        <a:t>학기</a:t>
+                      </a:r>
+                    </a:p>
+                  </a:txBody>
+                  <a:tcPr/>
+                </a:tc>
+                <a:tc>
+                  <a:txBody>
+                    <a:bodyPr/>
+                    <a:lstStyle/>
+                    <a:p>
+                      <a:pPr latinLnBrk="1"/>
+                      <a:r>
+                        <a:rPr lang="en-US" altLang="ko-KR" dirty="0"/>
+                        <a:t>2</a:t>
+                      </a:r>
+                      <a:r>
+                        <a:rPr lang="ko-KR" altLang="en-US" dirty="0"/>
+                        <a:t>학기</a:t>
+                      </a:r>
+                    </a:p>
+                  </a:txBody>
+                  <a:tcPr/>
+                </a:tc>
+                <a:tc>
+                  <a:txBody>
+                    <a:bodyPr/>
+                    <a:lstStyle/>
+                    <a:p>
+                      <a:pPr latinLnBrk="1"/>
+                      <a:r>
+                        <a:rPr lang="en-US" altLang="ko-KR" dirty="0"/>
+                        <a:t>3</a:t>
+                      </a:r>
+                      <a:r>
+                        <a:rPr lang="ko-KR" altLang="en-US" dirty="0"/>
+                        <a:t>학기</a:t>
+                      </a:r>
+                    </a:p>
+                  </a:txBody>
+                  <a:tcPr/>
+                </a:tc>
+                <a:tc>
+                  <a:txBody>
+                    <a:bodyPr/>
+                    <a:lstStyle/>
+                    <a:p>
+                      <a:pPr latinLnBrk="1"/>
+                      <a:r>
+                        <a:rPr lang="en-US" altLang="ko-KR" dirty="0"/>
+                        <a:t>4</a:t>
+                      </a:r>
+                      <a:r>
+                        <a:rPr lang="ko-KR" altLang="en-US" dirty="0"/>
+                        <a:t>학기</a:t>
+                      </a:r>
+                    </a:p>
+                  </a:txBody>
+                  <a:tcPr/>
+                </a:tc>
+                <a:tc>
+                  <a:txBody>
+                    <a:bodyPr/>
+                    <a:lstStyle/>
+                    <a:p>
+                      <a:pPr latinLnBrk="1"/>
+                      <a:r>
+                        <a:rPr lang="en-US" altLang="ko-KR" dirty="0"/>
+                        <a:t>5</a:t>
+                      </a:r>
+                      <a:r>
+                        <a:rPr lang="ko-KR" altLang="en-US" dirty="0"/>
+                        <a:t>학기</a:t>
+                      </a:r>
+                    </a:p>
+                  </a:txBody>
+                  <a:tcPr/>
+                </a:tc>
+                <a:tc>
+                  <a:txBody>
+                    <a:bodyPr/>
+                    <a:lstStyle/>
+                    <a:p>
+                      <a:pPr latinLnBrk="1"/>
+                      <a:r>
+                        <a:rPr lang="en-US" altLang="ko-KR" dirty="0"/>
+                        <a:t>6</a:t>
+                      </a:r>
+                      <a:r>
+                        <a:rPr lang="ko-KR" altLang="en-US" dirty="0"/>
+                        <a:t>학기</a:t>
+                      </a:r>
+                    </a:p>
+                  </a:txBody>
+                  <a:tcPr/>
+                </a:tc>
+                <a:tc>
+                  <a:txBody>
+                    <a:bodyPr/>
+                    <a:lstStyle/>
+                    <a:p>
+                      <a:pPr latinLnBrk="1"/>
+                      <a:r>
+                        <a:rPr lang="en-US" altLang="ko-KR" dirty="0"/>
+                        <a:t>7</a:t>
+                      </a:r>
+                      <a:r>
+                        <a:rPr lang="ko-KR" altLang="en-US" dirty="0"/>
+                        <a:t>학기</a:t>
+                      </a:r>
+                    </a:p>
+                  </a:txBody>
+                  <a:tcPr/>
+                </a:tc>
+                <a:tc>
+                  <a:txBody>
+                    <a:bodyPr/>
+                    <a:lstStyle/>
+                    <a:p>
+                      <a:pPr latinLnBrk="1"/>
+                      <a:r>
+                        <a:rPr lang="en-US" altLang="ko-KR" dirty="0"/>
+                        <a:t>8</a:t>
+                      </a:r>
+                      <a:r>
+                        <a:rPr lang="ko-KR" altLang="en-US" dirty="0"/>
+                        <a:t>학기</a:t>
+                      </a:r>
+                    </a:p>
+                  </a:txBody>
+                  <a:tcPr/>
+                </a:tc>
+                <a:extLst>
+                  <a:ext uri="{0D108BD9-81ED-4DB2-BD59-A6C34878D82A}">
+                    <a16:rowId xmlns:a16="http://schemas.microsoft.com/office/drawing/2014/main" val="3300894362"/>
+                  </a:ext>
+                </a:extLst>
+              </a:tr>
+              <a:tr h="495610">
+                <a:tc>
+                  <a:txBody>
+                    <a:bodyPr/>
+                    <a:lstStyle/>
+                    <a:p>
+                      <a:pPr latinLnBrk="1"/>
+                      <a:endParaRPr lang="ko-KR" altLang="en-US" dirty="0"/>
+                    </a:p>
+                  </a:txBody>
+                  <a:tcPr/>
+                </a:tc>
+                <a:tc>
+                  <a:txBody>
+                    <a:bodyPr/>
+                    <a:lstStyle/>
+                    <a:p>
+                      <a:pPr latinLnBrk="1"/>
+                      <a:r>
+                        <a:rPr lang="ko-KR" altLang="en-US" dirty="0"/>
+                        <a:t>과목명</a:t>
+                      </a:r>
+                    </a:p>
+                  </a:txBody>
+                  <a:tcPr/>
+                </a:tc>
+                <a:tc>
+                  <a:txBody>
+                    <a:bodyPr/>
+                    <a:lstStyle/>
+                    <a:p>
+                      <a:pPr latinLnBrk="1"/>
+                      <a:r>
+                        <a:rPr lang="ko-KR" altLang="en-US" dirty="0"/>
+                        <a:t>컴퓨터 공학개론</a:t>
+                      </a:r>
+                    </a:p>
+                  </a:txBody>
+                  <a:tcPr/>
+                </a:tc>
+                <a:tc>
+                  <a:txBody>
+                    <a:bodyPr/>
+                    <a:lstStyle/>
+                    <a:p>
+                      <a:pPr latinLnBrk="1"/>
+                      <a:r>
+                        <a:rPr lang="ko-KR" altLang="en-US" dirty="0"/>
+                        <a:t>세계문명교류사</a:t>
+                      </a:r>
+                    </a:p>
+                  </a:txBody>
+                  <a:tcPr/>
+                </a:tc>
+                <a:tc>
+                  <a:txBody>
+                    <a:bodyPr/>
+                    <a:lstStyle/>
+                    <a:p>
+                      <a:pPr latinLnBrk="1"/>
+                      <a:r>
+                        <a:rPr lang="ko-KR" altLang="en-US" dirty="0"/>
+                        <a:t>자바프로그래밍</a:t>
+                      </a:r>
+                    </a:p>
+                  </a:txBody>
+                  <a:tcPr/>
+                </a:tc>
+                <a:tc>
+                  <a:txBody>
+                    <a:bodyPr/>
+                    <a:lstStyle/>
+                    <a:p>
+                      <a:pPr latinLnBrk="1"/>
+                      <a:r>
+                        <a:rPr lang="ko-KR" altLang="en-US" dirty="0"/>
+                        <a:t>자료구조</a:t>
+                      </a:r>
+                    </a:p>
+                  </a:txBody>
+                  <a:tcPr/>
+                </a:tc>
+                <a:tc>
+                  <a:txBody>
+                    <a:bodyPr/>
+                    <a:lstStyle/>
+                    <a:p>
+                      <a:pPr latinLnBrk="1"/>
+                      <a:r>
+                        <a:rPr lang="ko-KR" altLang="en-US" dirty="0"/>
+                        <a:t>사물인터넷</a:t>
+                      </a:r>
+                    </a:p>
+                  </a:txBody>
+                  <a:tcPr/>
+                </a:tc>
+                <a:tc>
+                  <a:txBody>
+                    <a:bodyPr/>
+                    <a:lstStyle/>
+                    <a:p>
+                      <a:pPr latinLnBrk="1"/>
+                      <a:r>
+                        <a:rPr lang="ko-KR" altLang="en-US" dirty="0"/>
+                        <a:t>운영체제</a:t>
+                      </a:r>
+                    </a:p>
+                  </a:txBody>
+                  <a:tcPr/>
+                </a:tc>
+                <a:tc>
+                  <a:txBody>
+                    <a:bodyPr/>
+                    <a:lstStyle/>
+                    <a:p>
+                      <a:pPr latinLnBrk="1"/>
+                      <a:r>
+                        <a:rPr lang="ko-KR" altLang="en-US" dirty="0"/>
+                        <a:t>창의적 종합설계</a:t>
+                      </a:r>
+                    </a:p>
+                  </a:txBody>
+                  <a:tcPr/>
+                </a:tc>
+                <a:tc>
+                  <a:txBody>
+                    <a:bodyPr/>
+                    <a:lstStyle/>
+                    <a:p>
+                      <a:pPr latinLnBrk="1"/>
+                      <a:r>
+                        <a:rPr lang="ko-KR" altLang="en-US" dirty="0" err="1"/>
+                        <a:t>캡스톤</a:t>
+                      </a:r>
+                      <a:r>
+                        <a:rPr lang="ko-KR" altLang="en-US" dirty="0"/>
+                        <a:t> 디자인</a:t>
+                      </a:r>
+                    </a:p>
+                  </a:txBody>
+                  <a:tcPr/>
+                </a:tc>
+                <a:extLst>
+                  <a:ext uri="{0D108BD9-81ED-4DB2-BD59-A6C34878D82A}">
+                    <a16:rowId xmlns:a16="http://schemas.microsoft.com/office/drawing/2014/main" val="1780989385"/>
+                  </a:ext>
+                </a:extLst>
+              </a:tr>
+              <a:tr h="495610">
+                <a:tc>
+                  <a:txBody>
+                    <a:bodyPr/>
+                    <a:lstStyle/>
+                    <a:p>
+                      <a:pPr latinLnBrk="1"/>
+                      <a:endParaRPr lang="ko-KR" altLang="en-US" dirty="0"/>
+                    </a:p>
+                  </a:txBody>
+                  <a:tcPr/>
+                </a:tc>
+                <a:tc>
+                  <a:txBody>
+                    <a:bodyPr/>
+                    <a:lstStyle/>
+                    <a:p>
+                      <a:pPr latinLnBrk="1"/>
+                      <a:endParaRPr lang="ko-KR" altLang="en-US" dirty="0"/>
+                    </a:p>
+                  </a:txBody>
+                  <a:tcPr/>
+                </a:tc>
+                <a:tc>
+                  <a:txBody>
+                    <a:bodyPr/>
+                    <a:lstStyle/>
+                    <a:p>
+                      <a:pPr latinLnBrk="1"/>
+                      <a:r>
+                        <a:rPr lang="ko-KR" altLang="en-US" dirty="0"/>
+                        <a:t>공학설계입문</a:t>
+                      </a:r>
+                    </a:p>
+                  </a:txBody>
+                  <a:tcPr/>
+                </a:tc>
+                <a:tc>
+                  <a:txBody>
+                    <a:bodyPr/>
+                    <a:lstStyle/>
+                    <a:p>
+                      <a:pPr latinLnBrk="1"/>
+                      <a:r>
+                        <a:rPr lang="ko-KR" altLang="en-US" dirty="0"/>
+                        <a:t>실용영어</a:t>
+                      </a:r>
+                      <a:r>
+                        <a:rPr lang="en-US" altLang="ko-KR" dirty="0"/>
+                        <a:t>2</a:t>
+                      </a:r>
+                      <a:endParaRPr lang="ko-KR" altLang="en-US" dirty="0"/>
+                    </a:p>
+                  </a:txBody>
+                  <a:tcPr/>
+                </a:tc>
+                <a:tc>
+                  <a:txBody>
+                    <a:bodyPr/>
+                    <a:lstStyle/>
+                    <a:p>
+                      <a:pPr latinLnBrk="1"/>
+                      <a:r>
+                        <a:rPr lang="ko-KR" altLang="en-US" dirty="0"/>
+                        <a:t>생명공학과 미래</a:t>
+                      </a:r>
+                    </a:p>
+                  </a:txBody>
+                  <a:tcPr/>
+                </a:tc>
+                <a:tc>
+                  <a:txBody>
+                    <a:bodyPr/>
+                    <a:lstStyle/>
+                    <a:p>
+                      <a:pPr latinLnBrk="1"/>
+                      <a:r>
+                        <a:rPr lang="ko-KR" altLang="en-US" dirty="0"/>
+                        <a:t>교양 중국어</a:t>
+                      </a:r>
+                      <a:r>
+                        <a:rPr lang="en-US" altLang="ko-KR" dirty="0"/>
+                        <a:t>2</a:t>
+                      </a:r>
+                      <a:endParaRPr lang="ko-KR" altLang="en-US" dirty="0"/>
+                    </a:p>
+                  </a:txBody>
+                  <a:tcPr/>
+                </a:tc>
+                <a:tc>
+                  <a:txBody>
+                    <a:bodyPr/>
+                    <a:lstStyle/>
+                    <a:p>
+                      <a:pPr latinLnBrk="1"/>
+                      <a:r>
+                        <a:rPr lang="ko-KR" altLang="en-US" dirty="0"/>
+                        <a:t>소프트웨어 공학</a:t>
+                      </a:r>
+                    </a:p>
+                  </a:txBody>
+                  <a:tcPr/>
+                </a:tc>
+                <a:tc>
+                  <a:txBody>
+                    <a:bodyPr/>
+                    <a:lstStyle/>
+                    <a:p>
+                      <a:pPr latinLnBrk="1"/>
+                      <a:r>
+                        <a:rPr lang="ko-KR" altLang="en-US" dirty="0"/>
+                        <a:t>생활속의 물리학</a:t>
+                      </a:r>
+                    </a:p>
+                  </a:txBody>
+                  <a:tcPr/>
+                </a:tc>
+                <a:tc>
+                  <a:txBody>
+                    <a:bodyPr/>
+                    <a:lstStyle/>
+                    <a:p>
+                      <a:pPr latinLnBrk="1"/>
+                      <a:r>
+                        <a:rPr lang="ko-KR" altLang="en-US" dirty="0"/>
+                        <a:t>컴퓨터 보안 개론</a:t>
+                      </a:r>
+                    </a:p>
+                  </a:txBody>
+                  <a:tcPr/>
+                </a:tc>
+                <a:tc>
+                  <a:txBody>
+                    <a:bodyPr/>
+                    <a:lstStyle/>
+                    <a:p>
+                      <a:pPr latinLnBrk="1"/>
+                      <a:r>
+                        <a:rPr lang="ko-KR" altLang="en-US" dirty="0"/>
+                        <a:t>고급 프로그래밍</a:t>
+                      </a:r>
+                      <a:r>
+                        <a:rPr lang="en-US" altLang="ko-KR" dirty="0"/>
+                        <a:t>2</a:t>
+                      </a:r>
+                      <a:endParaRPr lang="ko-KR" altLang="en-US" dirty="0"/>
+                    </a:p>
+                  </a:txBody>
+                  <a:tcPr/>
+                </a:tc>
+                <a:extLst>
+                  <a:ext uri="{0D108BD9-81ED-4DB2-BD59-A6C34878D82A}">
+                    <a16:rowId xmlns:a16="http://schemas.microsoft.com/office/drawing/2014/main" val="3290715678"/>
+                  </a:ext>
+                </a:extLst>
+              </a:tr>
+              <a:tr h="495610">
+                <a:tc>
+                  <a:txBody>
+                    <a:bodyPr/>
+                    <a:lstStyle/>
+                    <a:p>
+                      <a:pPr latinLnBrk="1"/>
+                      <a:endParaRPr lang="ko-KR" altLang="en-US"/>
+                    </a:p>
+                  </a:txBody>
+                  <a:tcPr/>
+                </a:tc>
+                <a:tc>
+                  <a:txBody>
+                    <a:bodyPr/>
+                    <a:lstStyle/>
+                    <a:p>
+                      <a:pPr latinLnBrk="1"/>
+                      <a:endParaRPr lang="ko-KR" altLang="en-US" dirty="0"/>
+                    </a:p>
+                  </a:txBody>
+                  <a:tcPr/>
+                </a:tc>
+                <a:tc>
+                  <a:txBody>
+                    <a:bodyPr/>
+                    <a:lstStyle/>
+                    <a:p>
+                      <a:pPr latinLnBrk="1"/>
+                      <a:r>
+                        <a:rPr lang="ko-KR" altLang="en-US" dirty="0"/>
+                        <a:t>실용영어 </a:t>
+                      </a:r>
+                      <a:r>
+                        <a:rPr lang="en-US" altLang="ko-KR" dirty="0"/>
+                        <a:t>1</a:t>
+                      </a:r>
+                      <a:endParaRPr lang="ko-KR" altLang="en-US" dirty="0"/>
+                    </a:p>
+                  </a:txBody>
+                  <a:tcPr/>
+                </a:tc>
+                <a:tc>
+                  <a:txBody>
+                    <a:bodyPr/>
+                    <a:lstStyle/>
+                    <a:p>
+                      <a:pPr latinLnBrk="1"/>
+                      <a:r>
+                        <a:rPr lang="ko-KR" altLang="en-US" dirty="0"/>
+                        <a:t>리눅스 입문</a:t>
+                      </a:r>
+                    </a:p>
+                  </a:txBody>
+                  <a:tcPr/>
+                </a:tc>
+                <a:tc>
+                  <a:txBody>
+                    <a:bodyPr/>
+                    <a:lstStyle/>
+                    <a:p>
+                      <a:pPr latinLnBrk="1"/>
+                      <a:r>
+                        <a:rPr lang="ko-KR" altLang="en-US" dirty="0"/>
+                        <a:t>교양 중국어</a:t>
+                      </a:r>
+                    </a:p>
+                  </a:txBody>
+                  <a:tcPr/>
+                </a:tc>
+                <a:tc>
+                  <a:txBody>
+                    <a:bodyPr/>
+                    <a:lstStyle/>
+                    <a:p>
+                      <a:pPr latinLnBrk="1"/>
+                      <a:r>
+                        <a:rPr lang="ko-KR" altLang="en-US" dirty="0"/>
+                        <a:t>웹서버 프로그래밍</a:t>
+                      </a:r>
+                    </a:p>
+                  </a:txBody>
+                  <a:tcPr/>
+                </a:tc>
+                <a:tc>
+                  <a:txBody>
+                    <a:bodyPr/>
+                    <a:lstStyle/>
+                    <a:p>
+                      <a:pPr latinLnBrk="1"/>
+                      <a:r>
+                        <a:rPr lang="ko-KR" altLang="en-US" dirty="0"/>
+                        <a:t>컴퓨터 네트워크</a:t>
+                      </a:r>
+                    </a:p>
+                  </a:txBody>
+                  <a:tcPr/>
+                </a:tc>
+                <a:tc>
+                  <a:txBody>
+                    <a:bodyPr/>
+                    <a:lstStyle/>
+                    <a:p>
+                      <a:pPr latinLnBrk="1"/>
+                      <a:r>
+                        <a:rPr lang="ko-KR" altLang="en-US" dirty="0"/>
+                        <a:t>경영 통계학</a:t>
+                      </a:r>
+                    </a:p>
+                  </a:txBody>
+                  <a:tcPr/>
+                </a:tc>
+                <a:tc>
+                  <a:txBody>
+                    <a:bodyPr/>
+                    <a:lstStyle/>
+                    <a:p>
+                      <a:pPr latinLnBrk="1"/>
+                      <a:r>
+                        <a:rPr lang="ko-KR" altLang="en-US" dirty="0"/>
+                        <a:t>지능형 소프트웨어</a:t>
+                      </a:r>
+                    </a:p>
+                  </a:txBody>
+                  <a:tcPr/>
+                </a:tc>
+                <a:tc>
+                  <a:txBody>
+                    <a:bodyPr/>
+                    <a:lstStyle/>
+                    <a:p>
+                      <a:pPr latinLnBrk="1"/>
+                      <a:r>
+                        <a:rPr lang="en-US" altLang="ko-KR" dirty="0"/>
+                        <a:t>3D </a:t>
+                      </a:r>
+                      <a:r>
+                        <a:rPr lang="ko-KR" altLang="en-US" dirty="0"/>
+                        <a:t>그래픽스</a:t>
+                      </a:r>
+                      <a:r>
+                        <a:rPr lang="en-US" altLang="ko-KR" dirty="0"/>
+                        <a:t>2</a:t>
+                      </a:r>
+                      <a:endParaRPr lang="ko-KR" altLang="en-US" dirty="0"/>
+                    </a:p>
+                  </a:txBody>
+                  <a:tcPr/>
+                </a:tc>
+                <a:extLst>
+                  <a:ext uri="{0D108BD9-81ED-4DB2-BD59-A6C34878D82A}">
+                    <a16:rowId xmlns:a16="http://schemas.microsoft.com/office/drawing/2014/main" val="207091410"/>
+                  </a:ext>
+                </a:extLst>
+              </a:tr>
+              <a:tr h="495610">
+                <a:tc>
+                  <a:txBody>
+                    <a:bodyPr/>
+                    <a:lstStyle/>
+                    <a:p>
+                      <a:pPr latinLnBrk="1"/>
+                      <a:endParaRPr lang="ko-KR" altLang="en-US" dirty="0"/>
+                    </a:p>
+                  </a:txBody>
+                  <a:tcPr/>
+                </a:tc>
+                <a:tc>
+                  <a:txBody>
+                    <a:bodyPr/>
+                    <a:lstStyle/>
+                    <a:p>
+                      <a:pPr latinLnBrk="1"/>
+                      <a:endParaRPr lang="ko-KR" altLang="en-US" dirty="0"/>
+                    </a:p>
+                  </a:txBody>
+                  <a:tcPr/>
+                </a:tc>
+                <a:tc>
+                  <a:txBody>
+                    <a:bodyPr/>
+                    <a:lstStyle/>
+                    <a:p>
+                      <a:pPr latinLnBrk="1"/>
+                      <a:r>
+                        <a:rPr lang="ko-KR" altLang="en-US" dirty="0"/>
+                        <a:t>공학 멘토링</a:t>
+                      </a:r>
+                    </a:p>
+                  </a:txBody>
+                  <a:tcPr/>
+                </a:tc>
+                <a:tc>
+                  <a:txBody>
+                    <a:bodyPr/>
+                    <a:lstStyle/>
+                    <a:p>
+                      <a:pPr latinLnBrk="1"/>
+                      <a:r>
+                        <a:rPr lang="ko-KR" altLang="en-US" dirty="0"/>
+                        <a:t>기독교와 인성교육</a:t>
+                      </a:r>
+                    </a:p>
+                  </a:txBody>
+                  <a:tcPr/>
+                </a:tc>
+                <a:tc>
+                  <a:txBody>
+                    <a:bodyPr/>
+                    <a:lstStyle/>
+                    <a:p>
+                      <a:pPr latinLnBrk="1"/>
+                      <a:r>
+                        <a:rPr lang="ko-KR" altLang="en-US" dirty="0"/>
+                        <a:t>사회봉사</a:t>
+                      </a:r>
+                    </a:p>
+                  </a:txBody>
+                  <a:tcPr/>
+                </a:tc>
+                <a:tc>
+                  <a:txBody>
+                    <a:bodyPr/>
+                    <a:lstStyle/>
+                    <a:p>
+                      <a:pPr latinLnBrk="1"/>
+                      <a:r>
+                        <a:rPr lang="ko-KR" altLang="en-US" dirty="0"/>
+                        <a:t>데이터 통신</a:t>
+                      </a:r>
+                    </a:p>
+                  </a:txBody>
+                  <a:tcPr/>
+                </a:tc>
+                <a:tc>
+                  <a:txBody>
+                    <a:bodyPr/>
+                    <a:lstStyle/>
+                    <a:p>
+                      <a:pPr latinLnBrk="1"/>
+                      <a:r>
+                        <a:rPr lang="ko-KR" altLang="en-US" dirty="0"/>
+                        <a:t>프로젝트 설계 및 실습</a:t>
+                      </a:r>
+                    </a:p>
+                  </a:txBody>
+                  <a:tcPr/>
+                </a:tc>
+                <a:tc>
+                  <a:txBody>
+                    <a:bodyPr/>
+                    <a:lstStyle/>
+                    <a:p>
+                      <a:pPr latinLnBrk="1"/>
+                      <a:r>
+                        <a:rPr lang="ko-KR" altLang="en-US" dirty="0"/>
+                        <a:t>고급 인공지능</a:t>
+                      </a:r>
+                    </a:p>
+                  </a:txBody>
+                  <a:tcPr/>
+                </a:tc>
+                <a:tc>
+                  <a:txBody>
+                    <a:bodyPr/>
+                    <a:lstStyle/>
+                    <a:p>
+                      <a:pPr latinLnBrk="1"/>
+                      <a:r>
+                        <a:rPr lang="ko-KR" altLang="en-US" dirty="0"/>
+                        <a:t>소프트웨어 분석 설계</a:t>
+                      </a:r>
+                    </a:p>
+                  </a:txBody>
+                  <a:tcPr/>
+                </a:tc>
+                <a:tc>
+                  <a:txBody>
+                    <a:bodyPr/>
+                    <a:lstStyle/>
+                    <a:p>
+                      <a:pPr latinLnBrk="1"/>
+                      <a:r>
+                        <a:rPr lang="ko-KR" altLang="en-US" dirty="0"/>
+                        <a:t>문명교류의 글로벌 세계</a:t>
+                      </a:r>
+                    </a:p>
+                  </a:txBody>
+                  <a:tcPr/>
+                </a:tc>
+                <a:extLst>
+                  <a:ext uri="{0D108BD9-81ED-4DB2-BD59-A6C34878D82A}">
+                    <a16:rowId xmlns:a16="http://schemas.microsoft.com/office/drawing/2014/main" val="1704494468"/>
+                  </a:ext>
+                </a:extLst>
+              </a:tr>
+              <a:tr h="495610">
+                <a:tc>
+                  <a:txBody>
+                    <a:bodyPr/>
+                    <a:lstStyle/>
+                    <a:p>
+                      <a:pPr latinLnBrk="1"/>
+                      <a:endParaRPr lang="ko-KR" altLang="en-US" dirty="0"/>
+                    </a:p>
+                  </a:txBody>
+                  <a:tcPr/>
+                </a:tc>
+                <a:tc>
+                  <a:txBody>
+                    <a:bodyPr/>
+                    <a:lstStyle/>
+                    <a:p>
+                      <a:pPr latinLnBrk="1"/>
+                      <a:endParaRPr lang="ko-KR" altLang="en-US"/>
+                    </a:p>
+                  </a:txBody>
+                  <a:tcPr/>
+                </a:tc>
+                <a:tc>
+                  <a:txBody>
+                    <a:bodyPr/>
+                    <a:lstStyle/>
+                    <a:p>
+                      <a:pPr latinLnBrk="1"/>
+                      <a:r>
+                        <a:rPr lang="ko-KR" altLang="en-US" dirty="0"/>
+                        <a:t>영어와 함께하는 미술사 산책</a:t>
+                      </a:r>
+                    </a:p>
+                  </a:txBody>
+                  <a:tcPr/>
+                </a:tc>
+                <a:tc>
+                  <a:txBody>
+                    <a:bodyPr/>
+                    <a:lstStyle/>
+                    <a:p>
+                      <a:pPr latinLnBrk="1"/>
+                      <a:r>
+                        <a:rPr lang="ko-KR" altLang="en-US" dirty="0"/>
+                        <a:t>전산수학</a:t>
+                      </a:r>
+                    </a:p>
+                  </a:txBody>
+                  <a:tcPr/>
+                </a:tc>
+                <a:tc>
+                  <a:txBody>
+                    <a:bodyPr/>
+                    <a:lstStyle/>
+                    <a:p>
+                      <a:pPr latinLnBrk="1"/>
+                      <a:r>
+                        <a:rPr lang="ko-KR" altLang="en-US" dirty="0"/>
+                        <a:t>논리설계</a:t>
+                      </a:r>
+                    </a:p>
+                  </a:txBody>
+                  <a:tcPr/>
+                </a:tc>
+                <a:tc>
+                  <a:txBody>
+                    <a:bodyPr/>
+                    <a:lstStyle/>
+                    <a:p>
+                      <a:pPr latinLnBrk="1"/>
+                      <a:r>
+                        <a:rPr lang="ko-KR" altLang="en-US" dirty="0"/>
+                        <a:t>현대인의 세무상식</a:t>
+                      </a:r>
+                    </a:p>
+                  </a:txBody>
+                  <a:tcPr/>
+                </a:tc>
+                <a:tc>
+                  <a:txBody>
+                    <a:bodyPr/>
+                    <a:lstStyle/>
+                    <a:p>
+                      <a:pPr latinLnBrk="1"/>
+                      <a:r>
+                        <a:rPr lang="ko-KR" altLang="en-US" dirty="0"/>
+                        <a:t>시스템  소프트웨어</a:t>
+                      </a:r>
+                    </a:p>
+                  </a:txBody>
+                  <a:tcPr/>
+                </a:tc>
+                <a:tc>
+                  <a:txBody>
+                    <a:bodyPr/>
+                    <a:lstStyle/>
+                    <a:p>
+                      <a:pPr latinLnBrk="1"/>
+                      <a:r>
+                        <a:rPr lang="en-US" altLang="ko-KR" dirty="0"/>
+                        <a:t>IOT</a:t>
+                      </a:r>
+                      <a:r>
+                        <a:rPr lang="ko-KR" altLang="en-US" dirty="0"/>
+                        <a:t>시스템 응용</a:t>
+                      </a:r>
+                    </a:p>
+                  </a:txBody>
+                  <a:tcPr/>
+                </a:tc>
+                <a:tc>
+                  <a:txBody>
+                    <a:bodyPr/>
+                    <a:lstStyle/>
+                    <a:p>
+                      <a:pPr latinLnBrk="1"/>
+                      <a:r>
+                        <a:rPr lang="ko-KR" altLang="en-US" dirty="0"/>
+                        <a:t>데이터 자동화 시스템</a:t>
+                      </a:r>
+                    </a:p>
+                  </a:txBody>
+                  <a:tcPr/>
+                </a:tc>
+                <a:tc>
+                  <a:txBody>
+                    <a:bodyPr/>
+                    <a:lstStyle/>
+                    <a:p>
+                      <a:pPr latinLnBrk="1"/>
+                      <a:endParaRPr lang="ko-KR" altLang="en-US"/>
+                    </a:p>
+                  </a:txBody>
+                  <a:tcPr/>
+                </a:tc>
+                <a:extLst>
+                  <a:ext uri="{0D108BD9-81ED-4DB2-BD59-A6C34878D82A}">
+                    <a16:rowId xmlns:a16="http://schemas.microsoft.com/office/drawing/2014/main" val="2642808620"/>
+                  </a:ext>
+                </a:extLst>
+              </a:tr>
+              <a:tr h="495610">
+                <a:tc>
+                  <a:txBody>
+                    <a:bodyPr/>
+                    <a:lstStyle/>
+                    <a:p>
+                      <a:pPr latinLnBrk="1"/>
+                      <a:endParaRPr lang="ko-KR" altLang="en-US" dirty="0"/>
+                    </a:p>
+                  </a:txBody>
+                  <a:tcPr/>
+                </a:tc>
+                <a:tc>
+                  <a:txBody>
+                    <a:bodyPr/>
+                    <a:lstStyle/>
+                    <a:p>
+                      <a:pPr latinLnBrk="1"/>
+                      <a:endParaRPr lang="ko-KR" altLang="en-US"/>
+                    </a:p>
+                  </a:txBody>
+                  <a:tcPr/>
+                </a:tc>
+                <a:tc>
+                  <a:txBody>
+                    <a:bodyPr/>
+                    <a:lstStyle/>
+                    <a:p>
+                      <a:pPr latinLnBrk="1"/>
+                      <a:r>
+                        <a:rPr lang="ko-KR" altLang="en-US" dirty="0"/>
+                        <a:t>취업컨설팅</a:t>
+                      </a:r>
+                    </a:p>
+                  </a:txBody>
+                  <a:tcPr/>
+                </a:tc>
+                <a:tc>
+                  <a:txBody>
+                    <a:bodyPr/>
+                    <a:lstStyle/>
+                    <a:p>
+                      <a:pPr latinLnBrk="1"/>
+                      <a:r>
+                        <a:rPr lang="ko-KR" altLang="en-US" dirty="0"/>
+                        <a:t>프로그래밍 기초</a:t>
+                      </a:r>
+                    </a:p>
+                  </a:txBody>
+                  <a:tcPr/>
+                </a:tc>
+                <a:tc>
+                  <a:txBody>
+                    <a:bodyPr/>
+                    <a:lstStyle/>
+                    <a:p>
+                      <a:pPr latinLnBrk="1"/>
+                      <a:r>
+                        <a:rPr lang="ko-KR" altLang="en-US" dirty="0"/>
+                        <a:t>응용 프로그래밍</a:t>
+                      </a:r>
+                    </a:p>
+                  </a:txBody>
+                  <a:tcPr/>
+                </a:tc>
+                <a:tc>
+                  <a:txBody>
+                    <a:bodyPr/>
+                    <a:lstStyle/>
+                    <a:p>
+                      <a:pPr latinLnBrk="1"/>
+                      <a:r>
+                        <a:rPr lang="ko-KR" altLang="en-US" dirty="0"/>
+                        <a:t>데이터베이스 응용</a:t>
+                      </a:r>
+                    </a:p>
+                  </a:txBody>
+                  <a:tcPr/>
+                </a:tc>
+                <a:tc>
+                  <a:txBody>
+                    <a:bodyPr/>
+                    <a:lstStyle/>
+                    <a:p>
+                      <a:pPr latinLnBrk="1"/>
+                      <a:r>
+                        <a:rPr lang="ko-KR" altLang="en-US" dirty="0"/>
+                        <a:t>모바일 프로그래밍</a:t>
+                      </a:r>
+                    </a:p>
+                  </a:txBody>
+                  <a:tcPr/>
+                </a:tc>
+                <a:tc>
+                  <a:txBody>
+                    <a:bodyPr/>
+                    <a:lstStyle/>
+                    <a:p>
+                      <a:pPr latinLnBrk="1"/>
+                      <a:r>
+                        <a:rPr lang="ko-KR" altLang="en-US" dirty="0"/>
+                        <a:t>알고리즘</a:t>
+                      </a:r>
+                    </a:p>
+                  </a:txBody>
+                  <a:tcPr/>
+                </a:tc>
+                <a:tc>
+                  <a:txBody>
+                    <a:bodyPr/>
+                    <a:lstStyle/>
+                    <a:p>
+                      <a:pPr latinLnBrk="1"/>
+                      <a:endParaRPr lang="ko-KR" altLang="en-US" dirty="0"/>
+                    </a:p>
+                  </a:txBody>
+                  <a:tcPr/>
+                </a:tc>
+                <a:tc>
+                  <a:txBody>
+                    <a:bodyPr/>
+                    <a:lstStyle/>
+                    <a:p>
+                      <a:pPr latinLnBrk="1"/>
+                      <a:endParaRPr lang="ko-KR" altLang="en-US" dirty="0"/>
+                    </a:p>
+                  </a:txBody>
+                  <a:tcPr/>
+                </a:tc>
+                <a:extLst>
+                  <a:ext uri="{0D108BD9-81ED-4DB2-BD59-A6C34878D82A}">
+                    <a16:rowId xmlns:a16="http://schemas.microsoft.com/office/drawing/2014/main" val="1800239870"/>
+                  </a:ext>
+                </a:extLst>
+              </a:tr>
+              <a:tr h="495610">
+                <a:tc>
+                  <a:txBody>
+                    <a:bodyPr/>
+                    <a:lstStyle/>
+                    <a:p>
+                      <a:pPr latinLnBrk="1"/>
+                      <a:endParaRPr lang="ko-KR" altLang="en-US" dirty="0"/>
+                    </a:p>
+                  </a:txBody>
+                  <a:tcPr/>
+                </a:tc>
+                <a:tc>
+                  <a:txBody>
+                    <a:bodyPr/>
+                    <a:lstStyle/>
+                    <a:p>
+                      <a:pPr latinLnBrk="1"/>
+                      <a:endParaRPr lang="ko-KR" altLang="en-US" dirty="0"/>
+                    </a:p>
+                  </a:txBody>
+                  <a:tcPr/>
+                </a:tc>
+                <a:tc>
+                  <a:txBody>
+                    <a:bodyPr/>
+                    <a:lstStyle/>
+                    <a:p>
+                      <a:pPr latinLnBrk="1"/>
+                      <a:r>
+                        <a:rPr lang="en-US" altLang="ko-KR" dirty="0"/>
+                        <a:t>RWP</a:t>
+                      </a:r>
+                      <a:endParaRPr lang="ko-KR" altLang="en-US" dirty="0"/>
+                    </a:p>
+                  </a:txBody>
+                  <a:tcPr/>
+                </a:tc>
+                <a:tc>
+                  <a:txBody>
+                    <a:bodyPr/>
+                    <a:lstStyle/>
+                    <a:p>
+                      <a:pPr latinLnBrk="1"/>
+                      <a:endParaRPr lang="ko-KR" altLang="en-US"/>
+                    </a:p>
+                  </a:txBody>
+                  <a:tcPr/>
+                </a:tc>
+                <a:tc>
+                  <a:txBody>
+                    <a:bodyPr/>
+                    <a:lstStyle/>
+                    <a:p>
+                      <a:pPr latinLnBrk="1"/>
+                      <a:r>
+                        <a:rPr lang="ko-KR" altLang="en-US" dirty="0"/>
+                        <a:t>데이터베이스 개론</a:t>
+                      </a:r>
+                    </a:p>
+                  </a:txBody>
+                  <a:tcPr/>
+                </a:tc>
+                <a:tc>
+                  <a:txBody>
+                    <a:bodyPr/>
+                    <a:lstStyle/>
+                    <a:p>
+                      <a:pPr latinLnBrk="1"/>
+                      <a:r>
+                        <a:rPr lang="ko-KR" altLang="en-US" dirty="0"/>
+                        <a:t>컴퓨터 구조</a:t>
+                      </a:r>
+                    </a:p>
+                  </a:txBody>
+                  <a:tcPr/>
+                </a:tc>
+                <a:tc>
+                  <a:txBody>
+                    <a:bodyPr/>
+                    <a:lstStyle/>
+                    <a:p>
+                      <a:pPr latinLnBrk="1"/>
+                      <a:endParaRPr lang="ko-KR" altLang="en-US" dirty="0"/>
+                    </a:p>
+                  </a:txBody>
+                  <a:tcPr/>
+                </a:tc>
+                <a:tc>
+                  <a:txBody>
+                    <a:bodyPr/>
+                    <a:lstStyle/>
+                    <a:p>
+                      <a:pPr latinLnBrk="1"/>
+                      <a:endParaRPr lang="ko-KR" altLang="en-US"/>
+                    </a:p>
+                  </a:txBody>
+                  <a:tcPr/>
+                </a:tc>
+                <a:tc>
+                  <a:txBody>
+                    <a:bodyPr/>
+                    <a:lstStyle/>
+                    <a:p>
+                      <a:pPr latinLnBrk="1"/>
+                      <a:endParaRPr lang="ko-KR" altLang="en-US" dirty="0"/>
+                    </a:p>
+                  </a:txBody>
+                  <a:tcPr/>
+                </a:tc>
+                <a:tc>
+                  <a:txBody>
+                    <a:bodyPr/>
+                    <a:lstStyle/>
+                    <a:p>
+                      <a:pPr latinLnBrk="1"/>
+                      <a:endParaRPr lang="ko-KR" altLang="en-US" dirty="0"/>
+                    </a:p>
+                  </a:txBody>
+                  <a:tcPr/>
+                </a:tc>
+                <a:extLst>
+                  <a:ext uri="{0D108BD9-81ED-4DB2-BD59-A6C34878D82A}">
+                    <a16:rowId xmlns:a16="http://schemas.microsoft.com/office/drawing/2014/main" val="2643958157"/>
+                  </a:ext>
+                </a:extLst>
+              </a:tr>
+            </a:tbl>
+          </a:graphicData>
+        </a:graphic>
+      </p:graphicFrame>
+    </p:spTree>
+    <p:extLst>
+      <p:ext uri="{BB962C8B-B14F-4D97-AF65-F5344CB8AC3E}">
+        <p14:creationId xmlns:p14="http://schemas.microsoft.com/office/powerpoint/2010/main" val="2147686277"/>
       </p:ext>
     </p:extLst>
   </p:cSld>
@@ -8712,23 +10367,11 @@
             </a:r>
             <a:r>
               <a:rPr lang="ko-KR" altLang="en-US" sz="1200" b="1" dirty="0"/>
-              <a:t>작업 </a:t>
-            </a:r>
-            <a:r>
-              <a:rPr lang="ko-KR" altLang="en-US" sz="1200" b="1" dirty="0" err="1"/>
-              <a:t>싱테</a:t>
-            </a:r>
-            <a:r>
-              <a:rPr lang="ko-KR" altLang="en-US" sz="1200" b="1" dirty="0"/>
-              <a:t> </a:t>
-            </a:r>
-            <a:r>
-              <a:rPr lang="en-US" altLang="ko-KR" sz="1200" b="1" dirty="0" err="1"/>
-              <a:t>Togle</a:t>
+              <a:t>작업 상태 </a:t>
             </a:r>
             <a:r>
               <a:rPr lang="en-US" altLang="ko-KR" sz="1200" b="1" dirty="0"/>
-              <a:t> </a:t>
+              <a:t>Toggle </a:t>
             </a:r>
             <a:r>
               <a:rPr lang="ko-KR" altLang="en-US" sz="1200" b="1" dirty="0"/>
@@ -8772,15 +10415,7 @@
             </a:r>
             <a:r>
               <a:rPr lang="ko-KR" altLang="en-US" sz="1200" b="1" dirty="0"/>
-              <a:t>작업 </a:t>
-            </a:r>
-            <a:r>
-              <a:rPr lang="ko-KR" altLang="en-US" sz="1200" b="1" dirty="0" err="1"/>
-              <a:t>싱테</a:t>
-            </a:r>
-            <a:r>
-              <a:rPr lang="ko-KR" altLang="en-US" sz="1200" b="1" dirty="0"/>
-              <a:t> 변화 실시간 감지 및 반환</a:t>
+              <a:t>작업 상태 변화 실시간 감지 및 반환</a:t>
             </a:r>
           </a:p>
         </p:txBody>

--- a/과제/프레젠테이션 23.pptx
+++ b/과제/프레젠테이션 23.pptx
@@ -12,11 +12,15 @@
     <p:sldId id="259" r:id="rId6"/>
     <p:sldId id="264" r:id="rId7"/>
     <p:sldId id="260" r:id="rId8"/>
-    <p:sldId id="261" r:id="rId9"/>
-    <p:sldId id="262" r:id="rId10"/>
-    <p:sldId id="265" r:id="rId11"/>
-    <p:sldId id="266" r:id="rId12"/>
-    <p:sldId id="267" r:id="rId13"/>
+    <p:sldId id="268" r:id="rId9"/>
+    <p:sldId id="269" r:id="rId10"/>
+    <p:sldId id="270" r:id="rId11"/>
+    <p:sldId id="272" r:id="rId12"/>
+    <p:sldId id="261" r:id="rId13"/>
+    <p:sldId id="262" r:id="rId14"/>
+    <p:sldId id="265" r:id="rId15"/>
+    <p:sldId id="266" r:id="rId16"/>
+    <p:sldId id="267" r:id="rId17"/>
   </p:sldIdLst>
   <p:sldSz cx="12192000" cy="6858000"/>
   <p:notesSz cx="6858000" cy="9144000"/>
@@ -279,7 +283,7 @@
           <a:p>
             <a:fld id="{AD3280C5-DF15-423D-9B8B-39743579C484}" type="datetimeFigureOut">
               <a:rPr lang="ko-KR" altLang="en-US" smtClean="0"/>
-              <a:t>2023-10-23</a:t>
+              <a:t>2023-10-30</a:t>
             </a:fld>
             <a:endParaRPr lang="ko-KR" altLang="en-US"/>
           </a:p>
@@ -477,7 +481,7 @@
           <a:p>
             <a:fld id="{AD3280C5-DF15-423D-9B8B-39743579C484}" type="datetimeFigureOut">
               <a:rPr lang="ko-KR" altLang="en-US" smtClean="0"/>
-              <a:t>2023-10-23</a:t>
+              <a:t>2023-10-30</a:t>
             </a:fld>
             <a:endParaRPr lang="ko-KR" altLang="en-US"/>
           </a:p>
@@ -685,7 +689,7 @@
           <a:p>
             <a:fld id="{AD3280C5-DF15-423D-9B8B-39743579C484}" type="datetimeFigureOut">
               <a:rPr lang="ko-KR" altLang="en-US" smtClean="0"/>
-              <a:t>2023-10-23</a:t>
+              <a:t>2023-10-30</a:t>
             </a:fld>
             <a:endParaRPr lang="ko-KR" altLang="en-US"/>
           </a:p>
@@ -883,7 +887,7 @@
           <a:p>
             <a:fld id="{AD3280C5-DF15-423D-9B8B-39743579C484}" type="datetimeFigureOut">
               <a:rPr lang="ko-KR" altLang="en-US" smtClean="0"/>
-              <a:t>2023-10-23</a:t>
+              <a:t>2023-10-30</a:t>
             </a:fld>
             <a:endParaRPr lang="ko-KR" altLang="en-US"/>
           </a:p>
@@ -1158,7 +1162,7 @@
           <a:p>
             <a:fld id="{AD3280C5-DF15-423D-9B8B-39743579C484}" type="datetimeFigureOut">
               <a:rPr lang="ko-KR" altLang="en-US" smtClean="0"/>
-              <a:t>2023-10-23</a:t>
+              <a:t>2023-10-30</a:t>
             </a:fld>
             <a:endParaRPr lang="ko-KR" altLang="en-US"/>
           </a:p>
@@ -1423,7 +1427,7 @@
           <a:p>
             <a:fld id="{AD3280C5-DF15-423D-9B8B-39743579C484}" type="datetimeFigureOut">
               <a:rPr lang="ko-KR" altLang="en-US" smtClean="0"/>
-              <a:t>2023-10-23</a:t>
+              <a:t>2023-10-30</a:t>
             </a:fld>
             <a:endParaRPr lang="ko-KR" altLang="en-US"/>
           </a:p>
@@ -1835,7 +1839,7 @@
           <a:p>
             <a:fld id="{AD3280C5-DF15-423D-9B8B-39743579C484}" type="datetimeFigureOut">
               <a:rPr lang="ko-KR" altLang="en-US" smtClean="0"/>
-              <a:t>2023-10-23</a:t>
+              <a:t>2023-10-30</a:t>
             </a:fld>
             <a:endParaRPr lang="ko-KR" altLang="en-US"/>
           </a:p>
@@ -1976,7 +1980,7 @@
           <a:p>
             <a:fld id="{AD3280C5-DF15-423D-9B8B-39743579C484}" type="datetimeFigureOut">
               <a:rPr lang="ko-KR" altLang="en-US" smtClean="0"/>
-              <a:t>2023-10-23</a:t>
+              <a:t>2023-10-30</a:t>
             </a:fld>
             <a:endParaRPr lang="ko-KR" altLang="en-US"/>
           </a:p>
@@ -2089,7 +2093,7 @@
           <a:p>
             <a:fld id="{AD3280C5-DF15-423D-9B8B-39743579C484}" type="datetimeFigureOut">
               <a:rPr lang="ko-KR" altLang="en-US" smtClean="0"/>
-              <a:t>2023-10-23</a:t>
+              <a:t>2023-10-30</a:t>
             </a:fld>
             <a:endParaRPr lang="ko-KR" altLang="en-US"/>
           </a:p>
@@ -2400,7 +2404,7 @@
           <a:p>
             <a:fld id="{AD3280C5-DF15-423D-9B8B-39743579C484}" type="datetimeFigureOut">
               <a:rPr lang="ko-KR" altLang="en-US" smtClean="0"/>
-              <a:t>2023-10-23</a:t>
+              <a:t>2023-10-30</a:t>
             </a:fld>
             <a:endParaRPr lang="ko-KR" altLang="en-US"/>
           </a:p>
@@ -2688,7 +2692,7 @@
           <a:p>
             <a:fld id="{AD3280C5-DF15-423D-9B8B-39743579C484}" type="datetimeFigureOut">
               <a:rPr lang="ko-KR" altLang="en-US" smtClean="0"/>
-              <a:t>2023-10-23</a:t>
+              <a:t>2023-10-30</a:t>
             </a:fld>
             <a:endParaRPr lang="ko-KR" altLang="en-US"/>
           </a:p>
@@ -2929,7 +2933,7 @@
           <a:p>
             <a:fld id="{AD3280C5-DF15-423D-9B8B-39743579C484}" type="datetimeFigureOut">
               <a:rPr lang="ko-KR" altLang="en-US" smtClean="0"/>
-              <a:t>2023-10-23</a:t>
+              <a:t>2023-10-30</a:t>
             </a:fld>
             <a:endParaRPr lang="ko-KR" altLang="en-US"/>
           </a:p>
@@ -4256,6 +4260,3167 @@
       </p:grpSpPr>
       <p:pic>
         <p:nvPicPr>
+          <p:cNvPr id="27" name="그림 26" descr="텍스트, 스크린샷, 디자인이(가) 표시된 사진&#10;&#10;자동 생성된 설명">
+            <a:extLst>
+              <a:ext uri="{FF2B5EF4-FFF2-40B4-BE49-F238E27FC236}">
+                <a16:creationId xmlns:a16="http://schemas.microsoft.com/office/drawing/2014/main" id="{DA195C72-BB3A-2BB1-B95F-72A5C9B3D647}"/>
+              </a:ext>
+            </a:extLst>
+          </p:cNvPr>
+          <p:cNvPicPr>
+            <a:picLocks noChangeAspect="1"/>
+          </p:cNvPicPr>
+          <p:nvPr/>
+        </p:nvPicPr>
+        <p:blipFill>
+          <a:blip r:embed="rId2">
+            <a:extLst>
+              <a:ext uri="{28A0092B-C50C-407E-A947-70E740481C1C}">
+                <a14:useLocalDpi xmlns:a14="http://schemas.microsoft.com/office/drawing/2010/main" val="0"/>
+              </a:ext>
+            </a:extLst>
+          </a:blip>
+          <a:stretch>
+            <a:fillRect/>
+          </a:stretch>
+        </p:blipFill>
+        <p:spPr>
+          <a:xfrm>
+            <a:off x="1589138" y="0"/>
+            <a:ext cx="3197111" cy="6858000"/>
+          </a:xfrm>
+          <a:prstGeom prst="rect">
+            <a:avLst/>
+          </a:prstGeom>
+        </p:spPr>
+      </p:pic>
+      <p:pic>
+        <p:nvPicPr>
+          <p:cNvPr id="9" name="그림 8" descr="텍스트, 컴퓨터, 스크린샷, 소프트웨어이(가) 표시된 사진&#10;&#10;자동 생성된 설명">
+            <a:extLst>
+              <a:ext uri="{FF2B5EF4-FFF2-40B4-BE49-F238E27FC236}">
+                <a16:creationId xmlns:a16="http://schemas.microsoft.com/office/drawing/2014/main" id="{3606A8BA-993F-EE46-0DF7-03476C6D736D}"/>
+              </a:ext>
+            </a:extLst>
+          </p:cNvPr>
+          <p:cNvPicPr>
+            <a:picLocks noChangeAspect="1"/>
+          </p:cNvPicPr>
+          <p:nvPr/>
+        </p:nvPicPr>
+        <p:blipFill>
+          <a:blip r:embed="rId3">
+            <a:extLst>
+              <a:ext uri="{28A0092B-C50C-407E-A947-70E740481C1C}">
+                <a14:useLocalDpi xmlns:a14="http://schemas.microsoft.com/office/drawing/2010/main" val="0"/>
+              </a:ext>
+            </a:extLst>
+          </a:blip>
+          <a:stretch>
+            <a:fillRect/>
+          </a:stretch>
+        </p:blipFill>
+        <p:spPr>
+          <a:xfrm>
+            <a:off x="7405744" y="0"/>
+            <a:ext cx="3197111" cy="6858000"/>
+          </a:xfrm>
+          <a:prstGeom prst="rect">
+            <a:avLst/>
+          </a:prstGeom>
+        </p:spPr>
+      </p:pic>
+      <p:sp>
+        <p:nvSpPr>
+          <p:cNvPr id="12" name="직사각형 11">
+            <a:extLst>
+              <a:ext uri="{FF2B5EF4-FFF2-40B4-BE49-F238E27FC236}">
+                <a16:creationId xmlns:a16="http://schemas.microsoft.com/office/drawing/2014/main" id="{DC79E0DF-3CAF-7D71-2148-6A7D069D0E8C}"/>
+              </a:ext>
+            </a:extLst>
+          </p:cNvPr>
+          <p:cNvSpPr/>
+          <p:nvPr/>
+        </p:nvSpPr>
+        <p:spPr>
+          <a:xfrm>
+            <a:off x="1589144" y="209550"/>
+            <a:ext cx="3197111" cy="1422400"/>
+          </a:xfrm>
+          <a:prstGeom prst="rect">
+            <a:avLst/>
+          </a:prstGeom>
+          <a:solidFill>
+            <a:schemeClr val="accent6">
+              <a:alpha val="30000"/>
+            </a:schemeClr>
+          </a:solidFill>
+        </p:spPr>
+        <p:style>
+          <a:lnRef idx="2">
+            <a:schemeClr val="accent1">
+              <a:shade val="15000"/>
+            </a:schemeClr>
+          </a:lnRef>
+          <a:fillRef idx="1">
+            <a:schemeClr val="accent1"/>
+          </a:fillRef>
+          <a:effectRef idx="0">
+            <a:schemeClr val="accent1"/>
+          </a:effectRef>
+          <a:fontRef idx="minor">
+            <a:schemeClr val="lt1"/>
+          </a:fontRef>
+        </p:style>
+        <p:txBody>
+          <a:bodyPr rtlCol="0" anchor="ctr"/>
+          <a:lstStyle/>
+          <a:p>
+            <a:pPr algn="ctr"/>
+            <a:endParaRPr lang="ko-KR" altLang="en-US"/>
+          </a:p>
+        </p:txBody>
+      </p:sp>
+      <p:sp>
+        <p:nvSpPr>
+          <p:cNvPr id="13" name="직사각형 12">
+            <a:extLst>
+              <a:ext uri="{FF2B5EF4-FFF2-40B4-BE49-F238E27FC236}">
+                <a16:creationId xmlns:a16="http://schemas.microsoft.com/office/drawing/2014/main" id="{3948B8E4-CA07-8E08-4773-1C1EDF23ACAF}"/>
+              </a:ext>
+            </a:extLst>
+          </p:cNvPr>
+          <p:cNvSpPr/>
+          <p:nvPr/>
+        </p:nvSpPr>
+        <p:spPr>
+          <a:xfrm>
+            <a:off x="1589144" y="1638300"/>
+            <a:ext cx="3197111" cy="4381500"/>
+          </a:xfrm>
+          <a:prstGeom prst="rect">
+            <a:avLst/>
+          </a:prstGeom>
+          <a:solidFill>
+            <a:schemeClr val="accent2">
+              <a:alpha val="30000"/>
+            </a:schemeClr>
+          </a:solidFill>
+        </p:spPr>
+        <p:style>
+          <a:lnRef idx="2">
+            <a:schemeClr val="accent1">
+              <a:shade val="15000"/>
+            </a:schemeClr>
+          </a:lnRef>
+          <a:fillRef idx="1">
+            <a:schemeClr val="accent1"/>
+          </a:fillRef>
+          <a:effectRef idx="0">
+            <a:schemeClr val="accent1"/>
+          </a:effectRef>
+          <a:fontRef idx="minor">
+            <a:schemeClr val="lt1"/>
+          </a:fontRef>
+        </p:style>
+        <p:txBody>
+          <a:bodyPr rtlCol="0" anchor="ctr"/>
+          <a:lstStyle/>
+          <a:p>
+            <a:pPr algn="ctr"/>
+            <a:endParaRPr lang="ko-KR" altLang="en-US"/>
+          </a:p>
+        </p:txBody>
+      </p:sp>
+      <p:sp>
+        <p:nvSpPr>
+          <p:cNvPr id="14" name="직사각형 13">
+            <a:extLst>
+              <a:ext uri="{FF2B5EF4-FFF2-40B4-BE49-F238E27FC236}">
+                <a16:creationId xmlns:a16="http://schemas.microsoft.com/office/drawing/2014/main" id="{946623AA-DA4D-C516-789E-7A78D63C27DB}"/>
+              </a:ext>
+            </a:extLst>
+          </p:cNvPr>
+          <p:cNvSpPr/>
+          <p:nvPr/>
+        </p:nvSpPr>
+        <p:spPr>
+          <a:xfrm>
+            <a:off x="1589144" y="6019800"/>
+            <a:ext cx="3197111" cy="419100"/>
+          </a:xfrm>
+          <a:prstGeom prst="rect">
+            <a:avLst/>
+          </a:prstGeom>
+          <a:solidFill>
+            <a:schemeClr val="accent1">
+              <a:alpha val="30000"/>
+            </a:schemeClr>
+          </a:solidFill>
+        </p:spPr>
+        <p:style>
+          <a:lnRef idx="2">
+            <a:schemeClr val="accent1">
+              <a:shade val="15000"/>
+            </a:schemeClr>
+          </a:lnRef>
+          <a:fillRef idx="1">
+            <a:schemeClr val="accent1"/>
+          </a:fillRef>
+          <a:effectRef idx="0">
+            <a:schemeClr val="accent1"/>
+          </a:effectRef>
+          <a:fontRef idx="minor">
+            <a:schemeClr val="lt1"/>
+          </a:fontRef>
+        </p:style>
+        <p:txBody>
+          <a:bodyPr rtlCol="0" anchor="ctr"/>
+          <a:lstStyle/>
+          <a:p>
+            <a:pPr algn="ctr"/>
+            <a:endParaRPr lang="ko-KR" altLang="en-US"/>
+          </a:p>
+        </p:txBody>
+      </p:sp>
+      <p:cxnSp>
+        <p:nvCxnSpPr>
+          <p:cNvPr id="16" name="연결선: 꺾임 15">
+            <a:extLst>
+              <a:ext uri="{FF2B5EF4-FFF2-40B4-BE49-F238E27FC236}">
+                <a16:creationId xmlns:a16="http://schemas.microsoft.com/office/drawing/2014/main" id="{3659FDBB-3BE9-5847-D5E1-711B6F2130AE}"/>
+              </a:ext>
+            </a:extLst>
+          </p:cNvPr>
+          <p:cNvCxnSpPr/>
+          <p:nvPr/>
+        </p:nvCxnSpPr>
+        <p:spPr>
+          <a:xfrm flipV="1">
+            <a:off x="4786254" y="419100"/>
+            <a:ext cx="2619489" cy="419100"/>
+          </a:xfrm>
+          <a:prstGeom prst="bentConnector3">
+            <a:avLst/>
+          </a:prstGeom>
+          <a:ln w="38100">
+            <a:solidFill>
+              <a:schemeClr val="accent6"/>
+            </a:solidFill>
+            <a:tailEnd type="triangle"/>
+          </a:ln>
+        </p:spPr>
+        <p:style>
+          <a:lnRef idx="1">
+            <a:schemeClr val="accent1"/>
+          </a:lnRef>
+          <a:fillRef idx="0">
+            <a:schemeClr val="accent1"/>
+          </a:fillRef>
+          <a:effectRef idx="0">
+            <a:schemeClr val="accent1"/>
+          </a:effectRef>
+          <a:fontRef idx="minor">
+            <a:schemeClr val="tx1"/>
+          </a:fontRef>
+        </p:style>
+      </p:cxnSp>
+      <p:sp>
+        <p:nvSpPr>
+          <p:cNvPr id="17" name="직사각형 16">
+            <a:extLst>
+              <a:ext uri="{FF2B5EF4-FFF2-40B4-BE49-F238E27FC236}">
+                <a16:creationId xmlns:a16="http://schemas.microsoft.com/office/drawing/2014/main" id="{B9C8EAA8-0596-4A2A-2126-985A16643900}"/>
+              </a:ext>
+            </a:extLst>
+          </p:cNvPr>
+          <p:cNvSpPr/>
+          <p:nvPr/>
+        </p:nvSpPr>
+        <p:spPr>
+          <a:xfrm>
+            <a:off x="7405743" y="682624"/>
+            <a:ext cx="3197111" cy="5337175"/>
+          </a:xfrm>
+          <a:prstGeom prst="rect">
+            <a:avLst/>
+          </a:prstGeom>
+          <a:solidFill>
+            <a:schemeClr val="accent2">
+              <a:alpha val="30000"/>
+            </a:schemeClr>
+          </a:solidFill>
+        </p:spPr>
+        <p:style>
+          <a:lnRef idx="2">
+            <a:schemeClr val="accent1">
+              <a:shade val="15000"/>
+            </a:schemeClr>
+          </a:lnRef>
+          <a:fillRef idx="1">
+            <a:schemeClr val="accent1"/>
+          </a:fillRef>
+          <a:effectRef idx="0">
+            <a:schemeClr val="accent1"/>
+          </a:effectRef>
+          <a:fontRef idx="minor">
+            <a:schemeClr val="lt1"/>
+          </a:fontRef>
+        </p:style>
+        <p:txBody>
+          <a:bodyPr rtlCol="0" anchor="ctr"/>
+          <a:lstStyle/>
+          <a:p>
+            <a:pPr algn="ctr"/>
+            <a:endParaRPr lang="ko-KR" altLang="en-US"/>
+          </a:p>
+        </p:txBody>
+      </p:sp>
+      <p:sp>
+        <p:nvSpPr>
+          <p:cNvPr id="18" name="직사각형 17">
+            <a:extLst>
+              <a:ext uri="{FF2B5EF4-FFF2-40B4-BE49-F238E27FC236}">
+                <a16:creationId xmlns:a16="http://schemas.microsoft.com/office/drawing/2014/main" id="{34DD224B-404C-36BC-BDE4-FA52D5D20D24}"/>
+              </a:ext>
+            </a:extLst>
+          </p:cNvPr>
+          <p:cNvSpPr/>
+          <p:nvPr/>
+        </p:nvSpPr>
+        <p:spPr>
+          <a:xfrm>
+            <a:off x="7405743" y="6019799"/>
+            <a:ext cx="3197111" cy="419100"/>
+          </a:xfrm>
+          <a:prstGeom prst="rect">
+            <a:avLst/>
+          </a:prstGeom>
+          <a:solidFill>
+            <a:schemeClr val="accent1">
+              <a:alpha val="30000"/>
+            </a:schemeClr>
+          </a:solidFill>
+        </p:spPr>
+        <p:style>
+          <a:lnRef idx="2">
+            <a:schemeClr val="accent1">
+              <a:shade val="15000"/>
+            </a:schemeClr>
+          </a:lnRef>
+          <a:fillRef idx="1">
+            <a:schemeClr val="accent1"/>
+          </a:fillRef>
+          <a:effectRef idx="0">
+            <a:schemeClr val="accent1"/>
+          </a:effectRef>
+          <a:fontRef idx="minor">
+            <a:schemeClr val="lt1"/>
+          </a:fontRef>
+        </p:style>
+        <p:txBody>
+          <a:bodyPr rtlCol="0" anchor="ctr"/>
+          <a:lstStyle/>
+          <a:p>
+            <a:pPr algn="ctr"/>
+            <a:endParaRPr lang="ko-KR" altLang="en-US"/>
+          </a:p>
+        </p:txBody>
+      </p:sp>
+      <p:sp>
+        <p:nvSpPr>
+          <p:cNvPr id="19" name="직사각형 18">
+            <a:extLst>
+              <a:ext uri="{FF2B5EF4-FFF2-40B4-BE49-F238E27FC236}">
+                <a16:creationId xmlns:a16="http://schemas.microsoft.com/office/drawing/2014/main" id="{C63080FF-8615-0495-73DD-8E2D411D1980}"/>
+              </a:ext>
+            </a:extLst>
+          </p:cNvPr>
+          <p:cNvSpPr/>
+          <p:nvPr/>
+        </p:nvSpPr>
+        <p:spPr>
+          <a:xfrm>
+            <a:off x="7405742" y="209550"/>
+            <a:ext cx="3197111" cy="473074"/>
+          </a:xfrm>
+          <a:prstGeom prst="rect">
+            <a:avLst/>
+          </a:prstGeom>
+          <a:solidFill>
+            <a:schemeClr val="accent6">
+              <a:alpha val="30000"/>
+            </a:schemeClr>
+          </a:solidFill>
+        </p:spPr>
+        <p:style>
+          <a:lnRef idx="2">
+            <a:schemeClr val="accent1">
+              <a:shade val="15000"/>
+            </a:schemeClr>
+          </a:lnRef>
+          <a:fillRef idx="1">
+            <a:schemeClr val="accent1"/>
+          </a:fillRef>
+          <a:effectRef idx="0">
+            <a:schemeClr val="accent1"/>
+          </a:effectRef>
+          <a:fontRef idx="minor">
+            <a:schemeClr val="lt1"/>
+          </a:fontRef>
+        </p:style>
+        <p:txBody>
+          <a:bodyPr rtlCol="0" anchor="ctr"/>
+          <a:lstStyle/>
+          <a:p>
+            <a:pPr algn="ctr"/>
+            <a:endParaRPr lang="ko-KR" altLang="en-US"/>
+          </a:p>
+        </p:txBody>
+      </p:sp>
+      <p:cxnSp>
+        <p:nvCxnSpPr>
+          <p:cNvPr id="20" name="연결선: 꺾임 19">
+            <a:extLst>
+              <a:ext uri="{FF2B5EF4-FFF2-40B4-BE49-F238E27FC236}">
+                <a16:creationId xmlns:a16="http://schemas.microsoft.com/office/drawing/2014/main" id="{83F5C621-81FC-9AE7-D99B-E2660F5BE7C6}"/>
+              </a:ext>
+            </a:extLst>
+          </p:cNvPr>
+          <p:cNvCxnSpPr>
+            <a:cxnSpLocks/>
+            <a:endCxn id="17" idx="1"/>
+          </p:cNvCxnSpPr>
+          <p:nvPr/>
+        </p:nvCxnSpPr>
+        <p:spPr>
+          <a:xfrm flipV="1">
+            <a:off x="4786251" y="3351212"/>
+            <a:ext cx="2619492" cy="369888"/>
+          </a:xfrm>
+          <a:prstGeom prst="bentConnector3">
+            <a:avLst/>
+          </a:prstGeom>
+          <a:ln w="38100">
+            <a:solidFill>
+              <a:schemeClr val="accent2"/>
+            </a:solidFill>
+            <a:tailEnd type="triangle"/>
+          </a:ln>
+        </p:spPr>
+        <p:style>
+          <a:lnRef idx="1">
+            <a:schemeClr val="accent1"/>
+          </a:lnRef>
+          <a:fillRef idx="0">
+            <a:schemeClr val="accent1"/>
+          </a:fillRef>
+          <a:effectRef idx="0">
+            <a:schemeClr val="accent1"/>
+          </a:effectRef>
+          <a:fontRef idx="minor">
+            <a:schemeClr val="tx1"/>
+          </a:fontRef>
+        </p:style>
+      </p:cxnSp>
+      <p:cxnSp>
+        <p:nvCxnSpPr>
+          <p:cNvPr id="21" name="연결선: 꺾임 20">
+            <a:extLst>
+              <a:ext uri="{FF2B5EF4-FFF2-40B4-BE49-F238E27FC236}">
+                <a16:creationId xmlns:a16="http://schemas.microsoft.com/office/drawing/2014/main" id="{7154D096-160A-1A51-C689-51190B28FE88}"/>
+              </a:ext>
+            </a:extLst>
+          </p:cNvPr>
+          <p:cNvCxnSpPr>
+            <a:cxnSpLocks/>
+            <a:stCxn id="14" idx="3"/>
+            <a:endCxn id="18" idx="1"/>
+          </p:cNvCxnSpPr>
+          <p:nvPr/>
+        </p:nvCxnSpPr>
+        <p:spPr>
+          <a:xfrm flipV="1">
+            <a:off x="4786255" y="6229349"/>
+            <a:ext cx="2619488" cy="1"/>
+          </a:xfrm>
+          <a:prstGeom prst="bentConnector3">
+            <a:avLst/>
+          </a:prstGeom>
+          <a:ln w="38100">
+            <a:tailEnd type="triangle"/>
+          </a:ln>
+        </p:spPr>
+        <p:style>
+          <a:lnRef idx="1">
+            <a:schemeClr val="accent1"/>
+          </a:lnRef>
+          <a:fillRef idx="0">
+            <a:schemeClr val="accent1"/>
+          </a:fillRef>
+          <a:effectRef idx="0">
+            <a:schemeClr val="accent1"/>
+          </a:effectRef>
+          <a:fontRef idx="minor">
+            <a:schemeClr val="tx1"/>
+          </a:fontRef>
+        </p:style>
+      </p:cxnSp>
+    </p:spTree>
+    <p:extLst>
+      <p:ext uri="{BB962C8B-B14F-4D97-AF65-F5344CB8AC3E}">
+        <p14:creationId xmlns:p14="http://schemas.microsoft.com/office/powerpoint/2010/main" val="4183339735"/>
+      </p:ext>
+    </p:extLst>
+  </p:cSld>
+  <p:clrMapOvr>
+    <a:masterClrMapping/>
+  </p:clrMapOvr>
+</p:sld>
+</file>
+
+<file path=ppt/slides/slide11.xml><?xml version="1.0" encoding="utf-8"?>
+<p:sld xmlns:a="http://schemas.openxmlformats.org/drawingml/2006/main" xmlns:r="http://schemas.openxmlformats.org/officeDocument/2006/relationships" xmlns:p="http://schemas.openxmlformats.org/presentationml/2006/main">
+  <p:cSld>
+    <p:spTree>
+      <p:nvGrpSpPr>
+        <p:cNvPr id="1" name=""/>
+        <p:cNvGrpSpPr/>
+        <p:nvPr/>
+      </p:nvGrpSpPr>
+      <p:grpSpPr>
+        <a:xfrm>
+          <a:off x="0" y="0"/>
+          <a:ext cx="0" cy="0"/>
+          <a:chOff x="0" y="0"/>
+          <a:chExt cx="0" cy="0"/>
+        </a:xfrm>
+      </p:grpSpPr>
+      <p:pic>
+        <p:nvPicPr>
+          <p:cNvPr id="59" name="그림 58" descr="텍스트, 스크린샷, 소프트웨어, 디자인이(가) 표시된 사진&#10;&#10;자동 생성된 설명">
+            <a:extLst>
+              <a:ext uri="{FF2B5EF4-FFF2-40B4-BE49-F238E27FC236}">
+                <a16:creationId xmlns:a16="http://schemas.microsoft.com/office/drawing/2014/main" id="{CB77BD4D-3D16-01F3-335A-6E6ED5E6ABE1}"/>
+              </a:ext>
+            </a:extLst>
+          </p:cNvPr>
+          <p:cNvPicPr>
+            <a:picLocks noChangeAspect="1"/>
+          </p:cNvPicPr>
+          <p:nvPr/>
+        </p:nvPicPr>
+        <p:blipFill>
+          <a:blip r:embed="rId2">
+            <a:extLst>
+              <a:ext uri="{28A0092B-C50C-407E-A947-70E740481C1C}">
+                <a14:useLocalDpi xmlns:a14="http://schemas.microsoft.com/office/drawing/2010/main" val="0"/>
+              </a:ext>
+            </a:extLst>
+          </a:blip>
+          <a:stretch>
+            <a:fillRect/>
+          </a:stretch>
+        </p:blipFill>
+        <p:spPr>
+          <a:xfrm>
+            <a:off x="6656316" y="0"/>
+            <a:ext cx="3197111" cy="6858000"/>
+          </a:xfrm>
+          <a:prstGeom prst="rect">
+            <a:avLst/>
+          </a:prstGeom>
+        </p:spPr>
+      </p:pic>
+      <p:pic>
+        <p:nvPicPr>
+          <p:cNvPr id="57" name="그림 56" descr="텍스트, 스크린샷, 번호, 폰트이(가) 표시된 사진&#10;&#10;자동 생성된 설명">
+            <a:extLst>
+              <a:ext uri="{FF2B5EF4-FFF2-40B4-BE49-F238E27FC236}">
+                <a16:creationId xmlns:a16="http://schemas.microsoft.com/office/drawing/2014/main" id="{28CD8D2E-D0CC-D790-0EF6-7E9ED1B5841F}"/>
+              </a:ext>
+            </a:extLst>
+          </p:cNvPr>
+          <p:cNvPicPr>
+            <a:picLocks noChangeAspect="1"/>
+          </p:cNvPicPr>
+          <p:nvPr/>
+        </p:nvPicPr>
+        <p:blipFill>
+          <a:blip r:embed="rId3">
+            <a:extLst>
+              <a:ext uri="{28A0092B-C50C-407E-A947-70E740481C1C}">
+                <a14:useLocalDpi xmlns:a14="http://schemas.microsoft.com/office/drawing/2010/main" val="0"/>
+              </a:ext>
+            </a:extLst>
+          </a:blip>
+          <a:stretch>
+            <a:fillRect/>
+          </a:stretch>
+        </p:blipFill>
+        <p:spPr>
+          <a:xfrm>
+            <a:off x="-847154" y="0"/>
+            <a:ext cx="3197111" cy="6858000"/>
+          </a:xfrm>
+          <a:prstGeom prst="rect">
+            <a:avLst/>
+          </a:prstGeom>
+        </p:spPr>
+      </p:pic>
+      <p:sp>
+        <p:nvSpPr>
+          <p:cNvPr id="12" name="직사각형 11">
+            <a:extLst>
+              <a:ext uri="{FF2B5EF4-FFF2-40B4-BE49-F238E27FC236}">
+                <a16:creationId xmlns:a16="http://schemas.microsoft.com/office/drawing/2014/main" id="{DC79E0DF-3CAF-7D71-2148-6A7D069D0E8C}"/>
+              </a:ext>
+            </a:extLst>
+          </p:cNvPr>
+          <p:cNvSpPr/>
+          <p:nvPr/>
+        </p:nvSpPr>
+        <p:spPr>
+          <a:xfrm>
+            <a:off x="6644931" y="190500"/>
+            <a:ext cx="1165570" cy="419100"/>
+          </a:xfrm>
+          <a:prstGeom prst="rect">
+            <a:avLst/>
+          </a:prstGeom>
+          <a:solidFill>
+            <a:schemeClr val="accent6">
+              <a:alpha val="30000"/>
+            </a:schemeClr>
+          </a:solidFill>
+        </p:spPr>
+        <p:style>
+          <a:lnRef idx="2">
+            <a:schemeClr val="accent1">
+              <a:shade val="15000"/>
+            </a:schemeClr>
+          </a:lnRef>
+          <a:fillRef idx="1">
+            <a:schemeClr val="accent1"/>
+          </a:fillRef>
+          <a:effectRef idx="0">
+            <a:schemeClr val="accent1"/>
+          </a:effectRef>
+          <a:fontRef idx="minor">
+            <a:schemeClr val="lt1"/>
+          </a:fontRef>
+        </p:style>
+        <p:txBody>
+          <a:bodyPr rtlCol="0" anchor="ctr"/>
+          <a:lstStyle/>
+          <a:p>
+            <a:pPr algn="ctr"/>
+            <a:endParaRPr lang="ko-KR" altLang="en-US"/>
+          </a:p>
+        </p:txBody>
+      </p:sp>
+      <p:sp>
+        <p:nvSpPr>
+          <p:cNvPr id="13" name="직사각형 12">
+            <a:extLst>
+              <a:ext uri="{FF2B5EF4-FFF2-40B4-BE49-F238E27FC236}">
+                <a16:creationId xmlns:a16="http://schemas.microsoft.com/office/drawing/2014/main" id="{3948B8E4-CA07-8E08-4773-1C1EDF23ACAF}"/>
+              </a:ext>
+            </a:extLst>
+          </p:cNvPr>
+          <p:cNvSpPr/>
+          <p:nvPr/>
+        </p:nvSpPr>
+        <p:spPr>
+          <a:xfrm>
+            <a:off x="6644932" y="609600"/>
+            <a:ext cx="3197111" cy="5448300"/>
+          </a:xfrm>
+          <a:prstGeom prst="rect">
+            <a:avLst/>
+          </a:prstGeom>
+          <a:solidFill>
+            <a:schemeClr val="accent2">
+              <a:alpha val="30000"/>
+            </a:schemeClr>
+          </a:solidFill>
+        </p:spPr>
+        <p:style>
+          <a:lnRef idx="2">
+            <a:schemeClr val="accent1">
+              <a:shade val="15000"/>
+            </a:schemeClr>
+          </a:lnRef>
+          <a:fillRef idx="1">
+            <a:schemeClr val="accent1"/>
+          </a:fillRef>
+          <a:effectRef idx="0">
+            <a:schemeClr val="accent1"/>
+          </a:effectRef>
+          <a:fontRef idx="minor">
+            <a:schemeClr val="lt1"/>
+          </a:fontRef>
+        </p:style>
+        <p:txBody>
+          <a:bodyPr rtlCol="0" anchor="ctr"/>
+          <a:lstStyle/>
+          <a:p>
+            <a:pPr algn="ctr"/>
+            <a:endParaRPr lang="ko-KR" altLang="en-US"/>
+          </a:p>
+        </p:txBody>
+      </p:sp>
+      <p:sp>
+        <p:nvSpPr>
+          <p:cNvPr id="14" name="직사각형 13">
+            <a:extLst>
+              <a:ext uri="{FF2B5EF4-FFF2-40B4-BE49-F238E27FC236}">
+                <a16:creationId xmlns:a16="http://schemas.microsoft.com/office/drawing/2014/main" id="{946623AA-DA4D-C516-789E-7A78D63C27DB}"/>
+              </a:ext>
+            </a:extLst>
+          </p:cNvPr>
+          <p:cNvSpPr/>
+          <p:nvPr/>
+        </p:nvSpPr>
+        <p:spPr>
+          <a:xfrm>
+            <a:off x="6644929" y="6057900"/>
+            <a:ext cx="3197111" cy="419100"/>
+          </a:xfrm>
+          <a:prstGeom prst="rect">
+            <a:avLst/>
+          </a:prstGeom>
+          <a:solidFill>
+            <a:schemeClr val="accent1">
+              <a:alpha val="30000"/>
+            </a:schemeClr>
+          </a:solidFill>
+        </p:spPr>
+        <p:style>
+          <a:lnRef idx="2">
+            <a:schemeClr val="accent1">
+              <a:shade val="15000"/>
+            </a:schemeClr>
+          </a:lnRef>
+          <a:fillRef idx="1">
+            <a:schemeClr val="accent1"/>
+          </a:fillRef>
+          <a:effectRef idx="0">
+            <a:schemeClr val="accent1"/>
+          </a:effectRef>
+          <a:fontRef idx="minor">
+            <a:schemeClr val="lt1"/>
+          </a:fontRef>
+        </p:style>
+        <p:txBody>
+          <a:bodyPr rtlCol="0" anchor="ctr"/>
+          <a:lstStyle/>
+          <a:p>
+            <a:pPr algn="ctr"/>
+            <a:endParaRPr lang="ko-KR" altLang="en-US"/>
+          </a:p>
+        </p:txBody>
+      </p:sp>
+      <p:pic>
+        <p:nvPicPr>
+          <p:cNvPr id="5" name="그림 4" descr="텍스트, 스크린샷, 개, 소프트웨어이(가) 표시된 사진&#10;&#10;자동 생성된 설명">
+            <a:extLst>
+              <a:ext uri="{FF2B5EF4-FFF2-40B4-BE49-F238E27FC236}">
+                <a16:creationId xmlns:a16="http://schemas.microsoft.com/office/drawing/2014/main" id="{F4BCF94B-C487-8A3D-FF40-520ECA0465CE}"/>
+              </a:ext>
+            </a:extLst>
+          </p:cNvPr>
+          <p:cNvPicPr>
+            <a:picLocks noChangeAspect="1"/>
+          </p:cNvPicPr>
+          <p:nvPr/>
+        </p:nvPicPr>
+        <p:blipFill>
+          <a:blip r:embed="rId4">
+            <a:extLst>
+              <a:ext uri="{28A0092B-C50C-407E-A947-70E740481C1C}">
+                <a14:useLocalDpi xmlns:a14="http://schemas.microsoft.com/office/drawing/2010/main" val="0"/>
+              </a:ext>
+            </a:extLst>
+          </a:blip>
+          <a:stretch>
+            <a:fillRect/>
+          </a:stretch>
+        </p:blipFill>
+        <p:spPr>
+          <a:xfrm>
+            <a:off x="10862978" y="0"/>
+            <a:ext cx="3197111" cy="6858000"/>
+          </a:xfrm>
+          <a:prstGeom prst="rect">
+            <a:avLst/>
+          </a:prstGeom>
+        </p:spPr>
+      </p:pic>
+      <p:sp>
+        <p:nvSpPr>
+          <p:cNvPr id="6" name="직사각형 5">
+            <a:extLst>
+              <a:ext uri="{FF2B5EF4-FFF2-40B4-BE49-F238E27FC236}">
+                <a16:creationId xmlns:a16="http://schemas.microsoft.com/office/drawing/2014/main" id="{AB2082C6-3C97-E285-62DF-0E6C1F5EBC17}"/>
+              </a:ext>
+            </a:extLst>
+          </p:cNvPr>
+          <p:cNvSpPr/>
+          <p:nvPr/>
+        </p:nvSpPr>
+        <p:spPr>
+          <a:xfrm>
+            <a:off x="10862977" y="190500"/>
+            <a:ext cx="1367123" cy="495300"/>
+          </a:xfrm>
+          <a:prstGeom prst="rect">
+            <a:avLst/>
+          </a:prstGeom>
+          <a:solidFill>
+            <a:schemeClr val="accent6">
+              <a:alpha val="30000"/>
+            </a:schemeClr>
+          </a:solidFill>
+        </p:spPr>
+        <p:style>
+          <a:lnRef idx="2">
+            <a:schemeClr val="accent1">
+              <a:shade val="15000"/>
+            </a:schemeClr>
+          </a:lnRef>
+          <a:fillRef idx="1">
+            <a:schemeClr val="accent1"/>
+          </a:fillRef>
+          <a:effectRef idx="0">
+            <a:schemeClr val="accent1"/>
+          </a:effectRef>
+          <a:fontRef idx="minor">
+            <a:schemeClr val="lt1"/>
+          </a:fontRef>
+        </p:style>
+        <p:txBody>
+          <a:bodyPr rtlCol="0" anchor="ctr"/>
+          <a:lstStyle/>
+          <a:p>
+            <a:pPr algn="ctr"/>
+            <a:endParaRPr lang="ko-KR" altLang="en-US"/>
+          </a:p>
+        </p:txBody>
+      </p:sp>
+      <p:sp>
+        <p:nvSpPr>
+          <p:cNvPr id="7" name="직사각형 6">
+            <a:extLst>
+              <a:ext uri="{FF2B5EF4-FFF2-40B4-BE49-F238E27FC236}">
+                <a16:creationId xmlns:a16="http://schemas.microsoft.com/office/drawing/2014/main" id="{EB1A8977-94E9-4868-89FE-A3B20AAF22CD}"/>
+              </a:ext>
+            </a:extLst>
+          </p:cNvPr>
+          <p:cNvSpPr/>
+          <p:nvPr/>
+        </p:nvSpPr>
+        <p:spPr>
+          <a:xfrm>
+            <a:off x="10862976" y="679450"/>
+            <a:ext cx="3197111" cy="4921250"/>
+          </a:xfrm>
+          <a:prstGeom prst="rect">
+            <a:avLst/>
+          </a:prstGeom>
+          <a:solidFill>
+            <a:schemeClr val="accent2">
+              <a:alpha val="30000"/>
+            </a:schemeClr>
+          </a:solidFill>
+        </p:spPr>
+        <p:style>
+          <a:lnRef idx="2">
+            <a:schemeClr val="accent1">
+              <a:shade val="15000"/>
+            </a:schemeClr>
+          </a:lnRef>
+          <a:fillRef idx="1">
+            <a:schemeClr val="accent1"/>
+          </a:fillRef>
+          <a:effectRef idx="0">
+            <a:schemeClr val="accent1"/>
+          </a:effectRef>
+          <a:fontRef idx="minor">
+            <a:schemeClr val="lt1"/>
+          </a:fontRef>
+        </p:style>
+        <p:txBody>
+          <a:bodyPr rtlCol="0" anchor="ctr"/>
+          <a:lstStyle/>
+          <a:p>
+            <a:pPr algn="ctr"/>
+            <a:endParaRPr lang="ko-KR" altLang="en-US"/>
+          </a:p>
+        </p:txBody>
+      </p:sp>
+      <p:sp>
+        <p:nvSpPr>
+          <p:cNvPr id="8" name="직사각형 7">
+            <a:extLst>
+              <a:ext uri="{FF2B5EF4-FFF2-40B4-BE49-F238E27FC236}">
+                <a16:creationId xmlns:a16="http://schemas.microsoft.com/office/drawing/2014/main" id="{1E0199CF-20CC-51F4-B887-5CC0C39B32AE}"/>
+              </a:ext>
+            </a:extLst>
+          </p:cNvPr>
+          <p:cNvSpPr/>
+          <p:nvPr/>
+        </p:nvSpPr>
+        <p:spPr>
+          <a:xfrm>
+            <a:off x="10862975" y="5607050"/>
+            <a:ext cx="3197111" cy="419100"/>
+          </a:xfrm>
+          <a:prstGeom prst="rect">
+            <a:avLst/>
+          </a:prstGeom>
+          <a:solidFill>
+            <a:schemeClr val="accent1">
+              <a:alpha val="30000"/>
+            </a:schemeClr>
+          </a:solidFill>
+        </p:spPr>
+        <p:style>
+          <a:lnRef idx="2">
+            <a:schemeClr val="accent1">
+              <a:shade val="15000"/>
+            </a:schemeClr>
+          </a:lnRef>
+          <a:fillRef idx="1">
+            <a:schemeClr val="accent1"/>
+          </a:fillRef>
+          <a:effectRef idx="0">
+            <a:schemeClr val="accent1"/>
+          </a:effectRef>
+          <a:fontRef idx="minor">
+            <a:schemeClr val="lt1"/>
+          </a:fontRef>
+        </p:style>
+        <p:txBody>
+          <a:bodyPr rtlCol="0" anchor="ctr"/>
+          <a:lstStyle/>
+          <a:p>
+            <a:pPr algn="ctr"/>
+            <a:endParaRPr lang="ko-KR" altLang="en-US"/>
+          </a:p>
+        </p:txBody>
+      </p:sp>
+      <p:cxnSp>
+        <p:nvCxnSpPr>
+          <p:cNvPr id="10" name="연결선: 꺾임 9">
+            <a:extLst>
+              <a:ext uri="{FF2B5EF4-FFF2-40B4-BE49-F238E27FC236}">
+                <a16:creationId xmlns:a16="http://schemas.microsoft.com/office/drawing/2014/main" id="{B5BFAFF7-C02A-8B9A-18BC-F4BF70A0E04C}"/>
+              </a:ext>
+            </a:extLst>
+          </p:cNvPr>
+          <p:cNvCxnSpPr>
+            <a:cxnSpLocks/>
+            <a:stCxn id="12" idx="3"/>
+            <a:endCxn id="6" idx="1"/>
+          </p:cNvCxnSpPr>
+          <p:nvPr/>
+        </p:nvCxnSpPr>
+        <p:spPr>
+          <a:xfrm>
+            <a:off x="7810501" y="400050"/>
+            <a:ext cx="3052476" cy="38100"/>
+          </a:xfrm>
+          <a:prstGeom prst="bentConnector3">
+            <a:avLst/>
+          </a:prstGeom>
+          <a:ln w="38100">
+            <a:solidFill>
+              <a:schemeClr val="accent6"/>
+            </a:solidFill>
+            <a:tailEnd type="triangle"/>
+          </a:ln>
+        </p:spPr>
+        <p:style>
+          <a:lnRef idx="1">
+            <a:schemeClr val="accent1"/>
+          </a:lnRef>
+          <a:fillRef idx="0">
+            <a:schemeClr val="accent1"/>
+          </a:fillRef>
+          <a:effectRef idx="0">
+            <a:schemeClr val="accent1"/>
+          </a:effectRef>
+          <a:fontRef idx="minor">
+            <a:schemeClr val="tx1"/>
+          </a:fontRef>
+        </p:style>
+      </p:cxnSp>
+      <p:cxnSp>
+        <p:nvCxnSpPr>
+          <p:cNvPr id="15" name="연결선: 꺾임 14">
+            <a:extLst>
+              <a:ext uri="{FF2B5EF4-FFF2-40B4-BE49-F238E27FC236}">
+                <a16:creationId xmlns:a16="http://schemas.microsoft.com/office/drawing/2014/main" id="{38CAC587-B950-AFEF-B668-19DC018FCEFE}"/>
+              </a:ext>
+            </a:extLst>
+          </p:cNvPr>
+          <p:cNvCxnSpPr>
+            <a:cxnSpLocks/>
+            <a:stCxn id="13" idx="3"/>
+            <a:endCxn id="7" idx="1"/>
+          </p:cNvCxnSpPr>
+          <p:nvPr/>
+        </p:nvCxnSpPr>
+        <p:spPr>
+          <a:xfrm flipV="1">
+            <a:off x="9842043" y="3140075"/>
+            <a:ext cx="1020933" cy="193675"/>
+          </a:xfrm>
+          <a:prstGeom prst="bentConnector3">
+            <a:avLst/>
+          </a:prstGeom>
+          <a:ln w="38100">
+            <a:solidFill>
+              <a:schemeClr val="accent2"/>
+            </a:solidFill>
+            <a:tailEnd type="triangle"/>
+          </a:ln>
+        </p:spPr>
+        <p:style>
+          <a:lnRef idx="1">
+            <a:schemeClr val="accent1"/>
+          </a:lnRef>
+          <a:fillRef idx="0">
+            <a:schemeClr val="accent1"/>
+          </a:fillRef>
+          <a:effectRef idx="0">
+            <a:schemeClr val="accent1"/>
+          </a:effectRef>
+          <a:fontRef idx="minor">
+            <a:schemeClr val="tx1"/>
+          </a:fontRef>
+        </p:style>
+      </p:cxnSp>
+      <p:cxnSp>
+        <p:nvCxnSpPr>
+          <p:cNvPr id="16" name="연결선: 꺾임 15">
+            <a:extLst>
+              <a:ext uri="{FF2B5EF4-FFF2-40B4-BE49-F238E27FC236}">
+                <a16:creationId xmlns:a16="http://schemas.microsoft.com/office/drawing/2014/main" id="{62EB4421-FF23-F1F0-FF92-8455E801990B}"/>
+              </a:ext>
+            </a:extLst>
+          </p:cNvPr>
+          <p:cNvCxnSpPr>
+            <a:cxnSpLocks/>
+            <a:stCxn id="14" idx="3"/>
+            <a:endCxn id="8" idx="1"/>
+          </p:cNvCxnSpPr>
+          <p:nvPr/>
+        </p:nvCxnSpPr>
+        <p:spPr>
+          <a:xfrm flipV="1">
+            <a:off x="9842040" y="5816600"/>
+            <a:ext cx="1020935" cy="450850"/>
+          </a:xfrm>
+          <a:prstGeom prst="bentConnector3">
+            <a:avLst/>
+          </a:prstGeom>
+          <a:ln w="38100">
+            <a:tailEnd type="triangle"/>
+          </a:ln>
+        </p:spPr>
+        <p:style>
+          <a:lnRef idx="1">
+            <a:schemeClr val="accent1"/>
+          </a:lnRef>
+          <a:fillRef idx="0">
+            <a:schemeClr val="accent1"/>
+          </a:fillRef>
+          <a:effectRef idx="0">
+            <a:schemeClr val="accent1"/>
+          </a:effectRef>
+          <a:fontRef idx="minor">
+            <a:schemeClr val="tx1"/>
+          </a:fontRef>
+        </p:style>
+      </p:cxnSp>
+      <p:pic>
+        <p:nvPicPr>
+          <p:cNvPr id="23" name="그림 22" descr="텍스트, 스크린샷, 소프트웨어, 컴퓨터 아이콘이(가) 표시된 사진&#10;&#10;자동 생성된 설명">
+            <a:extLst>
+              <a:ext uri="{FF2B5EF4-FFF2-40B4-BE49-F238E27FC236}">
+                <a16:creationId xmlns:a16="http://schemas.microsoft.com/office/drawing/2014/main" id="{29A26F08-F000-F5B9-9324-963A8E2C08B2}"/>
+              </a:ext>
+            </a:extLst>
+          </p:cNvPr>
+          <p:cNvPicPr>
+            <a:picLocks noChangeAspect="1"/>
+          </p:cNvPicPr>
+          <p:nvPr/>
+        </p:nvPicPr>
+        <p:blipFill>
+          <a:blip r:embed="rId5">
+            <a:extLst>
+              <a:ext uri="{28A0092B-C50C-407E-A947-70E740481C1C}">
+                <a14:useLocalDpi xmlns:a14="http://schemas.microsoft.com/office/drawing/2010/main" val="0"/>
+              </a:ext>
+            </a:extLst>
+          </a:blip>
+          <a:stretch>
+            <a:fillRect/>
+          </a:stretch>
+        </p:blipFill>
+        <p:spPr>
+          <a:xfrm>
+            <a:off x="3359508" y="1"/>
+            <a:ext cx="3197111" cy="6858000"/>
+          </a:xfrm>
+          <a:prstGeom prst="rect">
+            <a:avLst/>
+          </a:prstGeom>
+        </p:spPr>
+      </p:pic>
+      <p:sp>
+        <p:nvSpPr>
+          <p:cNvPr id="31" name="직사각형 30">
+            <a:extLst>
+              <a:ext uri="{FF2B5EF4-FFF2-40B4-BE49-F238E27FC236}">
+                <a16:creationId xmlns:a16="http://schemas.microsoft.com/office/drawing/2014/main" id="{2FF30A89-1592-5A63-3524-3A3886600C6F}"/>
+              </a:ext>
+            </a:extLst>
+          </p:cNvPr>
+          <p:cNvSpPr/>
+          <p:nvPr/>
+        </p:nvSpPr>
+        <p:spPr>
+          <a:xfrm>
+            <a:off x="1238607" y="196851"/>
+            <a:ext cx="406401" cy="495300"/>
+          </a:xfrm>
+          <a:prstGeom prst="rect">
+            <a:avLst/>
+          </a:prstGeom>
+          <a:solidFill>
+            <a:schemeClr val="accent6">
+              <a:alpha val="30000"/>
+            </a:schemeClr>
+          </a:solidFill>
+        </p:spPr>
+        <p:style>
+          <a:lnRef idx="2">
+            <a:schemeClr val="accent1">
+              <a:shade val="15000"/>
+            </a:schemeClr>
+          </a:lnRef>
+          <a:fillRef idx="1">
+            <a:schemeClr val="accent1"/>
+          </a:fillRef>
+          <a:effectRef idx="0">
+            <a:schemeClr val="accent1"/>
+          </a:effectRef>
+          <a:fontRef idx="minor">
+            <a:schemeClr val="lt1"/>
+          </a:fontRef>
+        </p:style>
+        <p:txBody>
+          <a:bodyPr rtlCol="0" anchor="ctr"/>
+          <a:lstStyle/>
+          <a:p>
+            <a:pPr algn="ctr"/>
+            <a:endParaRPr lang="ko-KR" altLang="en-US"/>
+          </a:p>
+        </p:txBody>
+      </p:sp>
+      <p:sp>
+        <p:nvSpPr>
+          <p:cNvPr id="32" name="직사각형 31">
+            <a:extLst>
+              <a:ext uri="{FF2B5EF4-FFF2-40B4-BE49-F238E27FC236}">
+                <a16:creationId xmlns:a16="http://schemas.microsoft.com/office/drawing/2014/main" id="{4711AD17-31C3-515E-77DA-3C90577436CF}"/>
+              </a:ext>
+            </a:extLst>
+          </p:cNvPr>
+          <p:cNvSpPr/>
+          <p:nvPr/>
+        </p:nvSpPr>
+        <p:spPr>
+          <a:xfrm>
+            <a:off x="6077307" y="196851"/>
+            <a:ext cx="479312" cy="495300"/>
+          </a:xfrm>
+          <a:prstGeom prst="rect">
+            <a:avLst/>
+          </a:prstGeom>
+          <a:solidFill>
+            <a:schemeClr val="accent6">
+              <a:alpha val="30000"/>
+            </a:schemeClr>
+          </a:solidFill>
+        </p:spPr>
+        <p:style>
+          <a:lnRef idx="2">
+            <a:schemeClr val="accent1">
+              <a:shade val="15000"/>
+            </a:schemeClr>
+          </a:lnRef>
+          <a:fillRef idx="1">
+            <a:schemeClr val="accent1"/>
+          </a:fillRef>
+          <a:effectRef idx="0">
+            <a:schemeClr val="accent1"/>
+          </a:effectRef>
+          <a:fontRef idx="minor">
+            <a:schemeClr val="lt1"/>
+          </a:fontRef>
+        </p:style>
+        <p:txBody>
+          <a:bodyPr rtlCol="0" anchor="ctr"/>
+          <a:lstStyle/>
+          <a:p>
+            <a:pPr algn="ctr"/>
+            <a:endParaRPr lang="ko-KR" altLang="en-US"/>
+          </a:p>
+        </p:txBody>
+      </p:sp>
+      <p:sp>
+        <p:nvSpPr>
+          <p:cNvPr id="33" name="직사각형 32">
+            <a:extLst>
+              <a:ext uri="{FF2B5EF4-FFF2-40B4-BE49-F238E27FC236}">
+                <a16:creationId xmlns:a16="http://schemas.microsoft.com/office/drawing/2014/main" id="{782FF893-670F-4AB7-808C-D298CEE4D4E0}"/>
+              </a:ext>
+            </a:extLst>
+          </p:cNvPr>
+          <p:cNvSpPr/>
+          <p:nvPr/>
+        </p:nvSpPr>
+        <p:spPr>
+          <a:xfrm>
+            <a:off x="-858536" y="682626"/>
+            <a:ext cx="3197111" cy="5375275"/>
+          </a:xfrm>
+          <a:prstGeom prst="rect">
+            <a:avLst/>
+          </a:prstGeom>
+          <a:solidFill>
+            <a:schemeClr val="accent2">
+              <a:alpha val="30000"/>
+            </a:schemeClr>
+          </a:solidFill>
+        </p:spPr>
+        <p:style>
+          <a:lnRef idx="2">
+            <a:schemeClr val="accent1">
+              <a:shade val="15000"/>
+            </a:schemeClr>
+          </a:lnRef>
+          <a:fillRef idx="1">
+            <a:schemeClr val="accent1"/>
+          </a:fillRef>
+          <a:effectRef idx="0">
+            <a:schemeClr val="accent1"/>
+          </a:effectRef>
+          <a:fontRef idx="minor">
+            <a:schemeClr val="lt1"/>
+          </a:fontRef>
+        </p:style>
+        <p:txBody>
+          <a:bodyPr rtlCol="0" anchor="ctr"/>
+          <a:lstStyle/>
+          <a:p>
+            <a:pPr algn="ctr"/>
+            <a:endParaRPr lang="ko-KR" altLang="en-US"/>
+          </a:p>
+        </p:txBody>
+      </p:sp>
+      <p:sp>
+        <p:nvSpPr>
+          <p:cNvPr id="34" name="직사각형 33">
+            <a:extLst>
+              <a:ext uri="{FF2B5EF4-FFF2-40B4-BE49-F238E27FC236}">
+                <a16:creationId xmlns:a16="http://schemas.microsoft.com/office/drawing/2014/main" id="{2C7DADBF-2755-C180-5059-6E77BDC6FA8E}"/>
+              </a:ext>
+            </a:extLst>
+          </p:cNvPr>
+          <p:cNvSpPr/>
+          <p:nvPr/>
+        </p:nvSpPr>
+        <p:spPr>
+          <a:xfrm>
+            <a:off x="3359508" y="701675"/>
+            <a:ext cx="3197111" cy="5324475"/>
+          </a:xfrm>
+          <a:prstGeom prst="rect">
+            <a:avLst/>
+          </a:prstGeom>
+          <a:solidFill>
+            <a:schemeClr val="accent2">
+              <a:alpha val="30000"/>
+            </a:schemeClr>
+          </a:solidFill>
+        </p:spPr>
+        <p:style>
+          <a:lnRef idx="2">
+            <a:schemeClr val="accent1">
+              <a:shade val="15000"/>
+            </a:schemeClr>
+          </a:lnRef>
+          <a:fillRef idx="1">
+            <a:schemeClr val="accent1"/>
+          </a:fillRef>
+          <a:effectRef idx="0">
+            <a:schemeClr val="accent1"/>
+          </a:effectRef>
+          <a:fontRef idx="minor">
+            <a:schemeClr val="lt1"/>
+          </a:fontRef>
+        </p:style>
+        <p:txBody>
+          <a:bodyPr rtlCol="0" anchor="ctr"/>
+          <a:lstStyle/>
+          <a:p>
+            <a:pPr algn="ctr"/>
+            <a:endParaRPr lang="ko-KR" altLang="en-US"/>
+          </a:p>
+        </p:txBody>
+      </p:sp>
+      <p:sp>
+        <p:nvSpPr>
+          <p:cNvPr id="35" name="직사각형 34">
+            <a:extLst>
+              <a:ext uri="{FF2B5EF4-FFF2-40B4-BE49-F238E27FC236}">
+                <a16:creationId xmlns:a16="http://schemas.microsoft.com/office/drawing/2014/main" id="{B83366FF-2625-02B9-A964-305A26D4C1EF}"/>
+              </a:ext>
+            </a:extLst>
+          </p:cNvPr>
+          <p:cNvSpPr/>
+          <p:nvPr/>
+        </p:nvSpPr>
+        <p:spPr>
+          <a:xfrm>
+            <a:off x="-858539" y="6057901"/>
+            <a:ext cx="3197111" cy="419100"/>
+          </a:xfrm>
+          <a:prstGeom prst="rect">
+            <a:avLst/>
+          </a:prstGeom>
+          <a:solidFill>
+            <a:schemeClr val="accent1">
+              <a:alpha val="30000"/>
+            </a:schemeClr>
+          </a:solidFill>
+        </p:spPr>
+        <p:style>
+          <a:lnRef idx="2">
+            <a:schemeClr val="accent1">
+              <a:shade val="15000"/>
+            </a:schemeClr>
+          </a:lnRef>
+          <a:fillRef idx="1">
+            <a:schemeClr val="accent1"/>
+          </a:fillRef>
+          <a:effectRef idx="0">
+            <a:schemeClr val="accent1"/>
+          </a:effectRef>
+          <a:fontRef idx="minor">
+            <a:schemeClr val="lt1"/>
+          </a:fontRef>
+        </p:style>
+        <p:txBody>
+          <a:bodyPr rtlCol="0" anchor="ctr"/>
+          <a:lstStyle/>
+          <a:p>
+            <a:pPr algn="ctr"/>
+            <a:endParaRPr lang="ko-KR" altLang="en-US"/>
+          </a:p>
+        </p:txBody>
+      </p:sp>
+      <p:sp>
+        <p:nvSpPr>
+          <p:cNvPr id="36" name="직사각형 35">
+            <a:extLst>
+              <a:ext uri="{FF2B5EF4-FFF2-40B4-BE49-F238E27FC236}">
+                <a16:creationId xmlns:a16="http://schemas.microsoft.com/office/drawing/2014/main" id="{B0CAB854-DF44-6743-5FE1-140BEC3C0A30}"/>
+              </a:ext>
+            </a:extLst>
+          </p:cNvPr>
+          <p:cNvSpPr/>
+          <p:nvPr/>
+        </p:nvSpPr>
+        <p:spPr>
+          <a:xfrm>
+            <a:off x="3359508" y="6026151"/>
+            <a:ext cx="3197111" cy="419100"/>
+          </a:xfrm>
+          <a:prstGeom prst="rect">
+            <a:avLst/>
+          </a:prstGeom>
+          <a:solidFill>
+            <a:schemeClr val="accent1">
+              <a:alpha val="30000"/>
+            </a:schemeClr>
+          </a:solidFill>
+        </p:spPr>
+        <p:style>
+          <a:lnRef idx="2">
+            <a:schemeClr val="accent1">
+              <a:shade val="15000"/>
+            </a:schemeClr>
+          </a:lnRef>
+          <a:fillRef idx="1">
+            <a:schemeClr val="accent1"/>
+          </a:fillRef>
+          <a:effectRef idx="0">
+            <a:schemeClr val="accent1"/>
+          </a:effectRef>
+          <a:fontRef idx="minor">
+            <a:schemeClr val="lt1"/>
+          </a:fontRef>
+        </p:style>
+        <p:txBody>
+          <a:bodyPr rtlCol="0" anchor="ctr"/>
+          <a:lstStyle/>
+          <a:p>
+            <a:pPr algn="ctr"/>
+            <a:endParaRPr lang="ko-KR" altLang="en-US"/>
+          </a:p>
+        </p:txBody>
+      </p:sp>
+      <p:cxnSp>
+        <p:nvCxnSpPr>
+          <p:cNvPr id="37" name="연결선: 꺾임 36">
+            <a:extLst>
+              <a:ext uri="{FF2B5EF4-FFF2-40B4-BE49-F238E27FC236}">
+                <a16:creationId xmlns:a16="http://schemas.microsoft.com/office/drawing/2014/main" id="{204E0103-8F78-9379-5E1F-5A88B4FDA20A}"/>
+              </a:ext>
+            </a:extLst>
+          </p:cNvPr>
+          <p:cNvCxnSpPr>
+            <a:cxnSpLocks/>
+            <a:stCxn id="31" idx="3"/>
+          </p:cNvCxnSpPr>
+          <p:nvPr/>
+        </p:nvCxnSpPr>
+        <p:spPr>
+          <a:xfrm flipV="1">
+            <a:off x="1645008" y="419101"/>
+            <a:ext cx="4432299" cy="25400"/>
+          </a:xfrm>
+          <a:prstGeom prst="bentConnector3">
+            <a:avLst>
+              <a:gd name="adj1" fmla="val 25932"/>
+            </a:avLst>
+          </a:prstGeom>
+          <a:ln w="38100">
+            <a:solidFill>
+              <a:schemeClr val="accent6"/>
+            </a:solidFill>
+            <a:tailEnd type="triangle"/>
+          </a:ln>
+        </p:spPr>
+        <p:style>
+          <a:lnRef idx="1">
+            <a:schemeClr val="accent1"/>
+          </a:lnRef>
+          <a:fillRef idx="0">
+            <a:schemeClr val="accent1"/>
+          </a:fillRef>
+          <a:effectRef idx="0">
+            <a:schemeClr val="accent1"/>
+          </a:effectRef>
+          <a:fontRef idx="minor">
+            <a:schemeClr val="tx1"/>
+          </a:fontRef>
+        </p:style>
+      </p:cxnSp>
+      <p:cxnSp>
+        <p:nvCxnSpPr>
+          <p:cNvPr id="47" name="연결선: 꺾임 46">
+            <a:extLst>
+              <a:ext uri="{FF2B5EF4-FFF2-40B4-BE49-F238E27FC236}">
+                <a16:creationId xmlns:a16="http://schemas.microsoft.com/office/drawing/2014/main" id="{C971D1B3-7716-2DC3-2CF5-0DA2B2A925AF}"/>
+              </a:ext>
+            </a:extLst>
+          </p:cNvPr>
+          <p:cNvCxnSpPr>
+            <a:cxnSpLocks/>
+            <a:stCxn id="33" idx="3"/>
+            <a:endCxn id="34" idx="1"/>
+          </p:cNvCxnSpPr>
+          <p:nvPr/>
+        </p:nvCxnSpPr>
+        <p:spPr>
+          <a:xfrm flipV="1">
+            <a:off x="2338575" y="3363913"/>
+            <a:ext cx="1020933" cy="6351"/>
+          </a:xfrm>
+          <a:prstGeom prst="bentConnector3">
+            <a:avLst/>
+          </a:prstGeom>
+          <a:ln w="38100">
+            <a:solidFill>
+              <a:schemeClr val="accent2"/>
+            </a:solidFill>
+            <a:tailEnd type="triangle"/>
+          </a:ln>
+        </p:spPr>
+        <p:style>
+          <a:lnRef idx="1">
+            <a:schemeClr val="accent1"/>
+          </a:lnRef>
+          <a:fillRef idx="0">
+            <a:schemeClr val="accent1"/>
+          </a:fillRef>
+          <a:effectRef idx="0">
+            <a:schemeClr val="accent1"/>
+          </a:effectRef>
+          <a:fontRef idx="minor">
+            <a:schemeClr val="tx1"/>
+          </a:fontRef>
+        </p:style>
+      </p:cxnSp>
+      <p:cxnSp>
+        <p:nvCxnSpPr>
+          <p:cNvPr id="50" name="연결선: 꺾임 49">
+            <a:extLst>
+              <a:ext uri="{FF2B5EF4-FFF2-40B4-BE49-F238E27FC236}">
+                <a16:creationId xmlns:a16="http://schemas.microsoft.com/office/drawing/2014/main" id="{A6B53F23-BCBB-5ECB-17DA-E024F8C92FC4}"/>
+              </a:ext>
+            </a:extLst>
+          </p:cNvPr>
+          <p:cNvCxnSpPr>
+            <a:cxnSpLocks/>
+            <a:stCxn id="35" idx="3"/>
+            <a:endCxn id="36" idx="1"/>
+          </p:cNvCxnSpPr>
+          <p:nvPr/>
+        </p:nvCxnSpPr>
+        <p:spPr>
+          <a:xfrm flipV="1">
+            <a:off x="2338572" y="6235701"/>
+            <a:ext cx="1020936" cy="31750"/>
+          </a:xfrm>
+          <a:prstGeom prst="bentConnector3">
+            <a:avLst/>
+          </a:prstGeom>
+          <a:ln w="38100">
+            <a:tailEnd type="triangle"/>
+          </a:ln>
+        </p:spPr>
+        <p:style>
+          <a:lnRef idx="1">
+            <a:schemeClr val="accent1"/>
+          </a:lnRef>
+          <a:fillRef idx="0">
+            <a:schemeClr val="accent1"/>
+          </a:fillRef>
+          <a:effectRef idx="0">
+            <a:schemeClr val="accent1"/>
+          </a:effectRef>
+          <a:fontRef idx="minor">
+            <a:schemeClr val="tx1"/>
+          </a:fontRef>
+        </p:style>
+      </p:cxnSp>
+    </p:spTree>
+    <p:extLst>
+      <p:ext uri="{BB962C8B-B14F-4D97-AF65-F5344CB8AC3E}">
+        <p14:creationId xmlns:p14="http://schemas.microsoft.com/office/powerpoint/2010/main" val="1561619811"/>
+      </p:ext>
+    </p:extLst>
+  </p:cSld>
+  <p:clrMapOvr>
+    <a:masterClrMapping/>
+  </p:clrMapOvr>
+</p:sld>
+</file>
+
+<file path=ppt/slides/slide12.xml><?xml version="1.0" encoding="utf-8"?>
+<p:sld xmlns:a="http://schemas.openxmlformats.org/drawingml/2006/main" xmlns:r="http://schemas.openxmlformats.org/officeDocument/2006/relationships" xmlns:p="http://schemas.openxmlformats.org/presentationml/2006/main">
+  <p:cSld>
+    <p:spTree>
+      <p:nvGrpSpPr>
+        <p:cNvPr id="1" name=""/>
+        <p:cNvGrpSpPr/>
+        <p:nvPr/>
+      </p:nvGrpSpPr>
+      <p:grpSpPr>
+        <a:xfrm>
+          <a:off x="0" y="0"/>
+          <a:ext cx="0" cy="0"/>
+          <a:chOff x="0" y="0"/>
+          <a:chExt cx="0" cy="0"/>
+        </a:xfrm>
+      </p:grpSpPr>
+      <p:pic>
+        <p:nvPicPr>
+          <p:cNvPr id="3" name="그림 2" descr="텍스트, 스크린샷, 폰트, 번호이(가) 표시된 사진&#10;&#10;자동 생성된 설명">
+            <a:extLst>
+              <a:ext uri="{FF2B5EF4-FFF2-40B4-BE49-F238E27FC236}">
+                <a16:creationId xmlns:a16="http://schemas.microsoft.com/office/drawing/2014/main" id="{55D7F810-11D1-8255-C3EC-C51F7F5BB00E}"/>
+              </a:ext>
+            </a:extLst>
+          </p:cNvPr>
+          <p:cNvPicPr>
+            <a:picLocks noChangeAspect="1"/>
+          </p:cNvPicPr>
+          <p:nvPr/>
+        </p:nvPicPr>
+        <p:blipFill>
+          <a:blip r:embed="rId2">
+            <a:extLst>
+              <a:ext uri="{28A0092B-C50C-407E-A947-70E740481C1C}">
+                <a14:useLocalDpi xmlns:a14="http://schemas.microsoft.com/office/drawing/2010/main" val="0"/>
+              </a:ext>
+            </a:extLst>
+          </a:blip>
+          <a:stretch>
+            <a:fillRect/>
+          </a:stretch>
+        </p:blipFill>
+        <p:spPr>
+          <a:xfrm>
+            <a:off x="7106773" y="685800"/>
+            <a:ext cx="1451571" cy="2832100"/>
+          </a:xfrm>
+          <a:prstGeom prst="rect">
+            <a:avLst/>
+          </a:prstGeom>
+        </p:spPr>
+      </p:pic>
+      <p:pic>
+        <p:nvPicPr>
+          <p:cNvPr id="5" name="그림 4" descr="텍스트, 스크린샷, 소프트웨어이(가) 표시된 사진&#10;&#10;자동 생성된 설명">
+            <a:extLst>
+              <a:ext uri="{FF2B5EF4-FFF2-40B4-BE49-F238E27FC236}">
+                <a16:creationId xmlns:a16="http://schemas.microsoft.com/office/drawing/2014/main" id="{14A6BF14-54BB-C2DB-A078-CAB9A383E43A}"/>
+              </a:ext>
+            </a:extLst>
+          </p:cNvPr>
+          <p:cNvPicPr>
+            <a:picLocks noChangeAspect="1"/>
+          </p:cNvPicPr>
+          <p:nvPr/>
+        </p:nvPicPr>
+        <p:blipFill>
+          <a:blip r:embed="rId3">
+            <a:extLst>
+              <a:ext uri="{28A0092B-C50C-407E-A947-70E740481C1C}">
+                <a14:useLocalDpi xmlns:a14="http://schemas.microsoft.com/office/drawing/2010/main" val="0"/>
+              </a:ext>
+            </a:extLst>
+          </a:blip>
+          <a:stretch>
+            <a:fillRect/>
+          </a:stretch>
+        </p:blipFill>
+        <p:spPr>
+          <a:xfrm>
+            <a:off x="4839823" y="685800"/>
+            <a:ext cx="1451571" cy="2832100"/>
+          </a:xfrm>
+          <a:prstGeom prst="rect">
+            <a:avLst/>
+          </a:prstGeom>
+        </p:spPr>
+      </p:pic>
+      <p:pic>
+        <p:nvPicPr>
+          <p:cNvPr id="7" name="그림 6" descr="텍스트, 스크린샷, 소프트웨어, 컴퓨터 아이콘이(가) 표시된 사진&#10;&#10;자동 생성된 설명">
+            <a:extLst>
+              <a:ext uri="{FF2B5EF4-FFF2-40B4-BE49-F238E27FC236}">
+                <a16:creationId xmlns:a16="http://schemas.microsoft.com/office/drawing/2014/main" id="{F7F851C0-309A-5711-1A6A-235A241B1A54}"/>
+              </a:ext>
+            </a:extLst>
+          </p:cNvPr>
+          <p:cNvPicPr>
+            <a:picLocks noChangeAspect="1"/>
+          </p:cNvPicPr>
+          <p:nvPr/>
+        </p:nvPicPr>
+        <p:blipFill>
+          <a:blip r:embed="rId4">
+            <a:extLst>
+              <a:ext uri="{28A0092B-C50C-407E-A947-70E740481C1C}">
+                <a14:useLocalDpi xmlns:a14="http://schemas.microsoft.com/office/drawing/2010/main" val="0"/>
+              </a:ext>
+            </a:extLst>
+          </a:blip>
+          <a:stretch>
+            <a:fillRect/>
+          </a:stretch>
+        </p:blipFill>
+        <p:spPr>
+          <a:xfrm>
+            <a:off x="1021024" y="2012950"/>
+            <a:ext cx="1320288" cy="2832100"/>
+          </a:xfrm>
+          <a:prstGeom prst="rect">
+            <a:avLst/>
+          </a:prstGeom>
+        </p:spPr>
+      </p:pic>
+      <p:pic>
+        <p:nvPicPr>
+          <p:cNvPr id="9" name="그림 8" descr="텍스트, 스크린샷, 웹사이트, 웹 페이지이(가) 표시된 사진&#10;&#10;자동 생성된 설명">
+            <a:extLst>
+              <a:ext uri="{FF2B5EF4-FFF2-40B4-BE49-F238E27FC236}">
+                <a16:creationId xmlns:a16="http://schemas.microsoft.com/office/drawing/2014/main" id="{08FD35AB-3D56-B6C1-5882-024731032665}"/>
+              </a:ext>
+            </a:extLst>
+          </p:cNvPr>
+          <p:cNvPicPr>
+            <a:picLocks noChangeAspect="1"/>
+          </p:cNvPicPr>
+          <p:nvPr/>
+        </p:nvPicPr>
+        <p:blipFill>
+          <a:blip r:embed="rId5">
+            <a:extLst>
+              <a:ext uri="{28A0092B-C50C-407E-A947-70E740481C1C}">
+                <a14:useLocalDpi xmlns:a14="http://schemas.microsoft.com/office/drawing/2010/main" val="0"/>
+              </a:ext>
+            </a:extLst>
+          </a:blip>
+          <a:stretch>
+            <a:fillRect/>
+          </a:stretch>
+        </p:blipFill>
+        <p:spPr>
+          <a:xfrm>
+            <a:off x="9868411" y="2012950"/>
+            <a:ext cx="1320288" cy="2832100"/>
+          </a:xfrm>
+          <a:prstGeom prst="rect">
+            <a:avLst/>
+          </a:prstGeom>
+        </p:spPr>
+      </p:pic>
+      <p:sp>
+        <p:nvSpPr>
+          <p:cNvPr id="14" name="다이아몬드 13">
+            <a:extLst>
+              <a:ext uri="{FF2B5EF4-FFF2-40B4-BE49-F238E27FC236}">
+                <a16:creationId xmlns:a16="http://schemas.microsoft.com/office/drawing/2014/main" id="{6072FA29-FB24-5F6B-065E-46CEBE650843}"/>
+              </a:ext>
+            </a:extLst>
+          </p:cNvPr>
+          <p:cNvSpPr/>
+          <p:nvPr/>
+        </p:nvSpPr>
+        <p:spPr>
+          <a:xfrm>
+            <a:off x="3009953" y="3155950"/>
+            <a:ext cx="1596929" cy="546100"/>
+          </a:xfrm>
+          <a:prstGeom prst="diamond">
+            <a:avLst/>
+          </a:prstGeom>
+          <a:solidFill>
+            <a:schemeClr val="accent5">
+              <a:lumMod val="20000"/>
+              <a:lumOff val="80000"/>
+            </a:schemeClr>
+          </a:solidFill>
+        </p:spPr>
+        <p:style>
+          <a:lnRef idx="2">
+            <a:schemeClr val="accent1">
+              <a:shade val="15000"/>
+            </a:schemeClr>
+          </a:lnRef>
+          <a:fillRef idx="1">
+            <a:schemeClr val="accent1"/>
+          </a:fillRef>
+          <a:effectRef idx="0">
+            <a:schemeClr val="accent1"/>
+          </a:effectRef>
+          <a:fontRef idx="minor">
+            <a:schemeClr val="lt1"/>
+          </a:fontRef>
+        </p:style>
+        <p:txBody>
+          <a:bodyPr rtlCol="0" anchor="ctr"/>
+          <a:lstStyle/>
+          <a:p>
+            <a:pPr algn="ctr"/>
+            <a:r>
+              <a:rPr lang="ko-KR" altLang="en-US" sz="1200" dirty="0">
+                <a:solidFill>
+                  <a:sysClr val="windowText" lastClr="000000"/>
+                </a:solidFill>
+              </a:rPr>
+              <a:t>팀이 </a:t>
+            </a:r>
+            <a:endParaRPr lang="en-US" altLang="ko-KR" sz="1200" dirty="0">
+              <a:solidFill>
+                <a:sysClr val="windowText" lastClr="000000"/>
+              </a:solidFill>
+            </a:endParaRPr>
+          </a:p>
+          <a:p>
+            <a:pPr algn="ctr"/>
+            <a:r>
+              <a:rPr lang="ko-KR" altLang="en-US" sz="1200" dirty="0">
+                <a:solidFill>
+                  <a:sysClr val="windowText" lastClr="000000"/>
+                </a:solidFill>
+              </a:rPr>
+              <a:t>있는가</a:t>
+            </a:r>
+            <a:r>
+              <a:rPr lang="en-US" altLang="ko-KR" sz="1200" dirty="0">
+                <a:solidFill>
+                  <a:sysClr val="windowText" lastClr="000000"/>
+                </a:solidFill>
+              </a:rPr>
+              <a:t>?</a:t>
+            </a:r>
+            <a:endParaRPr lang="ko-KR" altLang="en-US" sz="1200" dirty="0">
+              <a:solidFill>
+                <a:sysClr val="windowText" lastClr="000000"/>
+              </a:solidFill>
+            </a:endParaRPr>
+          </a:p>
+        </p:txBody>
+      </p:sp>
+      <p:cxnSp>
+        <p:nvCxnSpPr>
+          <p:cNvPr id="15" name="직선 화살표 연결선 14">
+            <a:extLst>
+              <a:ext uri="{FF2B5EF4-FFF2-40B4-BE49-F238E27FC236}">
+                <a16:creationId xmlns:a16="http://schemas.microsoft.com/office/drawing/2014/main" id="{C30181F1-83A4-286C-8C23-C97655DAF925}"/>
+              </a:ext>
+            </a:extLst>
+          </p:cNvPr>
+          <p:cNvCxnSpPr>
+            <a:cxnSpLocks/>
+            <a:stCxn id="7" idx="3"/>
+            <a:endCxn id="14" idx="1"/>
+          </p:cNvCxnSpPr>
+          <p:nvPr/>
+        </p:nvCxnSpPr>
+        <p:spPr>
+          <a:xfrm>
+            <a:off x="2341312" y="3429000"/>
+            <a:ext cx="668641" cy="0"/>
+          </a:xfrm>
+          <a:prstGeom prst="straightConnector1">
+            <a:avLst/>
+          </a:prstGeom>
+          <a:ln w="38100">
+            <a:solidFill>
+              <a:schemeClr val="accent5">
+                <a:lumMod val="60000"/>
+                <a:lumOff val="40000"/>
+              </a:schemeClr>
+            </a:solidFill>
+            <a:tailEnd type="triangle"/>
+          </a:ln>
+        </p:spPr>
+        <p:style>
+          <a:lnRef idx="1">
+            <a:schemeClr val="accent1"/>
+          </a:lnRef>
+          <a:fillRef idx="0">
+            <a:schemeClr val="accent1"/>
+          </a:fillRef>
+          <a:effectRef idx="0">
+            <a:schemeClr val="accent1"/>
+          </a:effectRef>
+          <a:fontRef idx="minor">
+            <a:schemeClr val="tx1"/>
+          </a:fontRef>
+        </p:style>
+      </p:cxnSp>
+      <p:cxnSp>
+        <p:nvCxnSpPr>
+          <p:cNvPr id="18" name="직선 화살표 연결선 17">
+            <a:extLst>
+              <a:ext uri="{FF2B5EF4-FFF2-40B4-BE49-F238E27FC236}">
+                <a16:creationId xmlns:a16="http://schemas.microsoft.com/office/drawing/2014/main" id="{2FB8CCA5-C88D-D47F-AE28-854BDC0F500A}"/>
+              </a:ext>
+            </a:extLst>
+          </p:cNvPr>
+          <p:cNvCxnSpPr>
+            <a:cxnSpLocks/>
+            <a:stCxn id="14" idx="0"/>
+            <a:endCxn id="5" idx="1"/>
+          </p:cNvCxnSpPr>
+          <p:nvPr/>
+        </p:nvCxnSpPr>
+        <p:spPr>
+          <a:xfrm rot="5400000" flipH="1" flipV="1">
+            <a:off x="3797070" y="2113198"/>
+            <a:ext cx="1054100" cy="1031405"/>
+          </a:xfrm>
+          <a:prstGeom prst="bentConnector2">
+            <a:avLst/>
+          </a:prstGeom>
+          <a:ln w="38100">
+            <a:solidFill>
+              <a:srgbClr val="FF0000"/>
+            </a:solidFill>
+            <a:tailEnd type="triangle"/>
+          </a:ln>
+        </p:spPr>
+        <p:style>
+          <a:lnRef idx="1">
+            <a:schemeClr val="accent1"/>
+          </a:lnRef>
+          <a:fillRef idx="0">
+            <a:schemeClr val="accent1"/>
+          </a:fillRef>
+          <a:effectRef idx="0">
+            <a:schemeClr val="accent1"/>
+          </a:effectRef>
+          <a:fontRef idx="minor">
+            <a:schemeClr val="tx1"/>
+          </a:fontRef>
+        </p:style>
+      </p:cxnSp>
+      <p:cxnSp>
+        <p:nvCxnSpPr>
+          <p:cNvPr id="21" name="직선 화살표 연결선 48">
+            <a:extLst>
+              <a:ext uri="{FF2B5EF4-FFF2-40B4-BE49-F238E27FC236}">
+                <a16:creationId xmlns:a16="http://schemas.microsoft.com/office/drawing/2014/main" id="{4300D455-A5D5-3D30-DC16-4093FA3DAD87}"/>
+              </a:ext>
+            </a:extLst>
+          </p:cNvPr>
+          <p:cNvCxnSpPr>
+            <a:cxnSpLocks/>
+            <a:stCxn id="5" idx="3"/>
+            <a:endCxn id="3" idx="1"/>
+          </p:cNvCxnSpPr>
+          <p:nvPr/>
+        </p:nvCxnSpPr>
+        <p:spPr>
+          <a:xfrm>
+            <a:off x="6291394" y="2101850"/>
+            <a:ext cx="815379" cy="12700"/>
+          </a:xfrm>
+          <a:prstGeom prst="bentConnector3">
+            <a:avLst>
+              <a:gd name="adj1" fmla="val 90886"/>
+            </a:avLst>
+          </a:prstGeom>
+          <a:ln w="38100">
+            <a:solidFill>
+              <a:schemeClr val="accent5">
+                <a:lumMod val="60000"/>
+                <a:lumOff val="40000"/>
+              </a:schemeClr>
+            </a:solidFill>
+            <a:tailEnd type="triangle"/>
+          </a:ln>
+        </p:spPr>
+        <p:style>
+          <a:lnRef idx="1">
+            <a:schemeClr val="accent1"/>
+          </a:lnRef>
+          <a:fillRef idx="0">
+            <a:schemeClr val="accent1"/>
+          </a:fillRef>
+          <a:effectRef idx="0">
+            <a:schemeClr val="accent1"/>
+          </a:effectRef>
+          <a:fontRef idx="minor">
+            <a:schemeClr val="tx1"/>
+          </a:fontRef>
+        </p:style>
+      </p:cxnSp>
+      <p:cxnSp>
+        <p:nvCxnSpPr>
+          <p:cNvPr id="33" name="직선 화살표 연결선 48">
+            <a:extLst>
+              <a:ext uri="{FF2B5EF4-FFF2-40B4-BE49-F238E27FC236}">
+                <a16:creationId xmlns:a16="http://schemas.microsoft.com/office/drawing/2014/main" id="{CB0BFA30-F609-FA23-B034-CB2CA5C32DBE}"/>
+              </a:ext>
+            </a:extLst>
+          </p:cNvPr>
+          <p:cNvCxnSpPr>
+            <a:cxnSpLocks/>
+            <a:stCxn id="3" idx="3"/>
+            <a:endCxn id="9" idx="1"/>
+          </p:cNvCxnSpPr>
+          <p:nvPr/>
+        </p:nvCxnSpPr>
+        <p:spPr>
+          <a:xfrm>
+            <a:off x="8558344" y="2101850"/>
+            <a:ext cx="1310067" cy="1327150"/>
+          </a:xfrm>
+          <a:prstGeom prst="bentConnector3">
+            <a:avLst>
+              <a:gd name="adj1" fmla="val 50000"/>
+            </a:avLst>
+          </a:prstGeom>
+          <a:ln w="38100">
+            <a:solidFill>
+              <a:schemeClr val="accent5">
+                <a:lumMod val="60000"/>
+                <a:lumOff val="40000"/>
+              </a:schemeClr>
+            </a:solidFill>
+            <a:tailEnd type="triangle"/>
+          </a:ln>
+        </p:spPr>
+        <p:style>
+          <a:lnRef idx="1">
+            <a:schemeClr val="accent1"/>
+          </a:lnRef>
+          <a:fillRef idx="0">
+            <a:schemeClr val="accent1"/>
+          </a:fillRef>
+          <a:effectRef idx="0">
+            <a:schemeClr val="accent1"/>
+          </a:effectRef>
+          <a:fontRef idx="minor">
+            <a:schemeClr val="tx1"/>
+          </a:fontRef>
+        </p:style>
+      </p:cxnSp>
+      <p:cxnSp>
+        <p:nvCxnSpPr>
+          <p:cNvPr id="36" name="직선 화살표 연결선 35">
+            <a:extLst>
+              <a:ext uri="{FF2B5EF4-FFF2-40B4-BE49-F238E27FC236}">
+                <a16:creationId xmlns:a16="http://schemas.microsoft.com/office/drawing/2014/main" id="{AED8343D-5DBA-B4D2-1084-21CCF5BF8090}"/>
+              </a:ext>
+            </a:extLst>
+          </p:cNvPr>
+          <p:cNvCxnSpPr>
+            <a:cxnSpLocks/>
+            <a:stCxn id="14" idx="2"/>
+            <a:endCxn id="9" idx="1"/>
+          </p:cNvCxnSpPr>
+          <p:nvPr/>
+        </p:nvCxnSpPr>
+        <p:spPr>
+          <a:xfrm rot="5400000" flipH="1" flipV="1">
+            <a:off x="6701889" y="535528"/>
+            <a:ext cx="273050" cy="6059993"/>
+          </a:xfrm>
+          <a:prstGeom prst="bentConnector4">
+            <a:avLst>
+              <a:gd name="adj1" fmla="val -286047"/>
+              <a:gd name="adj2" fmla="val 89281"/>
+            </a:avLst>
+          </a:prstGeom>
+          <a:ln w="38100">
+            <a:solidFill>
+              <a:schemeClr val="accent5">
+                <a:lumMod val="60000"/>
+                <a:lumOff val="40000"/>
+              </a:schemeClr>
+            </a:solidFill>
+            <a:tailEnd type="triangle"/>
+          </a:ln>
+        </p:spPr>
+        <p:style>
+          <a:lnRef idx="1">
+            <a:schemeClr val="accent1"/>
+          </a:lnRef>
+          <a:fillRef idx="0">
+            <a:schemeClr val="accent1"/>
+          </a:fillRef>
+          <a:effectRef idx="0">
+            <a:schemeClr val="accent1"/>
+          </a:effectRef>
+          <a:fontRef idx="minor">
+            <a:schemeClr val="tx1"/>
+          </a:fontRef>
+        </p:style>
+      </p:cxnSp>
+      <p:sp>
+        <p:nvSpPr>
+          <p:cNvPr id="50" name="TextBox 49">
+            <a:extLst>
+              <a:ext uri="{FF2B5EF4-FFF2-40B4-BE49-F238E27FC236}">
+                <a16:creationId xmlns:a16="http://schemas.microsoft.com/office/drawing/2014/main" id="{588090C8-3ACB-7A21-3BA4-5F26435D2A98}"/>
+              </a:ext>
+            </a:extLst>
+          </p:cNvPr>
+          <p:cNvSpPr txBox="1"/>
+          <p:nvPr/>
+        </p:nvSpPr>
+        <p:spPr>
+          <a:xfrm>
+            <a:off x="3257729" y="3904218"/>
+            <a:ext cx="873119" cy="369332"/>
+          </a:xfrm>
+          <a:prstGeom prst="rect">
+            <a:avLst/>
+          </a:prstGeom>
+          <a:noFill/>
+        </p:spPr>
+        <p:txBody>
+          <a:bodyPr wrap="square" rtlCol="0">
+            <a:spAutoFit/>
+          </a:bodyPr>
+          <a:lstStyle/>
+          <a:p>
+            <a:r>
+              <a:rPr lang="en-US" altLang="ko-KR" dirty="0"/>
+              <a:t>YES</a:t>
+            </a:r>
+            <a:endParaRPr lang="ko-KR" altLang="en-US" dirty="0"/>
+          </a:p>
+        </p:txBody>
+      </p:sp>
+      <p:sp>
+        <p:nvSpPr>
+          <p:cNvPr id="51" name="TextBox 50">
+            <a:extLst>
+              <a:ext uri="{FF2B5EF4-FFF2-40B4-BE49-F238E27FC236}">
+                <a16:creationId xmlns:a16="http://schemas.microsoft.com/office/drawing/2014/main" id="{2BD0087E-908F-95E6-FF13-7906AFEB8DF3}"/>
+              </a:ext>
+            </a:extLst>
+          </p:cNvPr>
+          <p:cNvSpPr txBox="1"/>
+          <p:nvPr/>
+        </p:nvSpPr>
+        <p:spPr>
+          <a:xfrm>
+            <a:off x="3257729" y="2444234"/>
+            <a:ext cx="873119" cy="369332"/>
+          </a:xfrm>
+          <a:prstGeom prst="rect">
+            <a:avLst/>
+          </a:prstGeom>
+          <a:noFill/>
+        </p:spPr>
+        <p:txBody>
+          <a:bodyPr wrap="square" rtlCol="0">
+            <a:spAutoFit/>
+          </a:bodyPr>
+          <a:lstStyle/>
+          <a:p>
+            <a:r>
+              <a:rPr lang="en-US" altLang="ko-KR" dirty="0"/>
+              <a:t>NO</a:t>
+            </a:r>
+          </a:p>
+        </p:txBody>
+      </p:sp>
+    </p:spTree>
+    <p:extLst>
+      <p:ext uri="{BB962C8B-B14F-4D97-AF65-F5344CB8AC3E}">
+        <p14:creationId xmlns:p14="http://schemas.microsoft.com/office/powerpoint/2010/main" val="3744508222"/>
+      </p:ext>
+    </p:extLst>
+  </p:cSld>
+  <p:clrMapOvr>
+    <a:masterClrMapping/>
+  </p:clrMapOvr>
+</p:sld>
+</file>
+
+<file path=ppt/slides/slide13.xml><?xml version="1.0" encoding="utf-8"?>
+<p:sld xmlns:a="http://schemas.openxmlformats.org/drawingml/2006/main" xmlns:r="http://schemas.openxmlformats.org/officeDocument/2006/relationships" xmlns:p="http://schemas.openxmlformats.org/presentationml/2006/main">
+  <p:cSld>
+    <p:spTree>
+      <p:nvGrpSpPr>
+        <p:cNvPr id="1" name=""/>
+        <p:cNvGrpSpPr/>
+        <p:nvPr/>
+      </p:nvGrpSpPr>
+      <p:grpSpPr>
+        <a:xfrm>
+          <a:off x="0" y="0"/>
+          <a:ext cx="0" cy="0"/>
+          <a:chOff x="0" y="0"/>
+          <a:chExt cx="0" cy="0"/>
+        </a:xfrm>
+      </p:grpSpPr>
+      <p:sp>
+        <p:nvSpPr>
+          <p:cNvPr id="3" name="TextBox 2">
+            <a:extLst>
+              <a:ext uri="{FF2B5EF4-FFF2-40B4-BE49-F238E27FC236}">
+                <a16:creationId xmlns:a16="http://schemas.microsoft.com/office/drawing/2014/main" id="{2B89B161-2FB1-B940-7AEF-AC110FF04F75}"/>
+              </a:ext>
+            </a:extLst>
+          </p:cNvPr>
+          <p:cNvSpPr txBox="1"/>
+          <p:nvPr/>
+        </p:nvSpPr>
+        <p:spPr>
+          <a:xfrm>
+            <a:off x="0" y="0"/>
+            <a:ext cx="5587999" cy="5447645"/>
+          </a:xfrm>
+          <a:prstGeom prst="rect">
+            <a:avLst/>
+          </a:prstGeom>
+          <a:noFill/>
+        </p:spPr>
+        <p:txBody>
+          <a:bodyPr wrap="square">
+            <a:spAutoFit/>
+          </a:bodyPr>
+          <a:lstStyle/>
+          <a:p>
+            <a:r>
+              <a:rPr lang="ko-KR" altLang="en-US" sz="1200" dirty="0"/>
+              <a:t> "</a:t>
+            </a:r>
+            <a:r>
+              <a:rPr lang="ko-KR" altLang="en-US" sz="1200" dirty="0" err="1"/>
+              <a:t>userNames</a:t>
+            </a:r>
+            <a:r>
+              <a:rPr lang="ko-KR" altLang="en-US" sz="1200" dirty="0"/>
+              <a:t>": [    "오융택",    "admin011"  ],</a:t>
+            </a:r>
+          </a:p>
+          <a:p>
+            <a:r>
+              <a:rPr lang="ko-KR" altLang="en-US" sz="1200" dirty="0"/>
+              <a:t>  "</a:t>
+            </a:r>
+            <a:r>
+              <a:rPr lang="ko-KR" altLang="en-US" sz="1200" dirty="0" err="1"/>
+              <a:t>taskCount</a:t>
+            </a:r>
+            <a:r>
+              <a:rPr lang="ko-KR" altLang="en-US" sz="1200" dirty="0"/>
+              <a:t>": 2,</a:t>
+            </a:r>
+          </a:p>
+          <a:p>
+            <a:r>
+              <a:rPr lang="ko-KR" altLang="en-US" sz="1200" dirty="0"/>
+              <a:t>  "</a:t>
+            </a:r>
+            <a:r>
+              <a:rPr lang="ko-KR" altLang="en-US" sz="1200" dirty="0" err="1"/>
+              <a:t>completeCount</a:t>
+            </a:r>
+            <a:r>
+              <a:rPr lang="ko-KR" altLang="en-US" sz="1200" dirty="0"/>
+              <a:t>": 1,</a:t>
+            </a:r>
+          </a:p>
+          <a:p>
+            <a:r>
+              <a:rPr lang="ko-KR" altLang="en-US" sz="1200" dirty="0"/>
+              <a:t>  "</a:t>
+            </a:r>
+            <a:r>
+              <a:rPr lang="ko-KR" altLang="en-US" sz="1200" dirty="0" err="1"/>
+              <a:t>todos</a:t>
+            </a:r>
+            <a:r>
+              <a:rPr lang="ko-KR" altLang="en-US" sz="1200" dirty="0"/>
+              <a:t>": [{ </a:t>
+            </a:r>
+            <a:r>
+              <a:rPr lang="en-US" altLang="ko-KR" sz="1200" dirty="0"/>
+              <a:t>// </a:t>
+            </a:r>
+            <a:r>
+              <a:rPr lang="ko-KR" altLang="en-US" sz="1200" dirty="0"/>
+              <a:t>팀 전체 할 일 목록</a:t>
+            </a:r>
+          </a:p>
+          <a:p>
+            <a:r>
+              <a:rPr lang="ko-KR" altLang="en-US" sz="1200" dirty="0"/>
+              <a:t>      "</a:t>
+            </a:r>
+            <a:r>
+              <a:rPr lang="ko-KR" altLang="en-US" sz="1200" dirty="0" err="1"/>
+              <a:t>id</a:t>
+            </a:r>
+            <a:r>
+              <a:rPr lang="ko-KR" altLang="en-US" sz="1200" dirty="0"/>
+              <a:t>": "doc_id_1",</a:t>
+            </a:r>
+          </a:p>
+          <a:p>
+            <a:r>
+              <a:rPr lang="ko-KR" altLang="en-US" sz="1200" dirty="0"/>
+              <a:t>      "</a:t>
+            </a:r>
+            <a:r>
+              <a:rPr lang="ko-KR" altLang="en-US" sz="1200" dirty="0" err="1"/>
+              <a:t>data</a:t>
+            </a:r>
+            <a:r>
+              <a:rPr lang="ko-KR" altLang="en-US" sz="1200" dirty="0"/>
+              <a:t>": {</a:t>
+            </a:r>
+          </a:p>
+          <a:p>
+            <a:r>
+              <a:rPr lang="ko-KR" altLang="en-US" sz="1200" dirty="0"/>
+              <a:t>        "</a:t>
+            </a:r>
+            <a:r>
+              <a:rPr lang="ko-KR" altLang="en-US" sz="1200" dirty="0" err="1"/>
+              <a:t>complete</a:t>
+            </a:r>
+            <a:r>
+              <a:rPr lang="ko-KR" altLang="en-US" sz="1200" dirty="0"/>
+              <a:t>": </a:t>
+            </a:r>
+            <a:r>
+              <a:rPr lang="ko-KR" altLang="en-US" sz="1200" dirty="0" err="1"/>
+              <a:t>false</a:t>
+            </a:r>
+            <a:r>
+              <a:rPr lang="ko-KR" altLang="en-US" sz="1200" dirty="0"/>
+              <a:t>,</a:t>
+            </a:r>
+          </a:p>
+          <a:p>
+            <a:r>
+              <a:rPr lang="ko-KR" altLang="en-US" sz="1200" dirty="0"/>
+              <a:t>        "</a:t>
+            </a:r>
+            <a:r>
+              <a:rPr lang="ko-KR" altLang="en-US" sz="1200" dirty="0" err="1"/>
+              <a:t>discription</a:t>
+            </a:r>
+            <a:r>
+              <a:rPr lang="ko-KR" altLang="en-US" sz="1200" dirty="0"/>
+              <a:t>": "</a:t>
+            </a:r>
+            <a:r>
+              <a:rPr lang="ko-KR" altLang="en-US" sz="1200" dirty="0" err="1"/>
+              <a:t>앱빌드준비</a:t>
+            </a:r>
+            <a:r>
+              <a:rPr lang="ko-KR" altLang="en-US" sz="1200" dirty="0"/>
+              <a:t>",</a:t>
+            </a:r>
+          </a:p>
+          <a:p>
+            <a:r>
+              <a:rPr lang="ko-KR" altLang="en-US" sz="1200" dirty="0"/>
+              <a:t>        "</a:t>
+            </a:r>
+            <a:r>
+              <a:rPr lang="ko-KR" altLang="en-US" sz="1200" dirty="0" err="1"/>
+              <a:t>endDate</a:t>
+            </a:r>
+            <a:r>
+              <a:rPr lang="ko-KR" altLang="en-US" sz="1200" dirty="0"/>
+              <a:t>": "2023년 5월 8일 오후 3시 56분 37초 UTC+9",</a:t>
+            </a:r>
+          </a:p>
+          <a:p>
+            <a:r>
+              <a:rPr lang="ko-KR" altLang="en-US" sz="1200" dirty="0"/>
+              <a:t>        "</a:t>
+            </a:r>
+            <a:r>
+              <a:rPr lang="ko-KR" altLang="en-US" sz="1200" dirty="0" err="1"/>
+              <a:t>startDate</a:t>
+            </a:r>
+            <a:r>
+              <a:rPr lang="ko-KR" altLang="en-US" sz="1200" dirty="0"/>
+              <a:t>": "2023년 5월 7일 오후 3시 56분 37초 UTC+9",</a:t>
+            </a:r>
+          </a:p>
+          <a:p>
+            <a:r>
+              <a:rPr lang="ko-KR" altLang="en-US" sz="1200" dirty="0"/>
+              <a:t>        "</a:t>
+            </a:r>
+            <a:r>
+              <a:rPr lang="ko-KR" altLang="en-US" sz="1200" dirty="0" err="1"/>
+              <a:t>task</a:t>
+            </a:r>
+            <a:r>
+              <a:rPr lang="ko-KR" altLang="en-US" sz="1200" dirty="0"/>
+              <a:t>": "빌드",</a:t>
+            </a:r>
+          </a:p>
+          <a:p>
+            <a:r>
+              <a:rPr lang="ko-KR" altLang="en-US" sz="1200" dirty="0"/>
+              <a:t>        "</a:t>
+            </a:r>
+            <a:r>
+              <a:rPr lang="ko-KR" altLang="en-US" sz="1200" dirty="0" err="1"/>
+              <a:t>teamId</a:t>
+            </a:r>
+            <a:r>
+              <a:rPr lang="ko-KR" altLang="en-US" sz="1200" dirty="0"/>
+              <a:t>": "5WOgPxCcYn674gUdQULz",</a:t>
+            </a:r>
+          </a:p>
+          <a:p>
+            <a:r>
+              <a:rPr lang="ko-KR" altLang="en-US" sz="1200" dirty="0"/>
+              <a:t>        "</a:t>
+            </a:r>
+            <a:r>
+              <a:rPr lang="ko-KR" altLang="en-US" sz="1200" dirty="0" err="1"/>
+              <a:t>worker</a:t>
+            </a:r>
+            <a:r>
+              <a:rPr lang="ko-KR" altLang="en-US" sz="1200" dirty="0"/>
+              <a:t>": "</a:t>
+            </a:r>
+            <a:r>
+              <a:rPr lang="ko-KR" altLang="en-US" sz="1200" dirty="0" err="1"/>
+              <a:t>pjh</a:t>
+            </a:r>
+            <a:r>
+              <a:rPr lang="ko-KR" altLang="en-US" sz="1200" dirty="0"/>
+              <a:t>"</a:t>
+            </a:r>
+          </a:p>
+          <a:p>
+            <a:r>
+              <a:rPr lang="ko-KR" altLang="en-US" sz="1200" dirty="0"/>
+              <a:t>      }</a:t>
+            </a:r>
+          </a:p>
+          <a:p>
+            <a:r>
+              <a:rPr lang="ko-KR" altLang="en-US" sz="1200" dirty="0"/>
+              <a:t>    },</a:t>
+            </a:r>
+          </a:p>
+          <a:p>
+            <a:r>
+              <a:rPr lang="ko-KR" altLang="en-US" sz="1200" dirty="0"/>
+              <a:t>    {</a:t>
+            </a:r>
+          </a:p>
+          <a:p>
+            <a:r>
+              <a:rPr lang="ko-KR" altLang="en-US" sz="1200" dirty="0"/>
+              <a:t>      "</a:t>
+            </a:r>
+            <a:r>
+              <a:rPr lang="ko-KR" altLang="en-US" sz="1200" dirty="0" err="1"/>
+              <a:t>id</a:t>
+            </a:r>
+            <a:r>
+              <a:rPr lang="ko-KR" altLang="en-US" sz="1200" dirty="0"/>
+              <a:t>": "doc_id_2",</a:t>
+            </a:r>
+          </a:p>
+          <a:p>
+            <a:r>
+              <a:rPr lang="ko-KR" altLang="en-US" sz="1200" dirty="0"/>
+              <a:t>      "</a:t>
+            </a:r>
+            <a:r>
+              <a:rPr lang="ko-KR" altLang="en-US" sz="1200" dirty="0" err="1"/>
+              <a:t>data</a:t>
+            </a:r>
+            <a:r>
+              <a:rPr lang="ko-KR" altLang="en-US" sz="1200" dirty="0"/>
+              <a:t>": {</a:t>
+            </a:r>
+          </a:p>
+          <a:p>
+            <a:r>
+              <a:rPr lang="ko-KR" altLang="en-US" sz="1200" dirty="0"/>
+              <a:t>        "</a:t>
+            </a:r>
+            <a:r>
+              <a:rPr lang="ko-KR" altLang="en-US" sz="1200" dirty="0" err="1"/>
+              <a:t>complete</a:t>
+            </a:r>
+            <a:r>
+              <a:rPr lang="ko-KR" altLang="en-US" sz="1200" dirty="0"/>
+              <a:t>": </a:t>
+            </a:r>
+            <a:r>
+              <a:rPr lang="ko-KR" altLang="en-US" sz="1200" dirty="0" err="1"/>
+              <a:t>true</a:t>
+            </a:r>
+            <a:r>
+              <a:rPr lang="ko-KR" altLang="en-US" sz="1200" dirty="0"/>
+              <a:t>,</a:t>
+            </a:r>
+          </a:p>
+          <a:p>
+            <a:r>
+              <a:rPr lang="ko-KR" altLang="en-US" sz="1200" dirty="0"/>
+              <a:t>        "</a:t>
+            </a:r>
+            <a:r>
+              <a:rPr lang="ko-KR" altLang="en-US" sz="1200" dirty="0" err="1"/>
+              <a:t>discription</a:t>
+            </a:r>
+            <a:r>
+              <a:rPr lang="ko-KR" altLang="en-US" sz="1200" dirty="0"/>
+              <a:t>": "졸업작품 전시회 발표",</a:t>
+            </a:r>
+          </a:p>
+          <a:p>
+            <a:r>
+              <a:rPr lang="ko-KR" altLang="en-US" sz="1200" dirty="0"/>
+              <a:t>        "</a:t>
+            </a:r>
+            <a:r>
+              <a:rPr lang="ko-KR" altLang="en-US" sz="1200" dirty="0" err="1"/>
+              <a:t>endDate</a:t>
+            </a:r>
+            <a:r>
+              <a:rPr lang="ko-KR" altLang="en-US" sz="1200" dirty="0"/>
+              <a:t>": "2023년 5월 16일 오후 3시 42분 4초 UTC+9",</a:t>
+            </a:r>
+          </a:p>
+          <a:p>
+            <a:r>
+              <a:rPr lang="ko-KR" altLang="en-US" sz="1200" dirty="0"/>
+              <a:t>        "</a:t>
+            </a:r>
+            <a:r>
+              <a:rPr lang="ko-KR" altLang="en-US" sz="1200" dirty="0" err="1"/>
+              <a:t>startDate</a:t>
+            </a:r>
+            <a:r>
+              <a:rPr lang="ko-KR" altLang="en-US" sz="1200" dirty="0"/>
+              <a:t>": "2023년 5월 16일 오후 3시 42분 4초 UTC+9",</a:t>
+            </a:r>
+          </a:p>
+          <a:p>
+            <a:r>
+              <a:rPr lang="ko-KR" altLang="en-US" sz="1200" dirty="0"/>
+              <a:t>        "</a:t>
+            </a:r>
+            <a:r>
+              <a:rPr lang="ko-KR" altLang="en-US" sz="1200" dirty="0" err="1"/>
+              <a:t>task</a:t>
+            </a:r>
+            <a:r>
+              <a:rPr lang="ko-KR" altLang="en-US" sz="1200" dirty="0"/>
+              <a:t>": "발표일!!",</a:t>
+            </a:r>
+          </a:p>
+          <a:p>
+            <a:r>
+              <a:rPr lang="ko-KR" altLang="en-US" sz="1200" dirty="0"/>
+              <a:t>        "</a:t>
+            </a:r>
+            <a:r>
+              <a:rPr lang="ko-KR" altLang="en-US" sz="1200" dirty="0" err="1"/>
+              <a:t>teamId</a:t>
+            </a:r>
+            <a:r>
+              <a:rPr lang="ko-KR" altLang="en-US" sz="1200" dirty="0"/>
+              <a:t>": "5WOgPxCcYn674gUdQULz",</a:t>
+            </a:r>
+          </a:p>
+          <a:p>
+            <a:r>
+              <a:rPr lang="ko-KR" altLang="en-US" sz="1200" dirty="0"/>
+              <a:t>        "</a:t>
+            </a:r>
+            <a:r>
+              <a:rPr lang="ko-KR" altLang="en-US" sz="1200" dirty="0" err="1"/>
+              <a:t>worker</a:t>
+            </a:r>
+            <a:r>
+              <a:rPr lang="ko-KR" altLang="en-US" sz="1200" dirty="0"/>
+              <a:t>": "admin011"</a:t>
+            </a:r>
+          </a:p>
+          <a:p>
+            <a:r>
+              <a:rPr lang="ko-KR" altLang="en-US" sz="1200" dirty="0"/>
+              <a:t>      }</a:t>
+            </a:r>
+          </a:p>
+          <a:p>
+            <a:r>
+              <a:rPr lang="ko-KR" altLang="en-US" sz="1200" dirty="0"/>
+              <a:t>    }</a:t>
+            </a:r>
+          </a:p>
+          <a:p>
+            <a:r>
+              <a:rPr lang="ko-KR" altLang="en-US" sz="1200" dirty="0"/>
+              <a:t>  ],</a:t>
+            </a:r>
+          </a:p>
+          <a:p>
+            <a:r>
+              <a:rPr lang="ko-KR" altLang="en-US" sz="1200" dirty="0"/>
+              <a:t> </a:t>
+            </a:r>
+          </a:p>
+        </p:txBody>
+      </p:sp>
+      <p:sp>
+        <p:nvSpPr>
+          <p:cNvPr id="5" name="TextBox 4">
+            <a:extLst>
+              <a:ext uri="{FF2B5EF4-FFF2-40B4-BE49-F238E27FC236}">
+                <a16:creationId xmlns:a16="http://schemas.microsoft.com/office/drawing/2014/main" id="{B810173B-9013-B09A-4EAF-20F229FA0AAF}"/>
+              </a:ext>
+            </a:extLst>
+          </p:cNvPr>
+          <p:cNvSpPr txBox="1"/>
+          <p:nvPr/>
+        </p:nvSpPr>
+        <p:spPr>
+          <a:xfrm>
+            <a:off x="5588000" y="0"/>
+            <a:ext cx="6603999" cy="7109639"/>
+          </a:xfrm>
+          <a:prstGeom prst="rect">
+            <a:avLst/>
+          </a:prstGeom>
+          <a:noFill/>
+        </p:spPr>
+        <p:txBody>
+          <a:bodyPr wrap="square">
+            <a:spAutoFit/>
+          </a:bodyPr>
+          <a:lstStyle/>
+          <a:p>
+            <a:r>
+              <a:rPr lang="ko-KR" altLang="en-US" sz="1200" dirty="0"/>
+              <a:t>"</a:t>
+            </a:r>
+            <a:r>
+              <a:rPr lang="ko-KR" altLang="en-US" sz="1200" dirty="0" err="1"/>
+              <a:t>teamTodos</a:t>
+            </a:r>
+            <a:r>
+              <a:rPr lang="ko-KR" altLang="en-US" sz="1200" dirty="0"/>
+              <a:t>": { </a:t>
+            </a:r>
+            <a:r>
+              <a:rPr lang="en-US" altLang="ko-KR" sz="1200" dirty="0"/>
+              <a:t>// </a:t>
+            </a:r>
+            <a:r>
+              <a:rPr lang="ko-KR" altLang="en-US" sz="1200" dirty="0" err="1"/>
+              <a:t>멤버별</a:t>
+            </a:r>
+            <a:r>
+              <a:rPr lang="ko-KR" altLang="en-US" sz="1200" dirty="0"/>
+              <a:t> 할 일 목록</a:t>
+            </a:r>
+          </a:p>
+          <a:p>
+            <a:r>
+              <a:rPr lang="ko-KR" altLang="en-US" sz="1200" dirty="0"/>
+              <a:t>    "</a:t>
+            </a:r>
+            <a:r>
+              <a:rPr lang="ko-KR" altLang="en-US" sz="1200" dirty="0" err="1"/>
+              <a:t>pjh</a:t>
+            </a:r>
+            <a:r>
+              <a:rPr lang="ko-KR" altLang="en-US" sz="1200" dirty="0"/>
+              <a:t>": { </a:t>
+            </a:r>
+            <a:r>
+              <a:rPr lang="en-US" altLang="ko-KR" sz="1200" dirty="0"/>
+              <a:t>//</a:t>
+            </a:r>
+            <a:r>
+              <a:rPr lang="ko-KR" altLang="en-US" sz="1200" dirty="0"/>
+              <a:t> </a:t>
+            </a:r>
+            <a:r>
+              <a:rPr lang="en-US" altLang="ko-KR" sz="1200" dirty="0"/>
+              <a:t>Member1</a:t>
+            </a:r>
+            <a:endParaRPr lang="ko-KR" altLang="en-US" sz="1200" dirty="0"/>
+          </a:p>
+          <a:p>
+            <a:r>
+              <a:rPr lang="ko-KR" altLang="en-US" sz="1200" dirty="0"/>
+              <a:t>      "</a:t>
+            </a:r>
+            <a:r>
+              <a:rPr lang="ko-KR" altLang="en-US" sz="1200" dirty="0" err="1"/>
+              <a:t>completed</a:t>
+            </a:r>
+            <a:r>
+              <a:rPr lang="ko-KR" altLang="en-US" sz="1200" dirty="0"/>
+              <a:t>": 0,</a:t>
+            </a:r>
+          </a:p>
+          <a:p>
+            <a:r>
+              <a:rPr lang="ko-KR" altLang="en-US" sz="1200" dirty="0"/>
+              <a:t>      "</a:t>
+            </a:r>
+            <a:r>
+              <a:rPr lang="ko-KR" altLang="en-US" sz="1200" dirty="0" err="1"/>
+              <a:t>total</a:t>
+            </a:r>
+            <a:r>
+              <a:rPr lang="ko-KR" altLang="en-US" sz="1200" dirty="0"/>
+              <a:t>": 1,</a:t>
+            </a:r>
+          </a:p>
+          <a:p>
+            <a:r>
+              <a:rPr lang="ko-KR" altLang="en-US" sz="1200" dirty="0"/>
+              <a:t>      "</a:t>
+            </a:r>
+            <a:r>
+              <a:rPr lang="ko-KR" altLang="en-US" sz="1200" dirty="0" err="1"/>
+              <a:t>todos</a:t>
+            </a:r>
+            <a:r>
+              <a:rPr lang="ko-KR" altLang="en-US" sz="1200" dirty="0"/>
+              <a:t>": [</a:t>
+            </a:r>
+          </a:p>
+          <a:p>
+            <a:r>
+              <a:rPr lang="ko-KR" altLang="en-US" sz="1200" dirty="0"/>
+              <a:t>        {</a:t>
+            </a:r>
+          </a:p>
+          <a:p>
+            <a:r>
+              <a:rPr lang="ko-KR" altLang="en-US" sz="1200" dirty="0"/>
+              <a:t>          "</a:t>
+            </a:r>
+            <a:r>
+              <a:rPr lang="ko-KR" altLang="en-US" sz="1200" dirty="0" err="1"/>
+              <a:t>id</a:t>
+            </a:r>
+            <a:r>
+              <a:rPr lang="ko-KR" altLang="en-US" sz="1200" dirty="0"/>
+              <a:t>": "doc_id_1",</a:t>
+            </a:r>
+          </a:p>
+          <a:p>
+            <a:r>
+              <a:rPr lang="ko-KR" altLang="en-US" sz="1200" dirty="0"/>
+              <a:t>          "</a:t>
+            </a:r>
+            <a:r>
+              <a:rPr lang="ko-KR" altLang="en-US" sz="1200" dirty="0" err="1"/>
+              <a:t>data</a:t>
+            </a:r>
+            <a:r>
+              <a:rPr lang="ko-KR" altLang="en-US" sz="1200" dirty="0"/>
+              <a:t>": {</a:t>
+            </a:r>
+          </a:p>
+          <a:p>
+            <a:r>
+              <a:rPr lang="ko-KR" altLang="en-US" sz="1200" dirty="0"/>
+              <a:t>            "</a:t>
+            </a:r>
+            <a:r>
+              <a:rPr lang="ko-KR" altLang="en-US" sz="1200" dirty="0" err="1"/>
+              <a:t>complete</a:t>
+            </a:r>
+            <a:r>
+              <a:rPr lang="ko-KR" altLang="en-US" sz="1200" dirty="0"/>
+              <a:t>": </a:t>
+            </a:r>
+            <a:r>
+              <a:rPr lang="ko-KR" altLang="en-US" sz="1200" dirty="0" err="1"/>
+              <a:t>false</a:t>
+            </a:r>
+            <a:r>
+              <a:rPr lang="ko-KR" altLang="en-US" sz="1200" dirty="0"/>
+              <a:t>,</a:t>
+            </a:r>
+          </a:p>
+          <a:p>
+            <a:r>
+              <a:rPr lang="ko-KR" altLang="en-US" sz="1200" dirty="0"/>
+              <a:t>            "</a:t>
+            </a:r>
+            <a:r>
+              <a:rPr lang="ko-KR" altLang="en-US" sz="1200" dirty="0" err="1"/>
+              <a:t>discription</a:t>
+            </a:r>
+            <a:r>
+              <a:rPr lang="ko-KR" altLang="en-US" sz="1200" dirty="0"/>
+              <a:t>": "</a:t>
+            </a:r>
+            <a:r>
+              <a:rPr lang="ko-KR" altLang="en-US" sz="1200" dirty="0" err="1"/>
+              <a:t>앱빌드준비</a:t>
+            </a:r>
+            <a:r>
+              <a:rPr lang="ko-KR" altLang="en-US" sz="1200" dirty="0"/>
+              <a:t>",</a:t>
+            </a:r>
+          </a:p>
+          <a:p>
+            <a:r>
+              <a:rPr lang="ko-KR" altLang="en-US" sz="1200" dirty="0"/>
+              <a:t>            "</a:t>
+            </a:r>
+            <a:r>
+              <a:rPr lang="ko-KR" altLang="en-US" sz="1200" dirty="0" err="1"/>
+              <a:t>endDate</a:t>
+            </a:r>
+            <a:r>
+              <a:rPr lang="ko-KR" altLang="en-US" sz="1200" dirty="0"/>
+              <a:t>": "2023년 5월 8일 오후 3시 56분 37초 UTC+9",</a:t>
+            </a:r>
+          </a:p>
+          <a:p>
+            <a:r>
+              <a:rPr lang="ko-KR" altLang="en-US" sz="1200" dirty="0"/>
+              <a:t>            "</a:t>
+            </a:r>
+            <a:r>
+              <a:rPr lang="ko-KR" altLang="en-US" sz="1200" dirty="0" err="1"/>
+              <a:t>startDate</a:t>
+            </a:r>
+            <a:r>
+              <a:rPr lang="ko-KR" altLang="en-US" sz="1200" dirty="0"/>
+              <a:t>": "2023년 5월 7일 오후 3시 56분 37초 UTC+9",</a:t>
+            </a:r>
+          </a:p>
+          <a:p>
+            <a:r>
+              <a:rPr lang="ko-KR" altLang="en-US" sz="1200" dirty="0"/>
+              <a:t>            "</a:t>
+            </a:r>
+            <a:r>
+              <a:rPr lang="ko-KR" altLang="en-US" sz="1200" dirty="0" err="1"/>
+              <a:t>task</a:t>
+            </a:r>
+            <a:r>
+              <a:rPr lang="ko-KR" altLang="en-US" sz="1200" dirty="0"/>
+              <a:t>": "빌드",</a:t>
+            </a:r>
+          </a:p>
+          <a:p>
+            <a:r>
+              <a:rPr lang="ko-KR" altLang="en-US" sz="1200" dirty="0"/>
+              <a:t>            "</a:t>
+            </a:r>
+            <a:r>
+              <a:rPr lang="ko-KR" altLang="en-US" sz="1200" dirty="0" err="1"/>
+              <a:t>teamId</a:t>
+            </a:r>
+            <a:r>
+              <a:rPr lang="ko-KR" altLang="en-US" sz="1200" dirty="0"/>
+              <a:t>": "5WOgPxCcYn674gUdQULz",</a:t>
+            </a:r>
+          </a:p>
+          <a:p>
+            <a:r>
+              <a:rPr lang="ko-KR" altLang="en-US" sz="1200" dirty="0"/>
+              <a:t>            "</a:t>
+            </a:r>
+            <a:r>
+              <a:rPr lang="ko-KR" altLang="en-US" sz="1200" dirty="0" err="1"/>
+              <a:t>worker</a:t>
+            </a:r>
+            <a:r>
+              <a:rPr lang="ko-KR" altLang="en-US" sz="1200" dirty="0"/>
+              <a:t>": "</a:t>
+            </a:r>
+            <a:r>
+              <a:rPr lang="ko-KR" altLang="en-US" sz="1200" dirty="0" err="1"/>
+              <a:t>pjh</a:t>
+            </a:r>
+            <a:r>
+              <a:rPr lang="ko-KR" altLang="en-US" sz="1200" dirty="0"/>
+              <a:t>"</a:t>
+            </a:r>
+          </a:p>
+          <a:p>
+            <a:r>
+              <a:rPr lang="ko-KR" altLang="en-US" sz="1200" dirty="0"/>
+              <a:t>          }</a:t>
+            </a:r>
+          </a:p>
+          <a:p>
+            <a:r>
+              <a:rPr lang="ko-KR" altLang="en-US" sz="1200" dirty="0"/>
+              <a:t>        }</a:t>
+            </a:r>
+          </a:p>
+          <a:p>
+            <a:r>
+              <a:rPr lang="ko-KR" altLang="en-US" sz="1200" dirty="0"/>
+              <a:t>      ]</a:t>
+            </a:r>
+          </a:p>
+          <a:p>
+            <a:r>
+              <a:rPr lang="ko-KR" altLang="en-US" sz="1200" dirty="0"/>
+              <a:t>    },</a:t>
+            </a:r>
+          </a:p>
+          <a:p>
+            <a:r>
+              <a:rPr lang="ko-KR" altLang="en-US" sz="1200" dirty="0"/>
+              <a:t>    "admin011": {</a:t>
+            </a:r>
+            <a:r>
+              <a:rPr lang="en-US" altLang="ko-KR" sz="1200" dirty="0"/>
+              <a:t>//</a:t>
+            </a:r>
+            <a:r>
+              <a:rPr lang="ko-KR" altLang="en-US" sz="1200" dirty="0"/>
+              <a:t> </a:t>
+            </a:r>
+            <a:r>
+              <a:rPr lang="en-US" altLang="ko-KR" sz="1200" dirty="0"/>
+              <a:t>Member2</a:t>
+            </a:r>
+            <a:endParaRPr lang="ko-KR" altLang="en-US" sz="1200" dirty="0"/>
+          </a:p>
+          <a:p>
+            <a:r>
+              <a:rPr lang="ko-KR" altLang="en-US" sz="1200" dirty="0"/>
+              <a:t>      "</a:t>
+            </a:r>
+            <a:r>
+              <a:rPr lang="ko-KR" altLang="en-US" sz="1200" dirty="0" err="1"/>
+              <a:t>completed</a:t>
+            </a:r>
+            <a:r>
+              <a:rPr lang="ko-KR" altLang="en-US" sz="1200" dirty="0"/>
+              <a:t>": 1,</a:t>
+            </a:r>
+          </a:p>
+          <a:p>
+            <a:r>
+              <a:rPr lang="ko-KR" altLang="en-US" sz="1200" dirty="0"/>
+              <a:t>      "</a:t>
+            </a:r>
+            <a:r>
+              <a:rPr lang="ko-KR" altLang="en-US" sz="1200" dirty="0" err="1"/>
+              <a:t>total</a:t>
+            </a:r>
+            <a:r>
+              <a:rPr lang="ko-KR" altLang="en-US" sz="1200" dirty="0"/>
+              <a:t>": 1,</a:t>
+            </a:r>
+          </a:p>
+          <a:p>
+            <a:r>
+              <a:rPr lang="ko-KR" altLang="en-US" sz="1200" dirty="0"/>
+              <a:t>      "</a:t>
+            </a:r>
+            <a:r>
+              <a:rPr lang="ko-KR" altLang="en-US" sz="1200" dirty="0" err="1"/>
+              <a:t>todos</a:t>
+            </a:r>
+            <a:r>
+              <a:rPr lang="ko-KR" altLang="en-US" sz="1200" dirty="0"/>
+              <a:t>": [</a:t>
+            </a:r>
+          </a:p>
+          <a:p>
+            <a:r>
+              <a:rPr lang="ko-KR" altLang="en-US" sz="1200" dirty="0"/>
+              <a:t>        {</a:t>
+            </a:r>
+          </a:p>
+          <a:p>
+            <a:r>
+              <a:rPr lang="ko-KR" altLang="en-US" sz="1200" dirty="0"/>
+              <a:t>          "</a:t>
+            </a:r>
+            <a:r>
+              <a:rPr lang="ko-KR" altLang="en-US" sz="1200" dirty="0" err="1"/>
+              <a:t>id</a:t>
+            </a:r>
+            <a:r>
+              <a:rPr lang="ko-KR" altLang="en-US" sz="1200" dirty="0"/>
+              <a:t>": "doc_id_2",</a:t>
+            </a:r>
+          </a:p>
+          <a:p>
+            <a:r>
+              <a:rPr lang="ko-KR" altLang="en-US" sz="1200" dirty="0"/>
+              <a:t>          "</a:t>
+            </a:r>
+            <a:r>
+              <a:rPr lang="ko-KR" altLang="en-US" sz="1200" dirty="0" err="1"/>
+              <a:t>data</a:t>
+            </a:r>
+            <a:r>
+              <a:rPr lang="ko-KR" altLang="en-US" sz="1200" dirty="0"/>
+              <a:t>": {</a:t>
+            </a:r>
+          </a:p>
+          <a:p>
+            <a:r>
+              <a:rPr lang="ko-KR" altLang="en-US" sz="1200" dirty="0"/>
+              <a:t>            "</a:t>
+            </a:r>
+            <a:r>
+              <a:rPr lang="ko-KR" altLang="en-US" sz="1200" dirty="0" err="1"/>
+              <a:t>complete</a:t>
+            </a:r>
+            <a:r>
+              <a:rPr lang="ko-KR" altLang="en-US" sz="1200" dirty="0"/>
+              <a:t>": </a:t>
+            </a:r>
+            <a:r>
+              <a:rPr lang="ko-KR" altLang="en-US" sz="1200" dirty="0" err="1"/>
+              <a:t>true</a:t>
+            </a:r>
+            <a:r>
+              <a:rPr lang="ko-KR" altLang="en-US" sz="1200" dirty="0"/>
+              <a:t>,</a:t>
+            </a:r>
+          </a:p>
+          <a:p>
+            <a:r>
+              <a:rPr lang="ko-KR" altLang="en-US" sz="1200" dirty="0"/>
+              <a:t>            "</a:t>
+            </a:r>
+            <a:r>
+              <a:rPr lang="ko-KR" altLang="en-US" sz="1200" dirty="0" err="1"/>
+              <a:t>discription</a:t>
+            </a:r>
+            <a:r>
+              <a:rPr lang="ko-KR" altLang="en-US" sz="1200" dirty="0"/>
+              <a:t>": "졸업작품 전시회 발표",</a:t>
+            </a:r>
+          </a:p>
+          <a:p>
+            <a:r>
+              <a:rPr lang="ko-KR" altLang="en-US" sz="1200" dirty="0"/>
+              <a:t>            "</a:t>
+            </a:r>
+            <a:r>
+              <a:rPr lang="ko-KR" altLang="en-US" sz="1200" dirty="0" err="1"/>
+              <a:t>endDate</a:t>
+            </a:r>
+            <a:r>
+              <a:rPr lang="ko-KR" altLang="en-US" sz="1200" dirty="0"/>
+              <a:t>": "2023년 5월 16일 오후 3시 42분 4초 UTC+9",</a:t>
+            </a:r>
+          </a:p>
+          <a:p>
+            <a:r>
+              <a:rPr lang="ko-KR" altLang="en-US" sz="1200" dirty="0"/>
+              <a:t>            "</a:t>
+            </a:r>
+            <a:r>
+              <a:rPr lang="ko-KR" altLang="en-US" sz="1200" dirty="0" err="1"/>
+              <a:t>startDate</a:t>
+            </a:r>
+            <a:r>
+              <a:rPr lang="ko-KR" altLang="en-US" sz="1200" dirty="0"/>
+              <a:t>": "2023년 5월 16일 오후 3시 42분 4초 UTC+9",</a:t>
+            </a:r>
+          </a:p>
+          <a:p>
+            <a:r>
+              <a:rPr lang="ko-KR" altLang="en-US" sz="1200" dirty="0"/>
+              <a:t>            "</a:t>
+            </a:r>
+            <a:r>
+              <a:rPr lang="ko-KR" altLang="en-US" sz="1200" dirty="0" err="1"/>
+              <a:t>task</a:t>
+            </a:r>
+            <a:r>
+              <a:rPr lang="ko-KR" altLang="en-US" sz="1200" dirty="0"/>
+              <a:t>": "발표일!!",</a:t>
+            </a:r>
+          </a:p>
+          <a:p>
+            <a:r>
+              <a:rPr lang="ko-KR" altLang="en-US" sz="1200" dirty="0"/>
+              <a:t>            "</a:t>
+            </a:r>
+            <a:r>
+              <a:rPr lang="ko-KR" altLang="en-US" sz="1200" dirty="0" err="1"/>
+              <a:t>teamId</a:t>
+            </a:r>
+            <a:r>
+              <a:rPr lang="ko-KR" altLang="en-US" sz="1200" dirty="0"/>
+              <a:t>": "5WOgPxCcYn674gUdQULz",</a:t>
+            </a:r>
+          </a:p>
+          <a:p>
+            <a:r>
+              <a:rPr lang="ko-KR" altLang="en-US" sz="1200" dirty="0"/>
+              <a:t>            "</a:t>
+            </a:r>
+            <a:r>
+              <a:rPr lang="ko-KR" altLang="en-US" sz="1200" dirty="0" err="1"/>
+              <a:t>worker</a:t>
+            </a:r>
+            <a:r>
+              <a:rPr lang="ko-KR" altLang="en-US" sz="1200" dirty="0"/>
+              <a:t>": "admin011"</a:t>
+            </a:r>
+          </a:p>
+          <a:p>
+            <a:r>
+              <a:rPr lang="ko-KR" altLang="en-US" sz="1200" dirty="0"/>
+              <a:t>          }</a:t>
+            </a:r>
+          </a:p>
+          <a:p>
+            <a:r>
+              <a:rPr lang="ko-KR" altLang="en-US" sz="1200" dirty="0"/>
+              <a:t>        }</a:t>
+            </a:r>
+          </a:p>
+          <a:p>
+            <a:r>
+              <a:rPr lang="ko-KR" altLang="en-US" sz="1200" dirty="0"/>
+              <a:t>      ]</a:t>
+            </a:r>
+          </a:p>
+          <a:p>
+            <a:r>
+              <a:rPr lang="ko-KR" altLang="en-US" sz="1200" dirty="0"/>
+              <a:t>    }</a:t>
+            </a:r>
+          </a:p>
+          <a:p>
+            <a:r>
+              <a:rPr lang="ko-KR" altLang="en-US" sz="1200" dirty="0"/>
+              <a:t>  }</a:t>
+            </a:r>
+          </a:p>
+        </p:txBody>
+      </p:sp>
+    </p:spTree>
+    <p:extLst>
+      <p:ext uri="{BB962C8B-B14F-4D97-AF65-F5344CB8AC3E}">
+        <p14:creationId xmlns:p14="http://schemas.microsoft.com/office/powerpoint/2010/main" val="3871861818"/>
+      </p:ext>
+    </p:extLst>
+  </p:cSld>
+  <p:clrMapOvr>
+    <a:masterClrMapping/>
+  </p:clrMapOvr>
+</p:sld>
+</file>
+
+<file path=ppt/slides/slide14.xml><?xml version="1.0" encoding="utf-8"?>
+<p:sld xmlns:a="http://schemas.openxmlformats.org/drawingml/2006/main" xmlns:r="http://schemas.openxmlformats.org/officeDocument/2006/relationships" xmlns:p="http://schemas.openxmlformats.org/presentationml/2006/main">
+  <p:cSld>
+    <p:spTree>
+      <p:nvGrpSpPr>
+        <p:cNvPr id="1" name=""/>
+        <p:cNvGrpSpPr/>
+        <p:nvPr/>
+      </p:nvGrpSpPr>
+      <p:grpSpPr>
+        <a:xfrm>
+          <a:off x="0" y="0"/>
+          <a:ext cx="0" cy="0"/>
+          <a:chOff x="0" y="0"/>
+          <a:chExt cx="0" cy="0"/>
+        </a:xfrm>
+      </p:grpSpPr>
+      <p:pic>
+        <p:nvPicPr>
           <p:cNvPr id="3" name="그림 2" descr="스크린샷, 텍스트, 소프트웨어, 컴퓨터 아이콘이(가) 표시된 사진&#10;&#10;자동 생성된 설명">
             <a:extLst>
               <a:ext uri="{FF2B5EF4-FFF2-40B4-BE49-F238E27FC236}">
@@ -4435,7 +7600,7 @@
 </p:sld>
 </file>
 
-<file path=ppt/slides/slide11.xml><?xml version="1.0" encoding="utf-8"?>
+<file path=ppt/slides/slide15.xml><?xml version="1.0" encoding="utf-8"?>
 <p:sld xmlns:a="http://schemas.openxmlformats.org/drawingml/2006/main" xmlns:r="http://schemas.openxmlformats.org/officeDocument/2006/relationships" xmlns:p="http://schemas.openxmlformats.org/presentationml/2006/main">
   <p:cSld>
     <p:spTree>
@@ -4573,7 +7738,7 @@
 </p:sld>
 </file>
 
-<file path=ppt/slides/slide12.xml><?xml version="1.0" encoding="utf-8"?>
+<file path=ppt/slides/slide16.xml><?xml version="1.0" encoding="utf-8"?>
 <p:sld xmlns:a="http://schemas.openxmlformats.org/drawingml/2006/main" xmlns:r="http://schemas.openxmlformats.org/officeDocument/2006/relationships" xmlns:p="http://schemas.openxmlformats.org/presentationml/2006/main">
   <p:cSld>
     <p:spTree>
@@ -11218,10 +14383,10 @@
       </p:grpSpPr>
       <p:pic>
         <p:nvPicPr>
-          <p:cNvPr id="3" name="그림 2" descr="텍스트, 스크린샷, 폰트, 번호이(가) 표시된 사진&#10;&#10;자동 생성된 설명">
-            <a:extLst>
-              <a:ext uri="{FF2B5EF4-FFF2-40B4-BE49-F238E27FC236}">
-                <a16:creationId xmlns:a16="http://schemas.microsoft.com/office/drawing/2014/main" id="{55D7F810-11D1-8255-C3EC-C51F7F5BB00E}"/>
+          <p:cNvPr id="13" name="그림 12" descr="텍스트, 스크린샷, 소프트웨어, 번호이(가) 표시된 사진&#10;&#10;자동 생성된 설명">
+            <a:extLst>
+              <a:ext uri="{FF2B5EF4-FFF2-40B4-BE49-F238E27FC236}">
+                <a16:creationId xmlns:a16="http://schemas.microsoft.com/office/drawing/2014/main" id="{99BC21A7-624A-CF46-8C11-B2C0D290C4F8}"/>
               </a:ext>
             </a:extLst>
           </p:cNvPr>
@@ -11244,8 +14409,8 @@
         </p:blipFill>
         <p:spPr>
           <a:xfrm>
-            <a:off x="7106773" y="685800"/>
-            <a:ext cx="1451571" cy="2832100"/>
+            <a:off x="0" y="0"/>
+            <a:ext cx="8324850" cy="6858000"/>
           </a:xfrm>
           <a:prstGeom prst="rect">
             <a:avLst/>
@@ -11254,10 +14419,10 @@
       </p:pic>
       <p:pic>
         <p:nvPicPr>
-          <p:cNvPr id="5" name="그림 4" descr="텍스트, 스크린샷, 소프트웨어이(가) 표시된 사진&#10;&#10;자동 생성된 설명">
-            <a:extLst>
-              <a:ext uri="{FF2B5EF4-FFF2-40B4-BE49-F238E27FC236}">
-                <a16:creationId xmlns:a16="http://schemas.microsoft.com/office/drawing/2014/main" id="{14A6BF14-54BB-C2DB-A078-CAB9A383E43A}"/>
+          <p:cNvPr id="11" name="그림 10" descr="텍스트, 번호, 소프트웨어, 폰트이(가) 표시된 사진&#10;&#10;자동 생성된 설명">
+            <a:extLst>
+              <a:ext uri="{FF2B5EF4-FFF2-40B4-BE49-F238E27FC236}">
+                <a16:creationId xmlns:a16="http://schemas.microsoft.com/office/drawing/2014/main" id="{CF2AC58C-12A9-2ED5-3C7A-45D1DE26349E}"/>
               </a:ext>
             </a:extLst>
           </p:cNvPr>
@@ -11280,8 +14445,8 @@
         </p:blipFill>
         <p:spPr>
           <a:xfrm>
-            <a:off x="4839823" y="685800"/>
-            <a:ext cx="1451571" cy="2832100"/>
+            <a:off x="4486275" y="0"/>
+            <a:ext cx="8806394" cy="6858000"/>
           </a:xfrm>
           <a:prstGeom prst="rect">
             <a:avLst/>
@@ -11290,10 +14455,10 @@
       </p:pic>
       <p:pic>
         <p:nvPicPr>
-          <p:cNvPr id="7" name="그림 6" descr="텍스트, 스크린샷, 소프트웨어, 컴퓨터 아이콘이(가) 표시된 사진&#10;&#10;자동 생성된 설명">
-            <a:extLst>
-              <a:ext uri="{FF2B5EF4-FFF2-40B4-BE49-F238E27FC236}">
-                <a16:creationId xmlns:a16="http://schemas.microsoft.com/office/drawing/2014/main" id="{F7F851C0-309A-5711-1A6A-235A241B1A54}"/>
+          <p:cNvPr id="14" name="그림 13" descr="텍스트, 번호, 소프트웨어, 폰트이(가) 표시된 사진&#10;&#10;자동 생성된 설명">
+            <a:extLst>
+              <a:ext uri="{FF2B5EF4-FFF2-40B4-BE49-F238E27FC236}">
+                <a16:creationId xmlns:a16="http://schemas.microsoft.com/office/drawing/2014/main" id="{D96DDF59-325F-117C-8D32-55634856E1AE}"/>
               </a:ext>
             </a:extLst>
           </p:cNvPr>
@@ -11302,476 +14467,31 @@
           </p:cNvPicPr>
           <p:nvPr/>
         </p:nvPicPr>
-        <p:blipFill>
-          <a:blip r:embed="rId4">
+        <p:blipFill rotWithShape="1">
+          <a:blip r:embed="rId3">
             <a:extLst>
               <a:ext uri="{28A0092B-C50C-407E-A947-70E740481C1C}">
                 <a14:useLocalDpi xmlns:a14="http://schemas.microsoft.com/office/drawing/2010/main" val="0"/>
               </a:ext>
             </a:extLst>
           </a:blip>
-          <a:stretch>
-            <a:fillRect/>
-          </a:stretch>
+          <a:srcRect b="91323"/>
+          <a:stretch/>
         </p:blipFill>
         <p:spPr>
           <a:xfrm>
-            <a:off x="1021024" y="2012950"/>
-            <a:ext cx="1320288" cy="2832100"/>
+            <a:off x="1" y="1"/>
+            <a:ext cx="13292668" cy="666750"/>
           </a:xfrm>
           <a:prstGeom prst="rect">
             <a:avLst/>
           </a:prstGeom>
         </p:spPr>
       </p:pic>
-      <p:pic>
-        <p:nvPicPr>
-          <p:cNvPr id="9" name="그림 8" descr="텍스트, 스크린샷, 웹사이트, 웹 페이지이(가) 표시된 사진&#10;&#10;자동 생성된 설명">
-            <a:extLst>
-              <a:ext uri="{FF2B5EF4-FFF2-40B4-BE49-F238E27FC236}">
-                <a16:creationId xmlns:a16="http://schemas.microsoft.com/office/drawing/2014/main" id="{08FD35AB-3D56-B6C1-5882-024731032665}"/>
-              </a:ext>
-            </a:extLst>
-          </p:cNvPr>
-          <p:cNvPicPr>
-            <a:picLocks noChangeAspect="1"/>
-          </p:cNvPicPr>
-          <p:nvPr/>
-        </p:nvPicPr>
-        <p:blipFill>
-          <a:blip r:embed="rId5">
-            <a:extLst>
-              <a:ext uri="{28A0092B-C50C-407E-A947-70E740481C1C}">
-                <a14:useLocalDpi xmlns:a14="http://schemas.microsoft.com/office/drawing/2010/main" val="0"/>
-              </a:ext>
-            </a:extLst>
-          </a:blip>
-          <a:stretch>
-            <a:fillRect/>
-          </a:stretch>
-        </p:blipFill>
-        <p:spPr>
-          <a:xfrm>
-            <a:off x="9868411" y="2012950"/>
-            <a:ext cx="1320288" cy="2832100"/>
-          </a:xfrm>
-          <a:prstGeom prst="rect">
-            <a:avLst/>
-          </a:prstGeom>
-        </p:spPr>
-      </p:pic>
-      <p:sp>
-        <p:nvSpPr>
-          <p:cNvPr id="14" name="다이아몬드 13">
-            <a:extLst>
-              <a:ext uri="{FF2B5EF4-FFF2-40B4-BE49-F238E27FC236}">
-                <a16:creationId xmlns:a16="http://schemas.microsoft.com/office/drawing/2014/main" id="{6072FA29-FB24-5F6B-065E-46CEBE650843}"/>
-              </a:ext>
-            </a:extLst>
-          </p:cNvPr>
-          <p:cNvSpPr/>
-          <p:nvPr/>
-        </p:nvSpPr>
-        <p:spPr>
-          <a:xfrm>
-            <a:off x="3009953" y="3155950"/>
-            <a:ext cx="1596929" cy="546100"/>
-          </a:xfrm>
-          <a:prstGeom prst="diamond">
-            <a:avLst/>
-          </a:prstGeom>
-          <a:solidFill>
-            <a:schemeClr val="accent5">
-              <a:lumMod val="20000"/>
-              <a:lumOff val="80000"/>
-            </a:schemeClr>
-          </a:solidFill>
-        </p:spPr>
-        <p:style>
-          <a:lnRef idx="2">
-            <a:schemeClr val="accent1">
-              <a:shade val="15000"/>
-            </a:schemeClr>
-          </a:lnRef>
-          <a:fillRef idx="1">
-            <a:schemeClr val="accent1"/>
-          </a:fillRef>
-          <a:effectRef idx="0">
-            <a:schemeClr val="accent1"/>
-          </a:effectRef>
-          <a:fontRef idx="minor">
-            <a:schemeClr val="lt1"/>
-          </a:fontRef>
-        </p:style>
-        <p:txBody>
-          <a:bodyPr rtlCol="0" anchor="ctr"/>
-          <a:lstStyle/>
-          <a:p>
-            <a:pPr algn="ctr"/>
-            <a:r>
-              <a:rPr lang="ko-KR" altLang="en-US" sz="1200" dirty="0">
-                <a:solidFill>
-                  <a:sysClr val="windowText" lastClr="000000"/>
-                </a:solidFill>
-              </a:rPr>
-              <a:t>팀이 </a:t>
-            </a:r>
-            <a:endParaRPr lang="en-US" altLang="ko-KR" sz="1200" dirty="0">
-              <a:solidFill>
-                <a:sysClr val="windowText" lastClr="000000"/>
-              </a:solidFill>
-            </a:endParaRPr>
-          </a:p>
-          <a:p>
-            <a:pPr algn="ctr"/>
-            <a:r>
-              <a:rPr lang="ko-KR" altLang="en-US" sz="1200" dirty="0">
-                <a:solidFill>
-                  <a:sysClr val="windowText" lastClr="000000"/>
-                </a:solidFill>
-              </a:rPr>
-              <a:t>있는가</a:t>
-            </a:r>
-            <a:r>
-              <a:rPr lang="en-US" altLang="ko-KR" sz="1200" dirty="0">
-                <a:solidFill>
-                  <a:sysClr val="windowText" lastClr="000000"/>
-                </a:solidFill>
-              </a:rPr>
-              <a:t>?</a:t>
-            </a:r>
-            <a:endParaRPr lang="ko-KR" altLang="en-US" sz="1200" dirty="0">
-              <a:solidFill>
-                <a:sysClr val="windowText" lastClr="000000"/>
-              </a:solidFill>
-            </a:endParaRPr>
-          </a:p>
-        </p:txBody>
-      </p:sp>
-      <p:cxnSp>
-        <p:nvCxnSpPr>
-          <p:cNvPr id="15" name="직선 화살표 연결선 14">
-            <a:extLst>
-              <a:ext uri="{FF2B5EF4-FFF2-40B4-BE49-F238E27FC236}">
-                <a16:creationId xmlns:a16="http://schemas.microsoft.com/office/drawing/2014/main" id="{C30181F1-83A4-286C-8C23-C97655DAF925}"/>
-              </a:ext>
-            </a:extLst>
-          </p:cNvPr>
-          <p:cNvCxnSpPr>
-            <a:cxnSpLocks/>
-            <a:stCxn id="7" idx="3"/>
-            <a:endCxn id="14" idx="1"/>
-          </p:cNvCxnSpPr>
-          <p:nvPr/>
-        </p:nvCxnSpPr>
-        <p:spPr>
-          <a:xfrm>
-            <a:off x="2341312" y="3429000"/>
-            <a:ext cx="668641" cy="0"/>
-          </a:xfrm>
-          <a:prstGeom prst="straightConnector1">
-            <a:avLst/>
-          </a:prstGeom>
-          <a:ln w="38100">
-            <a:solidFill>
-              <a:schemeClr val="accent5">
-                <a:lumMod val="60000"/>
-                <a:lumOff val="40000"/>
-              </a:schemeClr>
-            </a:solidFill>
-            <a:tailEnd type="triangle"/>
-          </a:ln>
-        </p:spPr>
-        <p:style>
-          <a:lnRef idx="1">
-            <a:schemeClr val="accent1"/>
-          </a:lnRef>
-          <a:fillRef idx="0">
-            <a:schemeClr val="accent1"/>
-          </a:fillRef>
-          <a:effectRef idx="0">
-            <a:schemeClr val="accent1"/>
-          </a:effectRef>
-          <a:fontRef idx="minor">
-            <a:schemeClr val="tx1"/>
-          </a:fontRef>
-        </p:style>
-      </p:cxnSp>
-      <p:cxnSp>
-        <p:nvCxnSpPr>
-          <p:cNvPr id="18" name="직선 화살표 연결선 17">
-            <a:extLst>
-              <a:ext uri="{FF2B5EF4-FFF2-40B4-BE49-F238E27FC236}">
-                <a16:creationId xmlns:a16="http://schemas.microsoft.com/office/drawing/2014/main" id="{2FB8CCA5-C88D-D47F-AE28-854BDC0F500A}"/>
-              </a:ext>
-            </a:extLst>
-          </p:cNvPr>
-          <p:cNvCxnSpPr>
-            <a:cxnSpLocks/>
-            <a:stCxn id="14" idx="0"/>
-            <a:endCxn id="5" idx="1"/>
-          </p:cNvCxnSpPr>
-          <p:nvPr/>
-        </p:nvCxnSpPr>
-        <p:spPr>
-          <a:xfrm rot="5400000" flipH="1" flipV="1">
-            <a:off x="3797070" y="2113198"/>
-            <a:ext cx="1054100" cy="1031405"/>
-          </a:xfrm>
-          <a:prstGeom prst="bentConnector2">
-            <a:avLst/>
-          </a:prstGeom>
-          <a:ln w="38100">
-            <a:solidFill>
-              <a:srgbClr val="FF0000"/>
-            </a:solidFill>
-            <a:tailEnd type="triangle"/>
-          </a:ln>
-        </p:spPr>
-        <p:style>
-          <a:lnRef idx="1">
-            <a:schemeClr val="accent1"/>
-          </a:lnRef>
-          <a:fillRef idx="0">
-            <a:schemeClr val="accent1"/>
-          </a:fillRef>
-          <a:effectRef idx="0">
-            <a:schemeClr val="accent1"/>
-          </a:effectRef>
-          <a:fontRef idx="minor">
-            <a:schemeClr val="tx1"/>
-          </a:fontRef>
-        </p:style>
-      </p:cxnSp>
-      <p:cxnSp>
-        <p:nvCxnSpPr>
-          <p:cNvPr id="21" name="직선 화살표 연결선 48">
-            <a:extLst>
-              <a:ext uri="{FF2B5EF4-FFF2-40B4-BE49-F238E27FC236}">
-                <a16:creationId xmlns:a16="http://schemas.microsoft.com/office/drawing/2014/main" id="{4300D455-A5D5-3D30-DC16-4093FA3DAD87}"/>
-              </a:ext>
-            </a:extLst>
-          </p:cNvPr>
-          <p:cNvCxnSpPr>
-            <a:cxnSpLocks/>
-            <a:stCxn id="5" idx="3"/>
-            <a:endCxn id="3" idx="1"/>
-          </p:cNvCxnSpPr>
-          <p:nvPr/>
-        </p:nvCxnSpPr>
-        <p:spPr>
-          <a:xfrm>
-            <a:off x="6291394" y="2101850"/>
-            <a:ext cx="815379" cy="12700"/>
-          </a:xfrm>
-          <a:prstGeom prst="bentConnector3">
-            <a:avLst>
-              <a:gd name="adj1" fmla="val 90886"/>
-            </a:avLst>
-          </a:prstGeom>
-          <a:ln w="38100">
-            <a:solidFill>
-              <a:schemeClr val="accent5">
-                <a:lumMod val="60000"/>
-                <a:lumOff val="40000"/>
-              </a:schemeClr>
-            </a:solidFill>
-            <a:tailEnd type="triangle"/>
-          </a:ln>
-        </p:spPr>
-        <p:style>
-          <a:lnRef idx="1">
-            <a:schemeClr val="accent1"/>
-          </a:lnRef>
-          <a:fillRef idx="0">
-            <a:schemeClr val="accent1"/>
-          </a:fillRef>
-          <a:effectRef idx="0">
-            <a:schemeClr val="accent1"/>
-          </a:effectRef>
-          <a:fontRef idx="minor">
-            <a:schemeClr val="tx1"/>
-          </a:fontRef>
-        </p:style>
-      </p:cxnSp>
-      <p:cxnSp>
-        <p:nvCxnSpPr>
-          <p:cNvPr id="33" name="직선 화살표 연결선 48">
-            <a:extLst>
-              <a:ext uri="{FF2B5EF4-FFF2-40B4-BE49-F238E27FC236}">
-                <a16:creationId xmlns:a16="http://schemas.microsoft.com/office/drawing/2014/main" id="{CB0BFA30-F609-FA23-B034-CB2CA5C32DBE}"/>
-              </a:ext>
-            </a:extLst>
-          </p:cNvPr>
-          <p:cNvCxnSpPr>
-            <a:cxnSpLocks/>
-            <a:stCxn id="3" idx="3"/>
-            <a:endCxn id="9" idx="1"/>
-          </p:cNvCxnSpPr>
-          <p:nvPr/>
-        </p:nvCxnSpPr>
-        <p:spPr>
-          <a:xfrm>
-            <a:off x="8558344" y="2101850"/>
-            <a:ext cx="1310067" cy="1327150"/>
-          </a:xfrm>
-          <a:prstGeom prst="bentConnector3">
-            <a:avLst>
-              <a:gd name="adj1" fmla="val 50000"/>
-            </a:avLst>
-          </a:prstGeom>
-          <a:ln w="38100">
-            <a:solidFill>
-              <a:schemeClr val="accent5">
-                <a:lumMod val="60000"/>
-                <a:lumOff val="40000"/>
-              </a:schemeClr>
-            </a:solidFill>
-            <a:tailEnd type="triangle"/>
-          </a:ln>
-        </p:spPr>
-        <p:style>
-          <a:lnRef idx="1">
-            <a:schemeClr val="accent1"/>
-          </a:lnRef>
-          <a:fillRef idx="0">
-            <a:schemeClr val="accent1"/>
-          </a:fillRef>
-          <a:effectRef idx="0">
-            <a:schemeClr val="accent1"/>
-          </a:effectRef>
-          <a:fontRef idx="minor">
-            <a:schemeClr val="tx1"/>
-          </a:fontRef>
-        </p:style>
-      </p:cxnSp>
-      <p:cxnSp>
-        <p:nvCxnSpPr>
-          <p:cNvPr id="36" name="직선 화살표 연결선 35">
-            <a:extLst>
-              <a:ext uri="{FF2B5EF4-FFF2-40B4-BE49-F238E27FC236}">
-                <a16:creationId xmlns:a16="http://schemas.microsoft.com/office/drawing/2014/main" id="{AED8343D-5DBA-B4D2-1084-21CCF5BF8090}"/>
-              </a:ext>
-            </a:extLst>
-          </p:cNvPr>
-          <p:cNvCxnSpPr>
-            <a:cxnSpLocks/>
-            <a:stCxn id="14" idx="2"/>
-            <a:endCxn id="9" idx="1"/>
-          </p:cNvCxnSpPr>
-          <p:nvPr/>
-        </p:nvCxnSpPr>
-        <p:spPr>
-          <a:xfrm rot="5400000" flipH="1" flipV="1">
-            <a:off x="6701889" y="535528"/>
-            <a:ext cx="273050" cy="6059993"/>
-          </a:xfrm>
-          <a:prstGeom prst="bentConnector4">
-            <a:avLst>
-              <a:gd name="adj1" fmla="val -286047"/>
-              <a:gd name="adj2" fmla="val 89281"/>
-            </a:avLst>
-          </a:prstGeom>
-          <a:ln w="38100">
-            <a:solidFill>
-              <a:schemeClr val="accent5">
-                <a:lumMod val="60000"/>
-                <a:lumOff val="40000"/>
-              </a:schemeClr>
-            </a:solidFill>
-            <a:tailEnd type="triangle"/>
-          </a:ln>
-        </p:spPr>
-        <p:style>
-          <a:lnRef idx="1">
-            <a:schemeClr val="accent1"/>
-          </a:lnRef>
-          <a:fillRef idx="0">
-            <a:schemeClr val="accent1"/>
-          </a:fillRef>
-          <a:effectRef idx="0">
-            <a:schemeClr val="accent1"/>
-          </a:effectRef>
-          <a:fontRef idx="minor">
-            <a:schemeClr val="tx1"/>
-          </a:fontRef>
-        </p:style>
-      </p:cxnSp>
-      <p:sp>
-        <p:nvSpPr>
-          <p:cNvPr id="50" name="TextBox 49">
-            <a:extLst>
-              <a:ext uri="{FF2B5EF4-FFF2-40B4-BE49-F238E27FC236}">
-                <a16:creationId xmlns:a16="http://schemas.microsoft.com/office/drawing/2014/main" id="{588090C8-3ACB-7A21-3BA4-5F26435D2A98}"/>
-              </a:ext>
-            </a:extLst>
-          </p:cNvPr>
-          <p:cNvSpPr txBox="1"/>
-          <p:nvPr/>
-        </p:nvSpPr>
-        <p:spPr>
-          <a:xfrm>
-            <a:off x="3257729" y="3904218"/>
-            <a:ext cx="873119" cy="369332"/>
-          </a:xfrm>
-          <a:prstGeom prst="rect">
-            <a:avLst/>
-          </a:prstGeom>
-          <a:noFill/>
-        </p:spPr>
-        <p:txBody>
-          <a:bodyPr wrap="square" rtlCol="0">
-            <a:spAutoFit/>
-          </a:bodyPr>
-          <a:lstStyle/>
-          <a:p>
-            <a:r>
-              <a:rPr lang="en-US" altLang="ko-KR" dirty="0"/>
-              <a:t>YES</a:t>
-            </a:r>
-            <a:endParaRPr lang="ko-KR" altLang="en-US" dirty="0"/>
-          </a:p>
-        </p:txBody>
-      </p:sp>
-      <p:sp>
-        <p:nvSpPr>
-          <p:cNvPr id="51" name="TextBox 50">
-            <a:extLst>
-              <a:ext uri="{FF2B5EF4-FFF2-40B4-BE49-F238E27FC236}">
-                <a16:creationId xmlns:a16="http://schemas.microsoft.com/office/drawing/2014/main" id="{2BD0087E-908F-95E6-FF13-7906AFEB8DF3}"/>
-              </a:ext>
-            </a:extLst>
-          </p:cNvPr>
-          <p:cNvSpPr txBox="1"/>
-          <p:nvPr/>
-        </p:nvSpPr>
-        <p:spPr>
-          <a:xfrm>
-            <a:off x="3257729" y="2444234"/>
-            <a:ext cx="873119" cy="369332"/>
-          </a:xfrm>
-          <a:prstGeom prst="rect">
-            <a:avLst/>
-          </a:prstGeom>
-          <a:noFill/>
-        </p:spPr>
-        <p:txBody>
-          <a:bodyPr wrap="square" rtlCol="0">
-            <a:spAutoFit/>
-          </a:bodyPr>
-          <a:lstStyle/>
-          <a:p>
-            <a:r>
-              <a:rPr lang="en-US" altLang="ko-KR" dirty="0"/>
-              <a:t>NO</a:t>
-            </a:r>
-          </a:p>
-        </p:txBody>
-      </p:sp>
     </p:spTree>
     <p:extLst>
       <p:ext uri="{BB962C8B-B14F-4D97-AF65-F5344CB8AC3E}">
-        <p14:creationId xmlns:p14="http://schemas.microsoft.com/office/powerpoint/2010/main" val="3744508222"/>
+        <p14:creationId xmlns:p14="http://schemas.microsoft.com/office/powerpoint/2010/main" val="1335376271"/>
       </p:ext>
     </p:extLst>
   </p:cSld>
@@ -11798,964 +14518,186 @@
           <a:chExt cx="0" cy="0"/>
         </a:xfrm>
       </p:grpSpPr>
-      <p:sp>
-        <p:nvSpPr>
-          <p:cNvPr id="3" name="TextBox 2">
-            <a:extLst>
-              <a:ext uri="{FF2B5EF4-FFF2-40B4-BE49-F238E27FC236}">
-                <a16:creationId xmlns:a16="http://schemas.microsoft.com/office/drawing/2014/main" id="{2B89B161-2FB1-B940-7AEF-AC110FF04F75}"/>
-              </a:ext>
-            </a:extLst>
-          </p:cNvPr>
-          <p:cNvSpPr txBox="1"/>
+      <p:pic>
+        <p:nvPicPr>
+          <p:cNvPr id="7" name="그림 6" descr="텍스트, 라인, 스크린샷이(가) 표시된 사진&#10;&#10;자동 생성된 설명">
+            <a:extLst>
+              <a:ext uri="{FF2B5EF4-FFF2-40B4-BE49-F238E27FC236}">
+                <a16:creationId xmlns:a16="http://schemas.microsoft.com/office/drawing/2014/main" id="{64A3C505-FF7E-806A-5BAD-C21819AE7EC0}"/>
+              </a:ext>
+            </a:extLst>
+          </p:cNvPr>
+          <p:cNvPicPr>
+            <a:picLocks noChangeAspect="1"/>
+          </p:cNvPicPr>
           <p:nvPr/>
-        </p:nvSpPr>
+        </p:nvPicPr>
+        <p:blipFill>
+          <a:blip r:embed="rId2">
+            <a:extLst>
+              <a:ext uri="{28A0092B-C50C-407E-A947-70E740481C1C}">
+                <a14:useLocalDpi xmlns:a14="http://schemas.microsoft.com/office/drawing/2010/main" val="0"/>
+              </a:ext>
+            </a:extLst>
+          </a:blip>
+          <a:stretch>
+            <a:fillRect/>
+          </a:stretch>
+        </p:blipFill>
         <p:spPr>
           <a:xfrm>
             <a:off x="0" y="0"/>
-            <a:ext cx="5587999" cy="5447645"/>
+            <a:ext cx="12192000" cy="1914792"/>
           </a:xfrm>
           <a:prstGeom prst="rect">
             <a:avLst/>
           </a:prstGeom>
-          <a:noFill/>
         </p:spPr>
-        <p:txBody>
-          <a:bodyPr wrap="square">
-            <a:spAutoFit/>
-          </a:bodyPr>
-          <a:lstStyle/>
-          <a:p>
-            <a:r>
-              <a:rPr lang="ko-KR" altLang="en-US" sz="1200" dirty="0"/>
-              <a:t> "</a:t>
-            </a:r>
-            <a:r>
-              <a:rPr lang="ko-KR" altLang="en-US" sz="1200" dirty="0" err="1"/>
-              <a:t>userNames</a:t>
-            </a:r>
-            <a:r>
-              <a:rPr lang="ko-KR" altLang="en-US" sz="1200" dirty="0"/>
-              <a:t>": [    "오융택",    "admin011"  ],</a:t>
-            </a:r>
-          </a:p>
-          <a:p>
-            <a:r>
-              <a:rPr lang="ko-KR" altLang="en-US" sz="1200" dirty="0"/>
-              <a:t>  "</a:t>
-            </a:r>
-            <a:r>
-              <a:rPr lang="ko-KR" altLang="en-US" sz="1200" dirty="0" err="1"/>
-              <a:t>taskCount</a:t>
-            </a:r>
-            <a:r>
-              <a:rPr lang="ko-KR" altLang="en-US" sz="1200" dirty="0"/>
-              <a:t>": 2,</a:t>
-            </a:r>
-          </a:p>
-          <a:p>
-            <a:r>
-              <a:rPr lang="ko-KR" altLang="en-US" sz="1200" dirty="0"/>
-              <a:t>  "</a:t>
-            </a:r>
-            <a:r>
-              <a:rPr lang="ko-KR" altLang="en-US" sz="1200" dirty="0" err="1"/>
-              <a:t>completeCount</a:t>
-            </a:r>
-            <a:r>
-              <a:rPr lang="ko-KR" altLang="en-US" sz="1200" dirty="0"/>
-              <a:t>": 1,</a:t>
-            </a:r>
-          </a:p>
-          <a:p>
-            <a:r>
-              <a:rPr lang="ko-KR" altLang="en-US" sz="1200" dirty="0"/>
-              <a:t>  "</a:t>
-            </a:r>
-            <a:r>
-              <a:rPr lang="ko-KR" altLang="en-US" sz="1200" dirty="0" err="1"/>
-              <a:t>todos</a:t>
-            </a:r>
-            <a:r>
-              <a:rPr lang="ko-KR" altLang="en-US" sz="1200" dirty="0"/>
-              <a:t>": [{ </a:t>
-            </a:r>
-            <a:r>
-              <a:rPr lang="en-US" altLang="ko-KR" sz="1200" dirty="0"/>
-              <a:t>// </a:t>
-            </a:r>
-            <a:r>
-              <a:rPr lang="ko-KR" altLang="en-US" sz="1200" dirty="0"/>
-              <a:t>팀 전체 할 일 목록</a:t>
-            </a:r>
-          </a:p>
-          <a:p>
-            <a:r>
-              <a:rPr lang="ko-KR" altLang="en-US" sz="1200" dirty="0"/>
-              <a:t>      "</a:t>
-            </a:r>
-            <a:r>
-              <a:rPr lang="ko-KR" altLang="en-US" sz="1200" dirty="0" err="1"/>
-              <a:t>id</a:t>
-            </a:r>
-            <a:r>
-              <a:rPr lang="ko-KR" altLang="en-US" sz="1200" dirty="0"/>
-              <a:t>": "doc_id_1",</a:t>
-            </a:r>
-          </a:p>
-          <a:p>
-            <a:r>
-              <a:rPr lang="ko-KR" altLang="en-US" sz="1200" dirty="0"/>
-              <a:t>      "</a:t>
-            </a:r>
-            <a:r>
-              <a:rPr lang="ko-KR" altLang="en-US" sz="1200" dirty="0" err="1"/>
-              <a:t>data</a:t>
-            </a:r>
-            <a:r>
-              <a:rPr lang="ko-KR" altLang="en-US" sz="1200" dirty="0"/>
-              <a:t>": {</a:t>
-            </a:r>
-          </a:p>
-          <a:p>
-            <a:r>
-              <a:rPr lang="ko-KR" altLang="en-US" sz="1200" dirty="0"/>
-              <a:t>        "</a:t>
-            </a:r>
-            <a:r>
-              <a:rPr lang="ko-KR" altLang="en-US" sz="1200" dirty="0" err="1"/>
-              <a:t>complete</a:t>
-            </a:r>
-            <a:r>
-              <a:rPr lang="ko-KR" altLang="en-US" sz="1200" dirty="0"/>
-              <a:t>": </a:t>
-            </a:r>
-            <a:r>
-              <a:rPr lang="ko-KR" altLang="en-US" sz="1200" dirty="0" err="1"/>
-              <a:t>false</a:t>
-            </a:r>
-            <a:r>
-              <a:rPr lang="ko-KR" altLang="en-US" sz="1200" dirty="0"/>
-              <a:t>,</a:t>
-            </a:r>
-          </a:p>
-          <a:p>
-            <a:r>
-              <a:rPr lang="ko-KR" altLang="en-US" sz="1200" dirty="0"/>
-              <a:t>        "</a:t>
-            </a:r>
-            <a:r>
-              <a:rPr lang="ko-KR" altLang="en-US" sz="1200" dirty="0" err="1"/>
-              <a:t>discription</a:t>
-            </a:r>
-            <a:r>
-              <a:rPr lang="ko-KR" altLang="en-US" sz="1200" dirty="0"/>
-              <a:t>": "</a:t>
-            </a:r>
-            <a:r>
-              <a:rPr lang="ko-KR" altLang="en-US" sz="1200" dirty="0" err="1"/>
-              <a:t>앱빌드준비</a:t>
-            </a:r>
-            <a:r>
-              <a:rPr lang="ko-KR" altLang="en-US" sz="1200" dirty="0"/>
-              <a:t>",</a:t>
-            </a:r>
-          </a:p>
-          <a:p>
-            <a:r>
-              <a:rPr lang="ko-KR" altLang="en-US" sz="1200" dirty="0"/>
-              <a:t>        "</a:t>
-            </a:r>
-            <a:r>
-              <a:rPr lang="ko-KR" altLang="en-US" sz="1200" dirty="0" err="1"/>
-              <a:t>endDate</a:t>
-            </a:r>
-            <a:r>
-              <a:rPr lang="ko-KR" altLang="en-US" sz="1200" dirty="0"/>
-              <a:t>": "2023년 5월 8일 오후 3시 56분 37초 UTC+9",</a:t>
-            </a:r>
-          </a:p>
-          <a:p>
-            <a:r>
-              <a:rPr lang="ko-KR" altLang="en-US" sz="1200" dirty="0"/>
-              <a:t>        "</a:t>
-            </a:r>
-            <a:r>
-              <a:rPr lang="ko-KR" altLang="en-US" sz="1200" dirty="0" err="1"/>
-              <a:t>startDate</a:t>
-            </a:r>
-            <a:r>
-              <a:rPr lang="ko-KR" altLang="en-US" sz="1200" dirty="0"/>
-              <a:t>": "2023년 5월 7일 오후 3시 56분 37초 UTC+9",</a:t>
-            </a:r>
-          </a:p>
-          <a:p>
-            <a:r>
-              <a:rPr lang="ko-KR" altLang="en-US" sz="1200" dirty="0"/>
-              <a:t>        "</a:t>
-            </a:r>
-            <a:r>
-              <a:rPr lang="ko-KR" altLang="en-US" sz="1200" dirty="0" err="1"/>
-              <a:t>task</a:t>
-            </a:r>
-            <a:r>
-              <a:rPr lang="ko-KR" altLang="en-US" sz="1200" dirty="0"/>
-              <a:t>": "빌드",</a:t>
-            </a:r>
-          </a:p>
-          <a:p>
-            <a:r>
-              <a:rPr lang="ko-KR" altLang="en-US" sz="1200" dirty="0"/>
-              <a:t>        "</a:t>
-            </a:r>
-            <a:r>
-              <a:rPr lang="ko-KR" altLang="en-US" sz="1200" dirty="0" err="1"/>
-              <a:t>teamId</a:t>
-            </a:r>
-            <a:r>
-              <a:rPr lang="ko-KR" altLang="en-US" sz="1200" dirty="0"/>
-              <a:t>": "5WOgPxCcYn674gUdQULz",</a:t>
-            </a:r>
-          </a:p>
-          <a:p>
-            <a:r>
-              <a:rPr lang="ko-KR" altLang="en-US" sz="1200" dirty="0"/>
-              <a:t>        "</a:t>
-            </a:r>
-            <a:r>
-              <a:rPr lang="ko-KR" altLang="en-US" sz="1200" dirty="0" err="1"/>
-              <a:t>worker</a:t>
-            </a:r>
-            <a:r>
-              <a:rPr lang="ko-KR" altLang="en-US" sz="1200" dirty="0"/>
-              <a:t>": "</a:t>
-            </a:r>
-            <a:r>
-              <a:rPr lang="ko-KR" altLang="en-US" sz="1200" dirty="0" err="1"/>
-              <a:t>pjh</a:t>
-            </a:r>
-            <a:r>
-              <a:rPr lang="ko-KR" altLang="en-US" sz="1200" dirty="0"/>
-              <a:t>"</a:t>
-            </a:r>
-          </a:p>
-          <a:p>
-            <a:r>
-              <a:rPr lang="ko-KR" altLang="en-US" sz="1200" dirty="0"/>
-              <a:t>      }</a:t>
-            </a:r>
-          </a:p>
-          <a:p>
-            <a:r>
-              <a:rPr lang="ko-KR" altLang="en-US" sz="1200" dirty="0"/>
-              <a:t>    },</a:t>
-            </a:r>
-          </a:p>
-          <a:p>
-            <a:r>
-              <a:rPr lang="ko-KR" altLang="en-US" sz="1200" dirty="0"/>
-              <a:t>    {</a:t>
-            </a:r>
-          </a:p>
-          <a:p>
-            <a:r>
-              <a:rPr lang="ko-KR" altLang="en-US" sz="1200" dirty="0"/>
-              <a:t>      "</a:t>
-            </a:r>
-            <a:r>
-              <a:rPr lang="ko-KR" altLang="en-US" sz="1200" dirty="0" err="1"/>
-              <a:t>id</a:t>
-            </a:r>
-            <a:r>
-              <a:rPr lang="ko-KR" altLang="en-US" sz="1200" dirty="0"/>
-              <a:t>": "doc_id_2",</a:t>
-            </a:r>
-          </a:p>
-          <a:p>
-            <a:r>
-              <a:rPr lang="ko-KR" altLang="en-US" sz="1200" dirty="0"/>
-              <a:t>      "</a:t>
-            </a:r>
-            <a:r>
-              <a:rPr lang="ko-KR" altLang="en-US" sz="1200" dirty="0" err="1"/>
-              <a:t>data</a:t>
-            </a:r>
-            <a:r>
-              <a:rPr lang="ko-KR" altLang="en-US" sz="1200" dirty="0"/>
-              <a:t>": {</a:t>
-            </a:r>
-          </a:p>
-          <a:p>
-            <a:r>
-              <a:rPr lang="ko-KR" altLang="en-US" sz="1200" dirty="0"/>
-              <a:t>        "</a:t>
-            </a:r>
-            <a:r>
-              <a:rPr lang="ko-KR" altLang="en-US" sz="1200" dirty="0" err="1"/>
-              <a:t>complete</a:t>
-            </a:r>
-            <a:r>
-              <a:rPr lang="ko-KR" altLang="en-US" sz="1200" dirty="0"/>
-              <a:t>": </a:t>
-            </a:r>
-            <a:r>
-              <a:rPr lang="ko-KR" altLang="en-US" sz="1200" dirty="0" err="1"/>
-              <a:t>true</a:t>
-            </a:r>
-            <a:r>
-              <a:rPr lang="ko-KR" altLang="en-US" sz="1200" dirty="0"/>
-              <a:t>,</a:t>
-            </a:r>
-          </a:p>
-          <a:p>
-            <a:r>
-              <a:rPr lang="ko-KR" altLang="en-US" sz="1200" dirty="0"/>
-              <a:t>        "</a:t>
-            </a:r>
-            <a:r>
-              <a:rPr lang="ko-KR" altLang="en-US" sz="1200" dirty="0" err="1"/>
-              <a:t>discription</a:t>
-            </a:r>
-            <a:r>
-              <a:rPr lang="ko-KR" altLang="en-US" sz="1200" dirty="0"/>
-              <a:t>": "졸업작품 전시회 발표",</a:t>
-            </a:r>
-          </a:p>
-          <a:p>
-            <a:r>
-              <a:rPr lang="ko-KR" altLang="en-US" sz="1200" dirty="0"/>
-              <a:t>        "</a:t>
-            </a:r>
-            <a:r>
-              <a:rPr lang="ko-KR" altLang="en-US" sz="1200" dirty="0" err="1"/>
-              <a:t>endDate</a:t>
-            </a:r>
-            <a:r>
-              <a:rPr lang="ko-KR" altLang="en-US" sz="1200" dirty="0"/>
-              <a:t>": "2023년 5월 16일 오후 3시 42분 4초 UTC+9",</a:t>
-            </a:r>
-          </a:p>
-          <a:p>
-            <a:r>
-              <a:rPr lang="ko-KR" altLang="en-US" sz="1200" dirty="0"/>
-              <a:t>        "</a:t>
-            </a:r>
-            <a:r>
-              <a:rPr lang="ko-KR" altLang="en-US" sz="1200" dirty="0" err="1"/>
-              <a:t>startDate</a:t>
-            </a:r>
-            <a:r>
-              <a:rPr lang="ko-KR" altLang="en-US" sz="1200" dirty="0"/>
-              <a:t>": "2023년 5월 16일 오후 3시 42분 4초 UTC+9",</a:t>
-            </a:r>
-          </a:p>
-          <a:p>
-            <a:r>
-              <a:rPr lang="ko-KR" altLang="en-US" sz="1200" dirty="0"/>
-              <a:t>        "</a:t>
-            </a:r>
-            <a:r>
-              <a:rPr lang="ko-KR" altLang="en-US" sz="1200" dirty="0" err="1"/>
-              <a:t>task</a:t>
-            </a:r>
-            <a:r>
-              <a:rPr lang="ko-KR" altLang="en-US" sz="1200" dirty="0"/>
-              <a:t>": "발표일!!",</a:t>
-            </a:r>
-          </a:p>
-          <a:p>
-            <a:r>
-              <a:rPr lang="ko-KR" altLang="en-US" sz="1200" dirty="0"/>
-              <a:t>        "</a:t>
-            </a:r>
-            <a:r>
-              <a:rPr lang="ko-KR" altLang="en-US" sz="1200" dirty="0" err="1"/>
-              <a:t>teamId</a:t>
-            </a:r>
-            <a:r>
-              <a:rPr lang="ko-KR" altLang="en-US" sz="1200" dirty="0"/>
-              <a:t>": "5WOgPxCcYn674gUdQULz",</a:t>
-            </a:r>
-          </a:p>
-          <a:p>
-            <a:r>
-              <a:rPr lang="ko-KR" altLang="en-US" sz="1200" dirty="0"/>
-              <a:t>        "</a:t>
-            </a:r>
-            <a:r>
-              <a:rPr lang="ko-KR" altLang="en-US" sz="1200" dirty="0" err="1"/>
-              <a:t>worker</a:t>
-            </a:r>
-            <a:r>
-              <a:rPr lang="ko-KR" altLang="en-US" sz="1200" dirty="0"/>
-              <a:t>": "admin011"</a:t>
-            </a:r>
-          </a:p>
-          <a:p>
-            <a:r>
-              <a:rPr lang="ko-KR" altLang="en-US" sz="1200" dirty="0"/>
-              <a:t>      }</a:t>
-            </a:r>
-          </a:p>
-          <a:p>
-            <a:r>
-              <a:rPr lang="ko-KR" altLang="en-US" sz="1200" dirty="0"/>
-              <a:t>    }</a:t>
-            </a:r>
-          </a:p>
-          <a:p>
-            <a:r>
-              <a:rPr lang="ko-KR" altLang="en-US" sz="1200" dirty="0"/>
-              <a:t>  ],</a:t>
-            </a:r>
-          </a:p>
-          <a:p>
-            <a:r>
-              <a:rPr lang="ko-KR" altLang="en-US" sz="1200" dirty="0"/>
-              <a:t> </a:t>
-            </a:r>
-          </a:p>
-        </p:txBody>
-      </p:sp>
-      <p:sp>
-        <p:nvSpPr>
-          <p:cNvPr id="5" name="TextBox 4">
-            <a:extLst>
-              <a:ext uri="{FF2B5EF4-FFF2-40B4-BE49-F238E27FC236}">
-                <a16:creationId xmlns:a16="http://schemas.microsoft.com/office/drawing/2014/main" id="{B810173B-9013-B09A-4EAF-20F229FA0AAF}"/>
-              </a:ext>
-            </a:extLst>
-          </p:cNvPr>
-          <p:cNvSpPr txBox="1"/>
+      </p:pic>
+      <p:pic>
+        <p:nvPicPr>
+          <p:cNvPr id="5" name="그림 4" descr="텍스트, 스크린샷, 번호이(가) 표시된 사진&#10;&#10;자동 생성된 설명">
+            <a:extLst>
+              <a:ext uri="{FF2B5EF4-FFF2-40B4-BE49-F238E27FC236}">
+                <a16:creationId xmlns:a16="http://schemas.microsoft.com/office/drawing/2014/main" id="{A3ED39DB-7646-103C-C732-62F3DB22296D}"/>
+              </a:ext>
+            </a:extLst>
+          </p:cNvPr>
+          <p:cNvPicPr>
+            <a:picLocks noChangeAspect="1"/>
+          </p:cNvPicPr>
           <p:nvPr/>
-        </p:nvSpPr>
+        </p:nvPicPr>
+        <p:blipFill rotWithShape="1">
+          <a:blip r:embed="rId3">
+            <a:extLst>
+              <a:ext uri="{28A0092B-C50C-407E-A947-70E740481C1C}">
+                <a14:useLocalDpi xmlns:a14="http://schemas.microsoft.com/office/drawing/2010/main" val="0"/>
+              </a:ext>
+            </a:extLst>
+          </a:blip>
+          <a:srcRect b="93333"/>
+          <a:stretch/>
+        </p:blipFill>
         <p:spPr>
           <a:xfrm>
-            <a:off x="5588000" y="0"/>
-            <a:ext cx="6603999" cy="7109639"/>
+            <a:off x="0" y="25934"/>
+            <a:ext cx="14516100" cy="457200"/>
           </a:xfrm>
           <a:prstGeom prst="rect">
             <a:avLst/>
           </a:prstGeom>
-          <a:noFill/>
         </p:spPr>
-        <p:txBody>
-          <a:bodyPr wrap="square">
-            <a:spAutoFit/>
-          </a:bodyPr>
-          <a:lstStyle/>
-          <a:p>
-            <a:r>
-              <a:rPr lang="ko-KR" altLang="en-US" sz="1200" dirty="0"/>
-              <a:t>"</a:t>
-            </a:r>
-            <a:r>
-              <a:rPr lang="ko-KR" altLang="en-US" sz="1200" dirty="0" err="1"/>
-              <a:t>teamTodos</a:t>
-            </a:r>
-            <a:r>
-              <a:rPr lang="ko-KR" altLang="en-US" sz="1200" dirty="0"/>
-              <a:t>": { </a:t>
-            </a:r>
-            <a:r>
-              <a:rPr lang="en-US" altLang="ko-KR" sz="1200" dirty="0"/>
-              <a:t>// </a:t>
-            </a:r>
-            <a:r>
-              <a:rPr lang="ko-KR" altLang="en-US" sz="1200" dirty="0" err="1"/>
-              <a:t>멤버별</a:t>
-            </a:r>
-            <a:r>
-              <a:rPr lang="ko-KR" altLang="en-US" sz="1200" dirty="0"/>
-              <a:t> 할 일 목록</a:t>
-            </a:r>
-          </a:p>
-          <a:p>
-            <a:r>
-              <a:rPr lang="ko-KR" altLang="en-US" sz="1200" dirty="0"/>
-              <a:t>    "</a:t>
-            </a:r>
-            <a:r>
-              <a:rPr lang="ko-KR" altLang="en-US" sz="1200" dirty="0" err="1"/>
-              <a:t>pjh</a:t>
-            </a:r>
-            <a:r>
-              <a:rPr lang="ko-KR" altLang="en-US" sz="1200" dirty="0"/>
-              <a:t>": { </a:t>
-            </a:r>
-            <a:r>
-              <a:rPr lang="en-US" altLang="ko-KR" sz="1200" dirty="0"/>
-              <a:t>//</a:t>
-            </a:r>
-            <a:r>
-              <a:rPr lang="ko-KR" altLang="en-US" sz="1200" dirty="0"/>
-              <a:t> </a:t>
-            </a:r>
-            <a:r>
-              <a:rPr lang="en-US" altLang="ko-KR" sz="1200" dirty="0"/>
-              <a:t>Member1</a:t>
-            </a:r>
-            <a:endParaRPr lang="ko-KR" altLang="en-US" sz="1200" dirty="0"/>
-          </a:p>
-          <a:p>
-            <a:r>
-              <a:rPr lang="ko-KR" altLang="en-US" sz="1200" dirty="0"/>
-              <a:t>      "</a:t>
-            </a:r>
-            <a:r>
-              <a:rPr lang="ko-KR" altLang="en-US" sz="1200" dirty="0" err="1"/>
-              <a:t>completed</a:t>
-            </a:r>
-            <a:r>
-              <a:rPr lang="ko-KR" altLang="en-US" sz="1200" dirty="0"/>
-              <a:t>": 0,</a:t>
-            </a:r>
-          </a:p>
-          <a:p>
-            <a:r>
-              <a:rPr lang="ko-KR" altLang="en-US" sz="1200" dirty="0"/>
-              <a:t>      "</a:t>
-            </a:r>
-            <a:r>
-              <a:rPr lang="ko-KR" altLang="en-US" sz="1200" dirty="0" err="1"/>
-              <a:t>total</a:t>
-            </a:r>
-            <a:r>
-              <a:rPr lang="ko-KR" altLang="en-US" sz="1200" dirty="0"/>
-              <a:t>": 1,</a:t>
-            </a:r>
-          </a:p>
-          <a:p>
-            <a:r>
-              <a:rPr lang="ko-KR" altLang="en-US" sz="1200" dirty="0"/>
-              <a:t>      "</a:t>
-            </a:r>
-            <a:r>
-              <a:rPr lang="ko-KR" altLang="en-US" sz="1200" dirty="0" err="1"/>
-              <a:t>todos</a:t>
-            </a:r>
-            <a:r>
-              <a:rPr lang="ko-KR" altLang="en-US" sz="1200" dirty="0"/>
-              <a:t>": [</a:t>
-            </a:r>
-          </a:p>
-          <a:p>
-            <a:r>
-              <a:rPr lang="ko-KR" altLang="en-US" sz="1200" dirty="0"/>
-              <a:t>        {</a:t>
-            </a:r>
-          </a:p>
-          <a:p>
-            <a:r>
-              <a:rPr lang="ko-KR" altLang="en-US" sz="1200" dirty="0"/>
-              <a:t>          "</a:t>
-            </a:r>
-            <a:r>
-              <a:rPr lang="ko-KR" altLang="en-US" sz="1200" dirty="0" err="1"/>
-              <a:t>id</a:t>
-            </a:r>
-            <a:r>
-              <a:rPr lang="ko-KR" altLang="en-US" sz="1200" dirty="0"/>
-              <a:t>": "doc_id_1",</a:t>
-            </a:r>
-          </a:p>
-          <a:p>
-            <a:r>
-              <a:rPr lang="ko-KR" altLang="en-US" sz="1200" dirty="0"/>
-              <a:t>          "</a:t>
-            </a:r>
-            <a:r>
-              <a:rPr lang="ko-KR" altLang="en-US" sz="1200" dirty="0" err="1"/>
-              <a:t>data</a:t>
-            </a:r>
-            <a:r>
-              <a:rPr lang="ko-KR" altLang="en-US" sz="1200" dirty="0"/>
-              <a:t>": {</a:t>
-            </a:r>
-          </a:p>
-          <a:p>
-            <a:r>
-              <a:rPr lang="ko-KR" altLang="en-US" sz="1200" dirty="0"/>
-              <a:t>            "</a:t>
-            </a:r>
-            <a:r>
-              <a:rPr lang="ko-KR" altLang="en-US" sz="1200" dirty="0" err="1"/>
-              <a:t>complete</a:t>
-            </a:r>
-            <a:r>
-              <a:rPr lang="ko-KR" altLang="en-US" sz="1200" dirty="0"/>
-              <a:t>": </a:t>
-            </a:r>
-            <a:r>
-              <a:rPr lang="ko-KR" altLang="en-US" sz="1200" dirty="0" err="1"/>
-              <a:t>false</a:t>
-            </a:r>
-            <a:r>
-              <a:rPr lang="ko-KR" altLang="en-US" sz="1200" dirty="0"/>
-              <a:t>,</a:t>
-            </a:r>
-          </a:p>
-          <a:p>
-            <a:r>
-              <a:rPr lang="ko-KR" altLang="en-US" sz="1200" dirty="0"/>
-              <a:t>            "</a:t>
-            </a:r>
-            <a:r>
-              <a:rPr lang="ko-KR" altLang="en-US" sz="1200" dirty="0" err="1"/>
-              <a:t>discription</a:t>
-            </a:r>
-            <a:r>
-              <a:rPr lang="ko-KR" altLang="en-US" sz="1200" dirty="0"/>
-              <a:t>": "</a:t>
-            </a:r>
-            <a:r>
-              <a:rPr lang="ko-KR" altLang="en-US" sz="1200" dirty="0" err="1"/>
-              <a:t>앱빌드준비</a:t>
-            </a:r>
-            <a:r>
-              <a:rPr lang="ko-KR" altLang="en-US" sz="1200" dirty="0"/>
-              <a:t>",</a:t>
-            </a:r>
-          </a:p>
-          <a:p>
-            <a:r>
-              <a:rPr lang="ko-KR" altLang="en-US" sz="1200" dirty="0"/>
-              <a:t>            "</a:t>
-            </a:r>
-            <a:r>
-              <a:rPr lang="ko-KR" altLang="en-US" sz="1200" dirty="0" err="1"/>
-              <a:t>endDate</a:t>
-            </a:r>
-            <a:r>
-              <a:rPr lang="ko-KR" altLang="en-US" sz="1200" dirty="0"/>
-              <a:t>": "2023년 5월 8일 오후 3시 56분 37초 UTC+9",</a:t>
-            </a:r>
-          </a:p>
-          <a:p>
-            <a:r>
-              <a:rPr lang="ko-KR" altLang="en-US" sz="1200" dirty="0"/>
-              <a:t>            "</a:t>
-            </a:r>
-            <a:r>
-              <a:rPr lang="ko-KR" altLang="en-US" sz="1200" dirty="0" err="1"/>
-              <a:t>startDate</a:t>
-            </a:r>
-            <a:r>
-              <a:rPr lang="ko-KR" altLang="en-US" sz="1200" dirty="0"/>
-              <a:t>": "2023년 5월 7일 오후 3시 56분 37초 UTC+9",</a:t>
-            </a:r>
-          </a:p>
-          <a:p>
-            <a:r>
-              <a:rPr lang="ko-KR" altLang="en-US" sz="1200" dirty="0"/>
-              <a:t>            "</a:t>
-            </a:r>
-            <a:r>
-              <a:rPr lang="ko-KR" altLang="en-US" sz="1200" dirty="0" err="1"/>
-              <a:t>task</a:t>
-            </a:r>
-            <a:r>
-              <a:rPr lang="ko-KR" altLang="en-US" sz="1200" dirty="0"/>
-              <a:t>": "빌드",</a:t>
-            </a:r>
-          </a:p>
-          <a:p>
-            <a:r>
-              <a:rPr lang="ko-KR" altLang="en-US" sz="1200" dirty="0"/>
-              <a:t>            "</a:t>
-            </a:r>
-            <a:r>
-              <a:rPr lang="ko-KR" altLang="en-US" sz="1200" dirty="0" err="1"/>
-              <a:t>teamId</a:t>
-            </a:r>
-            <a:r>
-              <a:rPr lang="ko-KR" altLang="en-US" sz="1200" dirty="0"/>
-              <a:t>": "5WOgPxCcYn674gUdQULz",</a:t>
-            </a:r>
-          </a:p>
-          <a:p>
-            <a:r>
-              <a:rPr lang="ko-KR" altLang="en-US" sz="1200" dirty="0"/>
-              <a:t>            "</a:t>
-            </a:r>
-            <a:r>
-              <a:rPr lang="ko-KR" altLang="en-US" sz="1200" dirty="0" err="1"/>
-              <a:t>worker</a:t>
-            </a:r>
-            <a:r>
-              <a:rPr lang="ko-KR" altLang="en-US" sz="1200" dirty="0"/>
-              <a:t>": "</a:t>
-            </a:r>
-            <a:r>
-              <a:rPr lang="ko-KR" altLang="en-US" sz="1200" dirty="0" err="1"/>
-              <a:t>pjh</a:t>
-            </a:r>
-            <a:r>
-              <a:rPr lang="ko-KR" altLang="en-US" sz="1200" dirty="0"/>
-              <a:t>"</a:t>
-            </a:r>
-          </a:p>
-          <a:p>
-            <a:r>
-              <a:rPr lang="ko-KR" altLang="en-US" sz="1200" dirty="0"/>
-              <a:t>          }</a:t>
-            </a:r>
-          </a:p>
-          <a:p>
-            <a:r>
-              <a:rPr lang="ko-KR" altLang="en-US" sz="1200" dirty="0"/>
-              <a:t>        }</a:t>
-            </a:r>
-          </a:p>
-          <a:p>
-            <a:r>
-              <a:rPr lang="ko-KR" altLang="en-US" sz="1200" dirty="0"/>
-              <a:t>      ]</a:t>
-            </a:r>
-          </a:p>
-          <a:p>
-            <a:r>
-              <a:rPr lang="ko-KR" altLang="en-US" sz="1200" dirty="0"/>
-              <a:t>    },</a:t>
-            </a:r>
-          </a:p>
-          <a:p>
-            <a:r>
-              <a:rPr lang="ko-KR" altLang="en-US" sz="1200" dirty="0"/>
-              <a:t>    "admin011": {</a:t>
-            </a:r>
-            <a:r>
-              <a:rPr lang="en-US" altLang="ko-KR" sz="1200" dirty="0"/>
-              <a:t>//</a:t>
-            </a:r>
-            <a:r>
-              <a:rPr lang="ko-KR" altLang="en-US" sz="1200" dirty="0"/>
-              <a:t> </a:t>
-            </a:r>
-            <a:r>
-              <a:rPr lang="en-US" altLang="ko-KR" sz="1200" dirty="0"/>
-              <a:t>Member2</a:t>
-            </a:r>
-            <a:endParaRPr lang="ko-KR" altLang="en-US" sz="1200" dirty="0"/>
-          </a:p>
-          <a:p>
-            <a:r>
-              <a:rPr lang="ko-KR" altLang="en-US" sz="1200" dirty="0"/>
-              <a:t>      "</a:t>
-            </a:r>
-            <a:r>
-              <a:rPr lang="ko-KR" altLang="en-US" sz="1200" dirty="0" err="1"/>
-              <a:t>completed</a:t>
-            </a:r>
-            <a:r>
-              <a:rPr lang="ko-KR" altLang="en-US" sz="1200" dirty="0"/>
-              <a:t>": 1,</a:t>
-            </a:r>
-          </a:p>
-          <a:p>
-            <a:r>
-              <a:rPr lang="ko-KR" altLang="en-US" sz="1200" dirty="0"/>
-              <a:t>      "</a:t>
-            </a:r>
-            <a:r>
-              <a:rPr lang="ko-KR" altLang="en-US" sz="1200" dirty="0" err="1"/>
-              <a:t>total</a:t>
-            </a:r>
-            <a:r>
-              <a:rPr lang="ko-KR" altLang="en-US" sz="1200" dirty="0"/>
-              <a:t>": 1,</a:t>
-            </a:r>
-          </a:p>
-          <a:p>
-            <a:r>
-              <a:rPr lang="ko-KR" altLang="en-US" sz="1200" dirty="0"/>
-              <a:t>      "</a:t>
-            </a:r>
-            <a:r>
-              <a:rPr lang="ko-KR" altLang="en-US" sz="1200" dirty="0" err="1"/>
-              <a:t>todos</a:t>
-            </a:r>
-            <a:r>
-              <a:rPr lang="ko-KR" altLang="en-US" sz="1200" dirty="0"/>
-              <a:t>": [</a:t>
-            </a:r>
-          </a:p>
-          <a:p>
-            <a:r>
-              <a:rPr lang="ko-KR" altLang="en-US" sz="1200" dirty="0"/>
-              <a:t>        {</a:t>
-            </a:r>
-          </a:p>
-          <a:p>
-            <a:r>
-              <a:rPr lang="ko-KR" altLang="en-US" sz="1200" dirty="0"/>
-              <a:t>          "</a:t>
-            </a:r>
-            <a:r>
-              <a:rPr lang="ko-KR" altLang="en-US" sz="1200" dirty="0" err="1"/>
-              <a:t>id</a:t>
-            </a:r>
-            <a:r>
-              <a:rPr lang="ko-KR" altLang="en-US" sz="1200" dirty="0"/>
-              <a:t>": "doc_id_2",</a:t>
-            </a:r>
-          </a:p>
-          <a:p>
-            <a:r>
-              <a:rPr lang="ko-KR" altLang="en-US" sz="1200" dirty="0"/>
-              <a:t>          "</a:t>
-            </a:r>
-            <a:r>
-              <a:rPr lang="ko-KR" altLang="en-US" sz="1200" dirty="0" err="1"/>
-              <a:t>data</a:t>
-            </a:r>
-            <a:r>
-              <a:rPr lang="ko-KR" altLang="en-US" sz="1200" dirty="0"/>
-              <a:t>": {</a:t>
-            </a:r>
-          </a:p>
-          <a:p>
-            <a:r>
-              <a:rPr lang="ko-KR" altLang="en-US" sz="1200" dirty="0"/>
-              <a:t>            "</a:t>
-            </a:r>
-            <a:r>
-              <a:rPr lang="ko-KR" altLang="en-US" sz="1200" dirty="0" err="1"/>
-              <a:t>complete</a:t>
-            </a:r>
-            <a:r>
-              <a:rPr lang="ko-KR" altLang="en-US" sz="1200" dirty="0"/>
-              <a:t>": </a:t>
-            </a:r>
-            <a:r>
-              <a:rPr lang="ko-KR" altLang="en-US" sz="1200" dirty="0" err="1"/>
-              <a:t>true</a:t>
-            </a:r>
-            <a:r>
-              <a:rPr lang="ko-KR" altLang="en-US" sz="1200" dirty="0"/>
-              <a:t>,</a:t>
-            </a:r>
-          </a:p>
-          <a:p>
-            <a:r>
-              <a:rPr lang="ko-KR" altLang="en-US" sz="1200" dirty="0"/>
-              <a:t>            "</a:t>
-            </a:r>
-            <a:r>
-              <a:rPr lang="ko-KR" altLang="en-US" sz="1200" dirty="0" err="1"/>
-              <a:t>discription</a:t>
-            </a:r>
-            <a:r>
-              <a:rPr lang="ko-KR" altLang="en-US" sz="1200" dirty="0"/>
-              <a:t>": "졸업작품 전시회 발표",</a:t>
-            </a:r>
-          </a:p>
-          <a:p>
-            <a:r>
-              <a:rPr lang="ko-KR" altLang="en-US" sz="1200" dirty="0"/>
-              <a:t>            "</a:t>
-            </a:r>
-            <a:r>
-              <a:rPr lang="ko-KR" altLang="en-US" sz="1200" dirty="0" err="1"/>
-              <a:t>endDate</a:t>
-            </a:r>
-            <a:r>
-              <a:rPr lang="ko-KR" altLang="en-US" sz="1200" dirty="0"/>
-              <a:t>": "2023년 5월 16일 오후 3시 42분 4초 UTC+9",</a:t>
-            </a:r>
-          </a:p>
-          <a:p>
-            <a:r>
-              <a:rPr lang="ko-KR" altLang="en-US" sz="1200" dirty="0"/>
-              <a:t>            "</a:t>
-            </a:r>
-            <a:r>
-              <a:rPr lang="ko-KR" altLang="en-US" sz="1200" dirty="0" err="1"/>
-              <a:t>startDate</a:t>
-            </a:r>
-            <a:r>
-              <a:rPr lang="ko-KR" altLang="en-US" sz="1200" dirty="0"/>
-              <a:t>": "2023년 5월 16일 오후 3시 42분 4초 UTC+9",</a:t>
-            </a:r>
-          </a:p>
-          <a:p>
-            <a:r>
-              <a:rPr lang="ko-KR" altLang="en-US" sz="1200" dirty="0"/>
-              <a:t>            "</a:t>
-            </a:r>
-            <a:r>
-              <a:rPr lang="ko-KR" altLang="en-US" sz="1200" dirty="0" err="1"/>
-              <a:t>task</a:t>
-            </a:r>
-            <a:r>
-              <a:rPr lang="ko-KR" altLang="en-US" sz="1200" dirty="0"/>
-              <a:t>": "발표일!!",</a:t>
-            </a:r>
-          </a:p>
-          <a:p>
-            <a:r>
-              <a:rPr lang="ko-KR" altLang="en-US" sz="1200" dirty="0"/>
-              <a:t>            "</a:t>
-            </a:r>
-            <a:r>
-              <a:rPr lang="ko-KR" altLang="en-US" sz="1200" dirty="0" err="1"/>
-              <a:t>teamId</a:t>
-            </a:r>
-            <a:r>
-              <a:rPr lang="ko-KR" altLang="en-US" sz="1200" dirty="0"/>
-              <a:t>": "5WOgPxCcYn674gUdQULz",</a:t>
-            </a:r>
-          </a:p>
-          <a:p>
-            <a:r>
-              <a:rPr lang="ko-KR" altLang="en-US" sz="1200" dirty="0"/>
-              <a:t>            "</a:t>
-            </a:r>
-            <a:r>
-              <a:rPr lang="ko-KR" altLang="en-US" sz="1200" dirty="0" err="1"/>
-              <a:t>worker</a:t>
-            </a:r>
-            <a:r>
-              <a:rPr lang="ko-KR" altLang="en-US" sz="1200" dirty="0"/>
-              <a:t>": "admin011"</a:t>
-            </a:r>
-          </a:p>
-          <a:p>
-            <a:r>
-              <a:rPr lang="ko-KR" altLang="en-US" sz="1200" dirty="0"/>
-              <a:t>          }</a:t>
-            </a:r>
-          </a:p>
-          <a:p>
-            <a:r>
-              <a:rPr lang="ko-KR" altLang="en-US" sz="1200" dirty="0"/>
-              <a:t>        }</a:t>
-            </a:r>
-          </a:p>
-          <a:p>
-            <a:r>
-              <a:rPr lang="ko-KR" altLang="en-US" sz="1200" dirty="0"/>
-              <a:t>      ]</a:t>
-            </a:r>
-          </a:p>
-          <a:p>
-            <a:r>
-              <a:rPr lang="ko-KR" altLang="en-US" sz="1200" dirty="0"/>
-              <a:t>    }</a:t>
-            </a:r>
-          </a:p>
-          <a:p>
-            <a:r>
-              <a:rPr lang="ko-KR" altLang="en-US" sz="1200" dirty="0"/>
-              <a:t>  }</a:t>
-            </a:r>
-          </a:p>
-        </p:txBody>
-      </p:sp>
+      </p:pic>
+      <p:pic>
+        <p:nvPicPr>
+          <p:cNvPr id="9" name="그림 8" descr="텍스트, 스크린샷, 라인, 폰트이(가) 표시된 사진&#10;&#10;자동 생성된 설명">
+            <a:extLst>
+              <a:ext uri="{FF2B5EF4-FFF2-40B4-BE49-F238E27FC236}">
+                <a16:creationId xmlns:a16="http://schemas.microsoft.com/office/drawing/2014/main" id="{A336727B-96F6-77AE-817B-FB705A95A5EF}"/>
+              </a:ext>
+            </a:extLst>
+          </p:cNvPr>
+          <p:cNvPicPr>
+            <a:picLocks noChangeAspect="1"/>
+          </p:cNvPicPr>
+          <p:nvPr/>
+        </p:nvPicPr>
+        <p:blipFill rotWithShape="1">
+          <a:blip r:embed="rId4">
+            <a:extLst>
+              <a:ext uri="{28A0092B-C50C-407E-A947-70E740481C1C}">
+                <a14:useLocalDpi xmlns:a14="http://schemas.microsoft.com/office/drawing/2010/main" val="0"/>
+              </a:ext>
+            </a:extLst>
+          </a:blip>
+          <a:srcRect t="33245" r="9543"/>
+          <a:stretch/>
+        </p:blipFill>
+        <p:spPr>
+          <a:xfrm>
+            <a:off x="1584701" y="850900"/>
+            <a:ext cx="10607299" cy="1612899"/>
+          </a:xfrm>
+          <a:prstGeom prst="rect">
+            <a:avLst/>
+          </a:prstGeom>
+        </p:spPr>
+      </p:pic>
+      <p:pic>
+        <p:nvPicPr>
+          <p:cNvPr id="11" name="그림 10" descr="텍스트, 스크린샷, 번호이(가) 표시된 사진&#10;&#10;자동 생성된 설명">
+            <a:extLst>
+              <a:ext uri="{FF2B5EF4-FFF2-40B4-BE49-F238E27FC236}">
+                <a16:creationId xmlns:a16="http://schemas.microsoft.com/office/drawing/2014/main" id="{958F19D3-3A18-3586-A197-A3532AE31698}"/>
+              </a:ext>
+            </a:extLst>
+          </p:cNvPr>
+          <p:cNvPicPr>
+            <a:picLocks noChangeAspect="1"/>
+          </p:cNvPicPr>
+          <p:nvPr/>
+        </p:nvPicPr>
+        <p:blipFill rotWithShape="1">
+          <a:blip r:embed="rId3">
+            <a:extLst>
+              <a:ext uri="{28A0092B-C50C-407E-A947-70E740481C1C}">
+                <a14:useLocalDpi xmlns:a14="http://schemas.microsoft.com/office/drawing/2010/main" val="0"/>
+              </a:ext>
+            </a:extLst>
+          </a:blip>
+          <a:srcRect t="6666" b="-10000"/>
+          <a:stretch/>
+        </p:blipFill>
+        <p:spPr>
+          <a:xfrm>
+            <a:off x="4740789" y="517792"/>
+            <a:ext cx="9775311" cy="7086600"/>
+          </a:xfrm>
+          <a:prstGeom prst="rect">
+            <a:avLst/>
+          </a:prstGeom>
+        </p:spPr>
+      </p:pic>
+      <p:pic>
+        <p:nvPicPr>
+          <p:cNvPr id="12" name="그림 11" descr="텍스트, 라인, 스크린샷이(가) 표시된 사진&#10;&#10;자동 생성된 설명">
+            <a:extLst>
+              <a:ext uri="{FF2B5EF4-FFF2-40B4-BE49-F238E27FC236}">
+                <a16:creationId xmlns:a16="http://schemas.microsoft.com/office/drawing/2014/main" id="{6027DA37-8231-783B-73A6-D0A1EDA38095}"/>
+              </a:ext>
+            </a:extLst>
+          </p:cNvPr>
+          <p:cNvPicPr>
+            <a:picLocks noChangeAspect="1"/>
+          </p:cNvPicPr>
+          <p:nvPr/>
+        </p:nvPicPr>
+        <p:blipFill rotWithShape="1">
+          <a:blip r:embed="rId2">
+            <a:extLst>
+              <a:ext uri="{28A0092B-C50C-407E-A947-70E740481C1C}">
+                <a14:useLocalDpi xmlns:a14="http://schemas.microsoft.com/office/drawing/2010/main" val="0"/>
+              </a:ext>
+            </a:extLst>
+          </a:blip>
+          <a:srcRect l="39301" t="26122" r="32952" b="56889"/>
+          <a:stretch/>
+        </p:blipFill>
+        <p:spPr>
+          <a:xfrm>
+            <a:off x="3110013" y="505092"/>
+            <a:ext cx="4459187" cy="320408"/>
+          </a:xfrm>
+          <a:prstGeom prst="rect">
+            <a:avLst/>
+          </a:prstGeom>
+        </p:spPr>
+      </p:pic>
     </p:spTree>
     <p:extLst>
       <p:ext uri="{BB962C8B-B14F-4D97-AF65-F5344CB8AC3E}">
-        <p14:creationId xmlns:p14="http://schemas.microsoft.com/office/powerpoint/2010/main" val="3871861818"/>
+        <p14:creationId xmlns:p14="http://schemas.microsoft.com/office/powerpoint/2010/main" val="882158913"/>
       </p:ext>
     </p:extLst>
   </p:cSld>

--- a/과제/프레젠테이션 23.pptx
+++ b/과제/프레젠테이션 23.pptx
@@ -6,21 +6,23 @@
   </p:sldMasterIdLst>
   <p:sldIdLst>
     <p:sldId id="256" r:id="rId2"/>
-    <p:sldId id="263" r:id="rId3"/>
-    <p:sldId id="257" r:id="rId4"/>
-    <p:sldId id="258" r:id="rId5"/>
-    <p:sldId id="259" r:id="rId6"/>
-    <p:sldId id="264" r:id="rId7"/>
-    <p:sldId id="260" r:id="rId8"/>
-    <p:sldId id="268" r:id="rId9"/>
-    <p:sldId id="269" r:id="rId10"/>
-    <p:sldId id="270" r:id="rId11"/>
-    <p:sldId id="272" r:id="rId12"/>
-    <p:sldId id="261" r:id="rId13"/>
-    <p:sldId id="262" r:id="rId14"/>
-    <p:sldId id="265" r:id="rId15"/>
-    <p:sldId id="266" r:id="rId16"/>
-    <p:sldId id="267" r:id="rId17"/>
+    <p:sldId id="273" r:id="rId3"/>
+    <p:sldId id="274" r:id="rId4"/>
+    <p:sldId id="263" r:id="rId5"/>
+    <p:sldId id="257" r:id="rId6"/>
+    <p:sldId id="258" r:id="rId7"/>
+    <p:sldId id="259" r:id="rId8"/>
+    <p:sldId id="264" r:id="rId9"/>
+    <p:sldId id="260" r:id="rId10"/>
+    <p:sldId id="268" r:id="rId11"/>
+    <p:sldId id="269" r:id="rId12"/>
+    <p:sldId id="270" r:id="rId13"/>
+    <p:sldId id="272" r:id="rId14"/>
+    <p:sldId id="261" r:id="rId15"/>
+    <p:sldId id="262" r:id="rId16"/>
+    <p:sldId id="265" r:id="rId17"/>
+    <p:sldId id="266" r:id="rId18"/>
+    <p:sldId id="267" r:id="rId19"/>
   </p:sldIdLst>
   <p:sldSz cx="12192000" cy="6858000"/>
   <p:notesSz cx="6858000" cy="9144000"/>
@@ -283,7 +285,7 @@
           <a:p>
             <a:fld id="{AD3280C5-DF15-423D-9B8B-39743579C484}" type="datetimeFigureOut">
               <a:rPr lang="ko-KR" altLang="en-US" smtClean="0"/>
-              <a:t>2023-10-30</a:t>
+              <a:t>2023-11-01</a:t>
             </a:fld>
             <a:endParaRPr lang="ko-KR" altLang="en-US"/>
           </a:p>
@@ -481,7 +483,7 @@
           <a:p>
             <a:fld id="{AD3280C5-DF15-423D-9B8B-39743579C484}" type="datetimeFigureOut">
               <a:rPr lang="ko-KR" altLang="en-US" smtClean="0"/>
-              <a:t>2023-10-30</a:t>
+              <a:t>2023-11-01</a:t>
             </a:fld>
             <a:endParaRPr lang="ko-KR" altLang="en-US"/>
           </a:p>
@@ -689,7 +691,7 @@
           <a:p>
             <a:fld id="{AD3280C5-DF15-423D-9B8B-39743579C484}" type="datetimeFigureOut">
               <a:rPr lang="ko-KR" altLang="en-US" smtClean="0"/>
-              <a:t>2023-10-30</a:t>
+              <a:t>2023-11-01</a:t>
             </a:fld>
             <a:endParaRPr lang="ko-KR" altLang="en-US"/>
           </a:p>
@@ -887,7 +889,7 @@
           <a:p>
             <a:fld id="{AD3280C5-DF15-423D-9B8B-39743579C484}" type="datetimeFigureOut">
               <a:rPr lang="ko-KR" altLang="en-US" smtClean="0"/>
-              <a:t>2023-10-30</a:t>
+              <a:t>2023-11-01</a:t>
             </a:fld>
             <a:endParaRPr lang="ko-KR" altLang="en-US"/>
           </a:p>
@@ -1162,7 +1164,7 @@
           <a:p>
             <a:fld id="{AD3280C5-DF15-423D-9B8B-39743579C484}" type="datetimeFigureOut">
               <a:rPr lang="ko-KR" altLang="en-US" smtClean="0"/>
-              <a:t>2023-10-30</a:t>
+              <a:t>2023-11-01</a:t>
             </a:fld>
             <a:endParaRPr lang="ko-KR" altLang="en-US"/>
           </a:p>
@@ -1427,7 +1429,7 @@
           <a:p>
             <a:fld id="{AD3280C5-DF15-423D-9B8B-39743579C484}" type="datetimeFigureOut">
               <a:rPr lang="ko-KR" altLang="en-US" smtClean="0"/>
-              <a:t>2023-10-30</a:t>
+              <a:t>2023-11-01</a:t>
             </a:fld>
             <a:endParaRPr lang="ko-KR" altLang="en-US"/>
           </a:p>
@@ -1839,7 +1841,7 @@
           <a:p>
             <a:fld id="{AD3280C5-DF15-423D-9B8B-39743579C484}" type="datetimeFigureOut">
               <a:rPr lang="ko-KR" altLang="en-US" smtClean="0"/>
-              <a:t>2023-10-30</a:t>
+              <a:t>2023-11-01</a:t>
             </a:fld>
             <a:endParaRPr lang="ko-KR" altLang="en-US"/>
           </a:p>
@@ -1980,7 +1982,7 @@
           <a:p>
             <a:fld id="{AD3280C5-DF15-423D-9B8B-39743579C484}" type="datetimeFigureOut">
               <a:rPr lang="ko-KR" altLang="en-US" smtClean="0"/>
-              <a:t>2023-10-30</a:t>
+              <a:t>2023-11-01</a:t>
             </a:fld>
             <a:endParaRPr lang="ko-KR" altLang="en-US"/>
           </a:p>
@@ -2093,7 +2095,7 @@
           <a:p>
             <a:fld id="{AD3280C5-DF15-423D-9B8B-39743579C484}" type="datetimeFigureOut">
               <a:rPr lang="ko-KR" altLang="en-US" smtClean="0"/>
-              <a:t>2023-10-30</a:t>
+              <a:t>2023-11-01</a:t>
             </a:fld>
             <a:endParaRPr lang="ko-KR" altLang="en-US"/>
           </a:p>
@@ -2404,7 +2406,7 @@
           <a:p>
             <a:fld id="{AD3280C5-DF15-423D-9B8B-39743579C484}" type="datetimeFigureOut">
               <a:rPr lang="ko-KR" altLang="en-US" smtClean="0"/>
-              <a:t>2023-10-30</a:t>
+              <a:t>2023-11-01</a:t>
             </a:fld>
             <a:endParaRPr lang="ko-KR" altLang="en-US"/>
           </a:p>
@@ -2692,7 +2694,7 @@
           <a:p>
             <a:fld id="{AD3280C5-DF15-423D-9B8B-39743579C484}" type="datetimeFigureOut">
               <a:rPr lang="ko-KR" altLang="en-US" smtClean="0"/>
-              <a:t>2023-10-30</a:t>
+              <a:t>2023-11-01</a:t>
             </a:fld>
             <a:endParaRPr lang="ko-KR" altLang="en-US"/>
           </a:p>
@@ -2933,7 +2935,7 @@
           <a:p>
             <a:fld id="{AD3280C5-DF15-423D-9B8B-39743579C484}" type="datetimeFigureOut">
               <a:rPr lang="ko-KR" altLang="en-US" smtClean="0"/>
-              <a:t>2023-10-30</a:t>
+              <a:t>2023-11-01</a:t>
             </a:fld>
             <a:endParaRPr lang="ko-KR" altLang="en-US"/>
           </a:p>
@@ -4260,6 +4262,349 @@
       </p:grpSpPr>
       <p:pic>
         <p:nvPicPr>
+          <p:cNvPr id="13" name="그림 12" descr="텍스트, 스크린샷, 소프트웨어, 번호이(가) 표시된 사진&#10;&#10;자동 생성된 설명">
+            <a:extLst>
+              <a:ext uri="{FF2B5EF4-FFF2-40B4-BE49-F238E27FC236}">
+                <a16:creationId xmlns:a16="http://schemas.microsoft.com/office/drawing/2014/main" id="{99BC21A7-624A-CF46-8C11-B2C0D290C4F8}"/>
+              </a:ext>
+            </a:extLst>
+          </p:cNvPr>
+          <p:cNvPicPr>
+            <a:picLocks noChangeAspect="1"/>
+          </p:cNvPicPr>
+          <p:nvPr/>
+        </p:nvPicPr>
+        <p:blipFill>
+          <a:blip r:embed="rId2">
+            <a:extLst>
+              <a:ext uri="{28A0092B-C50C-407E-A947-70E740481C1C}">
+                <a14:useLocalDpi xmlns:a14="http://schemas.microsoft.com/office/drawing/2010/main" val="0"/>
+              </a:ext>
+            </a:extLst>
+          </a:blip>
+          <a:stretch>
+            <a:fillRect/>
+          </a:stretch>
+        </p:blipFill>
+        <p:spPr>
+          <a:xfrm>
+            <a:off x="0" y="0"/>
+            <a:ext cx="8324850" cy="6858000"/>
+          </a:xfrm>
+          <a:prstGeom prst="rect">
+            <a:avLst/>
+          </a:prstGeom>
+        </p:spPr>
+      </p:pic>
+      <p:pic>
+        <p:nvPicPr>
+          <p:cNvPr id="11" name="그림 10" descr="텍스트, 번호, 소프트웨어, 폰트이(가) 표시된 사진&#10;&#10;자동 생성된 설명">
+            <a:extLst>
+              <a:ext uri="{FF2B5EF4-FFF2-40B4-BE49-F238E27FC236}">
+                <a16:creationId xmlns:a16="http://schemas.microsoft.com/office/drawing/2014/main" id="{CF2AC58C-12A9-2ED5-3C7A-45D1DE26349E}"/>
+              </a:ext>
+            </a:extLst>
+          </p:cNvPr>
+          <p:cNvPicPr>
+            <a:picLocks noChangeAspect="1"/>
+          </p:cNvPicPr>
+          <p:nvPr/>
+        </p:nvPicPr>
+        <p:blipFill>
+          <a:blip r:embed="rId3">
+            <a:extLst>
+              <a:ext uri="{28A0092B-C50C-407E-A947-70E740481C1C}">
+                <a14:useLocalDpi xmlns:a14="http://schemas.microsoft.com/office/drawing/2010/main" val="0"/>
+              </a:ext>
+            </a:extLst>
+          </a:blip>
+          <a:stretch>
+            <a:fillRect/>
+          </a:stretch>
+        </p:blipFill>
+        <p:spPr>
+          <a:xfrm>
+            <a:off x="4486275" y="0"/>
+            <a:ext cx="8806394" cy="6858000"/>
+          </a:xfrm>
+          <a:prstGeom prst="rect">
+            <a:avLst/>
+          </a:prstGeom>
+        </p:spPr>
+      </p:pic>
+      <p:pic>
+        <p:nvPicPr>
+          <p:cNvPr id="14" name="그림 13" descr="텍스트, 번호, 소프트웨어, 폰트이(가) 표시된 사진&#10;&#10;자동 생성된 설명">
+            <a:extLst>
+              <a:ext uri="{FF2B5EF4-FFF2-40B4-BE49-F238E27FC236}">
+                <a16:creationId xmlns:a16="http://schemas.microsoft.com/office/drawing/2014/main" id="{D96DDF59-325F-117C-8D32-55634856E1AE}"/>
+              </a:ext>
+            </a:extLst>
+          </p:cNvPr>
+          <p:cNvPicPr>
+            <a:picLocks noChangeAspect="1"/>
+          </p:cNvPicPr>
+          <p:nvPr/>
+        </p:nvPicPr>
+        <p:blipFill rotWithShape="1">
+          <a:blip r:embed="rId3">
+            <a:extLst>
+              <a:ext uri="{28A0092B-C50C-407E-A947-70E740481C1C}">
+                <a14:useLocalDpi xmlns:a14="http://schemas.microsoft.com/office/drawing/2010/main" val="0"/>
+              </a:ext>
+            </a:extLst>
+          </a:blip>
+          <a:srcRect b="91323"/>
+          <a:stretch/>
+        </p:blipFill>
+        <p:spPr>
+          <a:xfrm>
+            <a:off x="1" y="1"/>
+            <a:ext cx="13292668" cy="666750"/>
+          </a:xfrm>
+          <a:prstGeom prst="rect">
+            <a:avLst/>
+          </a:prstGeom>
+        </p:spPr>
+      </p:pic>
+    </p:spTree>
+    <p:extLst>
+      <p:ext uri="{BB962C8B-B14F-4D97-AF65-F5344CB8AC3E}">
+        <p14:creationId xmlns:p14="http://schemas.microsoft.com/office/powerpoint/2010/main" val="1335376271"/>
+      </p:ext>
+    </p:extLst>
+  </p:cSld>
+  <p:clrMapOvr>
+    <a:masterClrMapping/>
+  </p:clrMapOvr>
+</p:sld>
+</file>
+
+<file path=ppt/slides/slide11.xml><?xml version="1.0" encoding="utf-8"?>
+<p:sld xmlns:a="http://schemas.openxmlformats.org/drawingml/2006/main" xmlns:r="http://schemas.openxmlformats.org/officeDocument/2006/relationships" xmlns:p="http://schemas.openxmlformats.org/presentationml/2006/main">
+  <p:cSld>
+    <p:spTree>
+      <p:nvGrpSpPr>
+        <p:cNvPr id="1" name=""/>
+        <p:cNvGrpSpPr/>
+        <p:nvPr/>
+      </p:nvGrpSpPr>
+      <p:grpSpPr>
+        <a:xfrm>
+          <a:off x="0" y="0"/>
+          <a:ext cx="0" cy="0"/>
+          <a:chOff x="0" y="0"/>
+          <a:chExt cx="0" cy="0"/>
+        </a:xfrm>
+      </p:grpSpPr>
+      <p:pic>
+        <p:nvPicPr>
+          <p:cNvPr id="7" name="그림 6" descr="텍스트, 라인, 스크린샷이(가) 표시된 사진&#10;&#10;자동 생성된 설명">
+            <a:extLst>
+              <a:ext uri="{FF2B5EF4-FFF2-40B4-BE49-F238E27FC236}">
+                <a16:creationId xmlns:a16="http://schemas.microsoft.com/office/drawing/2014/main" id="{64A3C505-FF7E-806A-5BAD-C21819AE7EC0}"/>
+              </a:ext>
+            </a:extLst>
+          </p:cNvPr>
+          <p:cNvPicPr>
+            <a:picLocks noChangeAspect="1"/>
+          </p:cNvPicPr>
+          <p:nvPr/>
+        </p:nvPicPr>
+        <p:blipFill>
+          <a:blip r:embed="rId2">
+            <a:extLst>
+              <a:ext uri="{28A0092B-C50C-407E-A947-70E740481C1C}">
+                <a14:useLocalDpi xmlns:a14="http://schemas.microsoft.com/office/drawing/2010/main" val="0"/>
+              </a:ext>
+            </a:extLst>
+          </a:blip>
+          <a:stretch>
+            <a:fillRect/>
+          </a:stretch>
+        </p:blipFill>
+        <p:spPr>
+          <a:xfrm>
+            <a:off x="0" y="0"/>
+            <a:ext cx="12192000" cy="1914792"/>
+          </a:xfrm>
+          <a:prstGeom prst="rect">
+            <a:avLst/>
+          </a:prstGeom>
+        </p:spPr>
+      </p:pic>
+      <p:pic>
+        <p:nvPicPr>
+          <p:cNvPr id="5" name="그림 4" descr="텍스트, 스크린샷, 번호이(가) 표시된 사진&#10;&#10;자동 생성된 설명">
+            <a:extLst>
+              <a:ext uri="{FF2B5EF4-FFF2-40B4-BE49-F238E27FC236}">
+                <a16:creationId xmlns:a16="http://schemas.microsoft.com/office/drawing/2014/main" id="{A3ED39DB-7646-103C-C732-62F3DB22296D}"/>
+              </a:ext>
+            </a:extLst>
+          </p:cNvPr>
+          <p:cNvPicPr>
+            <a:picLocks noChangeAspect="1"/>
+          </p:cNvPicPr>
+          <p:nvPr/>
+        </p:nvPicPr>
+        <p:blipFill rotWithShape="1">
+          <a:blip r:embed="rId3">
+            <a:extLst>
+              <a:ext uri="{28A0092B-C50C-407E-A947-70E740481C1C}">
+                <a14:useLocalDpi xmlns:a14="http://schemas.microsoft.com/office/drawing/2010/main" val="0"/>
+              </a:ext>
+            </a:extLst>
+          </a:blip>
+          <a:srcRect b="93333"/>
+          <a:stretch/>
+        </p:blipFill>
+        <p:spPr>
+          <a:xfrm>
+            <a:off x="0" y="25934"/>
+            <a:ext cx="14516100" cy="457200"/>
+          </a:xfrm>
+          <a:prstGeom prst="rect">
+            <a:avLst/>
+          </a:prstGeom>
+        </p:spPr>
+      </p:pic>
+      <p:pic>
+        <p:nvPicPr>
+          <p:cNvPr id="9" name="그림 8" descr="텍스트, 스크린샷, 라인, 폰트이(가) 표시된 사진&#10;&#10;자동 생성된 설명">
+            <a:extLst>
+              <a:ext uri="{FF2B5EF4-FFF2-40B4-BE49-F238E27FC236}">
+                <a16:creationId xmlns:a16="http://schemas.microsoft.com/office/drawing/2014/main" id="{A336727B-96F6-77AE-817B-FB705A95A5EF}"/>
+              </a:ext>
+            </a:extLst>
+          </p:cNvPr>
+          <p:cNvPicPr>
+            <a:picLocks noChangeAspect="1"/>
+          </p:cNvPicPr>
+          <p:nvPr/>
+        </p:nvPicPr>
+        <p:blipFill rotWithShape="1">
+          <a:blip r:embed="rId4">
+            <a:extLst>
+              <a:ext uri="{28A0092B-C50C-407E-A947-70E740481C1C}">
+                <a14:useLocalDpi xmlns:a14="http://schemas.microsoft.com/office/drawing/2010/main" val="0"/>
+              </a:ext>
+            </a:extLst>
+          </a:blip>
+          <a:srcRect t="33245" r="9543"/>
+          <a:stretch/>
+        </p:blipFill>
+        <p:spPr>
+          <a:xfrm>
+            <a:off x="1584701" y="850900"/>
+            <a:ext cx="10607299" cy="1612899"/>
+          </a:xfrm>
+          <a:prstGeom prst="rect">
+            <a:avLst/>
+          </a:prstGeom>
+        </p:spPr>
+      </p:pic>
+      <p:pic>
+        <p:nvPicPr>
+          <p:cNvPr id="11" name="그림 10" descr="텍스트, 스크린샷, 번호이(가) 표시된 사진&#10;&#10;자동 생성된 설명">
+            <a:extLst>
+              <a:ext uri="{FF2B5EF4-FFF2-40B4-BE49-F238E27FC236}">
+                <a16:creationId xmlns:a16="http://schemas.microsoft.com/office/drawing/2014/main" id="{958F19D3-3A18-3586-A197-A3532AE31698}"/>
+              </a:ext>
+            </a:extLst>
+          </p:cNvPr>
+          <p:cNvPicPr>
+            <a:picLocks noChangeAspect="1"/>
+          </p:cNvPicPr>
+          <p:nvPr/>
+        </p:nvPicPr>
+        <p:blipFill rotWithShape="1">
+          <a:blip r:embed="rId3">
+            <a:extLst>
+              <a:ext uri="{28A0092B-C50C-407E-A947-70E740481C1C}">
+                <a14:useLocalDpi xmlns:a14="http://schemas.microsoft.com/office/drawing/2010/main" val="0"/>
+              </a:ext>
+            </a:extLst>
+          </a:blip>
+          <a:srcRect t="6666" b="-10000"/>
+          <a:stretch/>
+        </p:blipFill>
+        <p:spPr>
+          <a:xfrm>
+            <a:off x="4740789" y="517792"/>
+            <a:ext cx="9775311" cy="7086600"/>
+          </a:xfrm>
+          <a:prstGeom prst="rect">
+            <a:avLst/>
+          </a:prstGeom>
+        </p:spPr>
+      </p:pic>
+      <p:pic>
+        <p:nvPicPr>
+          <p:cNvPr id="12" name="그림 11" descr="텍스트, 라인, 스크린샷이(가) 표시된 사진&#10;&#10;자동 생성된 설명">
+            <a:extLst>
+              <a:ext uri="{FF2B5EF4-FFF2-40B4-BE49-F238E27FC236}">
+                <a16:creationId xmlns:a16="http://schemas.microsoft.com/office/drawing/2014/main" id="{6027DA37-8231-783B-73A6-D0A1EDA38095}"/>
+              </a:ext>
+            </a:extLst>
+          </p:cNvPr>
+          <p:cNvPicPr>
+            <a:picLocks noChangeAspect="1"/>
+          </p:cNvPicPr>
+          <p:nvPr/>
+        </p:nvPicPr>
+        <p:blipFill rotWithShape="1">
+          <a:blip r:embed="rId2">
+            <a:extLst>
+              <a:ext uri="{28A0092B-C50C-407E-A947-70E740481C1C}">
+                <a14:useLocalDpi xmlns:a14="http://schemas.microsoft.com/office/drawing/2010/main" val="0"/>
+              </a:ext>
+            </a:extLst>
+          </a:blip>
+          <a:srcRect l="39301" t="26122" r="32952" b="56889"/>
+          <a:stretch/>
+        </p:blipFill>
+        <p:spPr>
+          <a:xfrm>
+            <a:off x="3110013" y="505092"/>
+            <a:ext cx="4459187" cy="320408"/>
+          </a:xfrm>
+          <a:prstGeom prst="rect">
+            <a:avLst/>
+          </a:prstGeom>
+        </p:spPr>
+      </p:pic>
+    </p:spTree>
+    <p:extLst>
+      <p:ext uri="{BB962C8B-B14F-4D97-AF65-F5344CB8AC3E}">
+        <p14:creationId xmlns:p14="http://schemas.microsoft.com/office/powerpoint/2010/main" val="882158913"/>
+      </p:ext>
+    </p:extLst>
+  </p:cSld>
+  <p:clrMapOvr>
+    <a:masterClrMapping/>
+  </p:clrMapOvr>
+</p:sld>
+</file>
+
+<file path=ppt/slides/slide12.xml><?xml version="1.0" encoding="utf-8"?>
+<p:sld xmlns:a="http://schemas.openxmlformats.org/drawingml/2006/main" xmlns:r="http://schemas.openxmlformats.org/officeDocument/2006/relationships" xmlns:p="http://schemas.openxmlformats.org/presentationml/2006/main">
+  <p:cSld>
+    <p:spTree>
+      <p:nvGrpSpPr>
+        <p:cNvPr id="1" name=""/>
+        <p:cNvGrpSpPr/>
+        <p:nvPr/>
+      </p:nvGrpSpPr>
+      <p:grpSpPr>
+        <a:xfrm>
+          <a:off x="0" y="0"/>
+          <a:ext cx="0" cy="0"/>
+          <a:chOff x="0" y="0"/>
+          <a:chExt cx="0" cy="0"/>
+        </a:xfrm>
+      </p:grpSpPr>
+      <p:pic>
+        <p:nvPicPr>
           <p:cNvPr id="27" name="그림 26" descr="텍스트, 스크린샷, 디자인이(가) 표시된 사진&#10;&#10;자동 생성된 설명">
             <a:extLst>
               <a:ext uri="{FF2B5EF4-FFF2-40B4-BE49-F238E27FC236}">
@@ -4779,7 +5124,7 @@
 </p:sld>
 </file>
 
-<file path=ppt/slides/slide11.xml><?xml version="1.0" encoding="utf-8"?>
+<file path=ppt/slides/slide13.xml><?xml version="1.0" encoding="utf-8"?>
 <p:sld xmlns:a="http://schemas.openxmlformats.org/drawingml/2006/main" xmlns:r="http://schemas.openxmlformats.org/officeDocument/2006/relationships" xmlns:p="http://schemas.openxmlformats.org/presentationml/2006/main">
   <p:cSld>
     <p:spTree>
@@ -5836,7 +6181,7 @@
 </p:sld>
 </file>
 
-<file path=ppt/slides/slide12.xml><?xml version="1.0" encoding="utf-8"?>
+<file path=ppt/slides/slide14.xml><?xml version="1.0" encoding="utf-8"?>
 <p:sld xmlns:a="http://schemas.openxmlformats.org/drawingml/2006/main" xmlns:r="http://schemas.openxmlformats.org/officeDocument/2006/relationships" xmlns:p="http://schemas.openxmlformats.org/presentationml/2006/main">
   <p:cSld>
     <p:spTree>
@@ -6418,7 +6763,7 @@
 </p:sld>
 </file>
 
-<file path=ppt/slides/slide13.xml><?xml version="1.0" encoding="utf-8"?>
+<file path=ppt/slides/slide15.xml><?xml version="1.0" encoding="utf-8"?>
 <p:sld xmlns:a="http://schemas.openxmlformats.org/drawingml/2006/main" xmlns:r="http://schemas.openxmlformats.org/officeDocument/2006/relationships" xmlns:p="http://schemas.openxmlformats.org/presentationml/2006/main">
   <p:cSld>
     <p:spTree>
@@ -7402,7 +7747,7 @@
 </p:sld>
 </file>
 
-<file path=ppt/slides/slide14.xml><?xml version="1.0" encoding="utf-8"?>
+<file path=ppt/slides/slide16.xml><?xml version="1.0" encoding="utf-8"?>
 <p:sld xmlns:a="http://schemas.openxmlformats.org/drawingml/2006/main" xmlns:r="http://schemas.openxmlformats.org/officeDocument/2006/relationships" xmlns:p="http://schemas.openxmlformats.org/presentationml/2006/main">
   <p:cSld>
     <p:spTree>
@@ -7600,7 +7945,7 @@
 </p:sld>
 </file>
 
-<file path=ppt/slides/slide15.xml><?xml version="1.0" encoding="utf-8"?>
+<file path=ppt/slides/slide17.xml><?xml version="1.0" encoding="utf-8"?>
 <p:sld xmlns:a="http://schemas.openxmlformats.org/drawingml/2006/main" xmlns:r="http://schemas.openxmlformats.org/officeDocument/2006/relationships" xmlns:p="http://schemas.openxmlformats.org/presentationml/2006/main">
   <p:cSld>
     <p:spTree>
@@ -7738,7 +8083,7 @@
 </p:sld>
 </file>
 
-<file path=ppt/slides/slide16.xml><?xml version="1.0" encoding="utf-8"?>
+<file path=ppt/slides/slide18.xml><?xml version="1.0" encoding="utf-8"?>
 <p:sld xmlns:a="http://schemas.openxmlformats.org/drawingml/2006/main" xmlns:r="http://schemas.openxmlformats.org/officeDocument/2006/relationships" xmlns:p="http://schemas.openxmlformats.org/presentationml/2006/main">
   <p:cSld>
     <p:spTree>
@@ -9071,6 +9416,198 @@
           <a:chExt cx="0" cy="0"/>
         </a:xfrm>
       </p:grpSpPr>
+      <p:pic>
+        <p:nvPicPr>
+          <p:cNvPr id="7" name="그림 6">
+            <a:extLst>
+              <a:ext uri="{FF2B5EF4-FFF2-40B4-BE49-F238E27FC236}">
+                <a16:creationId xmlns:a16="http://schemas.microsoft.com/office/drawing/2014/main" id="{0A571D4F-A1AE-E31F-21C3-38DE6CE4F119}"/>
+              </a:ext>
+            </a:extLst>
+          </p:cNvPr>
+          <p:cNvPicPr>
+            <a:picLocks noChangeAspect="1"/>
+          </p:cNvPicPr>
+          <p:nvPr/>
+        </p:nvPicPr>
+        <p:blipFill>
+          <a:blip r:embed="rId2"/>
+          <a:stretch>
+            <a:fillRect/>
+          </a:stretch>
+        </p:blipFill>
+        <p:spPr>
+          <a:xfrm>
+            <a:off x="6646495" y="0"/>
+            <a:ext cx="5545505" cy="6858000"/>
+          </a:xfrm>
+          <a:prstGeom prst="rect">
+            <a:avLst/>
+          </a:prstGeom>
+        </p:spPr>
+      </p:pic>
+      <p:pic>
+        <p:nvPicPr>
+          <p:cNvPr id="9" name="그림 8">
+            <a:extLst>
+              <a:ext uri="{FF2B5EF4-FFF2-40B4-BE49-F238E27FC236}">
+                <a16:creationId xmlns:a16="http://schemas.microsoft.com/office/drawing/2014/main" id="{B2C081BD-A401-5E48-CD21-A92FF9BC84DB}"/>
+              </a:ext>
+            </a:extLst>
+          </p:cNvPr>
+          <p:cNvPicPr>
+            <a:picLocks noChangeAspect="1"/>
+          </p:cNvPicPr>
+          <p:nvPr/>
+        </p:nvPicPr>
+        <p:blipFill>
+          <a:blip r:embed="rId3"/>
+          <a:stretch>
+            <a:fillRect/>
+          </a:stretch>
+        </p:blipFill>
+        <p:spPr>
+          <a:xfrm>
+            <a:off x="2191407" y="0"/>
+            <a:ext cx="4455088" cy="6858000"/>
+          </a:xfrm>
+          <a:prstGeom prst="rect">
+            <a:avLst/>
+          </a:prstGeom>
+        </p:spPr>
+      </p:pic>
+    </p:spTree>
+    <p:extLst>
+      <p:ext uri="{BB962C8B-B14F-4D97-AF65-F5344CB8AC3E}">
+        <p14:creationId xmlns:p14="http://schemas.microsoft.com/office/powerpoint/2010/main" val="3197592967"/>
+      </p:ext>
+    </p:extLst>
+  </p:cSld>
+  <p:clrMapOvr>
+    <a:masterClrMapping/>
+  </p:clrMapOvr>
+</p:sld>
+</file>
+
+<file path=ppt/slides/slide3.xml><?xml version="1.0" encoding="utf-8"?>
+<p:sld xmlns:a="http://schemas.openxmlformats.org/drawingml/2006/main" xmlns:r="http://schemas.openxmlformats.org/officeDocument/2006/relationships" xmlns:p="http://schemas.openxmlformats.org/presentationml/2006/main">
+  <p:cSld>
+    <p:spTree>
+      <p:nvGrpSpPr>
+        <p:cNvPr id="1" name=""/>
+        <p:cNvGrpSpPr/>
+        <p:nvPr/>
+      </p:nvGrpSpPr>
+      <p:grpSpPr>
+        <a:xfrm>
+          <a:off x="0" y="0"/>
+          <a:ext cx="0" cy="0"/>
+          <a:chOff x="0" y="0"/>
+          <a:chExt cx="0" cy="0"/>
+        </a:xfrm>
+      </p:grpSpPr>
+      <p:pic>
+        <p:nvPicPr>
+          <p:cNvPr id="4" name="그림 3" descr="텍스트, 스크린샷, 소프트웨어, 폰트이(가) 표시된 사진&#10;&#10;자동 생성된 설명">
+            <a:extLst>
+              <a:ext uri="{FF2B5EF4-FFF2-40B4-BE49-F238E27FC236}">
+                <a16:creationId xmlns:a16="http://schemas.microsoft.com/office/drawing/2014/main" id="{33A57371-E5CD-37C0-F92B-52A963C8F868}"/>
+              </a:ext>
+            </a:extLst>
+          </p:cNvPr>
+          <p:cNvPicPr>
+            <a:picLocks noChangeAspect="1"/>
+          </p:cNvPicPr>
+          <p:nvPr/>
+        </p:nvPicPr>
+        <p:blipFill>
+          <a:blip r:embed="rId2">
+            <a:extLst>
+              <a:ext uri="{28A0092B-C50C-407E-A947-70E740481C1C}">
+                <a14:useLocalDpi xmlns:a14="http://schemas.microsoft.com/office/drawing/2010/main" val="0"/>
+              </a:ext>
+            </a:extLst>
+          </a:blip>
+          <a:stretch>
+            <a:fillRect/>
+          </a:stretch>
+        </p:blipFill>
+        <p:spPr>
+          <a:xfrm>
+            <a:off x="1541232" y="0"/>
+            <a:ext cx="3855697" cy="6858000"/>
+          </a:xfrm>
+          <a:prstGeom prst="rect">
+            <a:avLst/>
+          </a:prstGeom>
+        </p:spPr>
+      </p:pic>
+      <p:pic>
+        <p:nvPicPr>
+          <p:cNvPr id="5" name="그림 4" descr="텍스트, 스크린샷, 번호이(가) 표시된 사진&#10;&#10;자동 생성된 설명">
+            <a:extLst>
+              <a:ext uri="{FF2B5EF4-FFF2-40B4-BE49-F238E27FC236}">
+                <a16:creationId xmlns:a16="http://schemas.microsoft.com/office/drawing/2014/main" id="{A713E6B7-11D9-2A33-0DA4-F458AFEF6311}"/>
+              </a:ext>
+            </a:extLst>
+          </p:cNvPr>
+          <p:cNvPicPr>
+            <a:picLocks noChangeAspect="1"/>
+          </p:cNvPicPr>
+          <p:nvPr/>
+        </p:nvPicPr>
+        <p:blipFill>
+          <a:blip r:embed="rId3">
+            <a:extLst>
+              <a:ext uri="{28A0092B-C50C-407E-A947-70E740481C1C}">
+                <a14:useLocalDpi xmlns:a14="http://schemas.microsoft.com/office/drawing/2010/main" val="0"/>
+              </a:ext>
+            </a:extLst>
+          </a:blip>
+          <a:stretch>
+            <a:fillRect/>
+          </a:stretch>
+        </p:blipFill>
+        <p:spPr>
+          <a:xfrm>
+            <a:off x="5396929" y="0"/>
+            <a:ext cx="3197111" cy="6858000"/>
+          </a:xfrm>
+          <a:prstGeom prst="rect">
+            <a:avLst/>
+          </a:prstGeom>
+        </p:spPr>
+      </p:pic>
+    </p:spTree>
+    <p:extLst>
+      <p:ext uri="{BB962C8B-B14F-4D97-AF65-F5344CB8AC3E}">
+        <p14:creationId xmlns:p14="http://schemas.microsoft.com/office/powerpoint/2010/main" val="3975102083"/>
+      </p:ext>
+    </p:extLst>
+  </p:cSld>
+  <p:clrMapOvr>
+    <a:masterClrMapping/>
+  </p:clrMapOvr>
+</p:sld>
+</file>
+
+<file path=ppt/slides/slide4.xml><?xml version="1.0" encoding="utf-8"?>
+<p:sld xmlns:a="http://schemas.openxmlformats.org/drawingml/2006/main" xmlns:r="http://schemas.openxmlformats.org/officeDocument/2006/relationships" xmlns:p="http://schemas.openxmlformats.org/presentationml/2006/main">
+  <p:cSld>
+    <p:spTree>
+      <p:nvGrpSpPr>
+        <p:cNvPr id="1" name=""/>
+        <p:cNvGrpSpPr/>
+        <p:nvPr/>
+      </p:nvGrpSpPr>
+      <p:grpSpPr>
+        <a:xfrm>
+          <a:off x="0" y="0"/>
+          <a:ext cx="0" cy="0"/>
+          <a:chOff x="0" y="0"/>
+          <a:chExt cx="0" cy="0"/>
+        </a:xfrm>
+      </p:grpSpPr>
       <p:sp>
         <p:nvSpPr>
           <p:cNvPr id="4" name="TextBox 3">
@@ -10253,7 +10790,7 @@
 </p:sld>
 </file>
 
-<file path=ppt/slides/slide3.xml><?xml version="1.0" encoding="utf-8"?>
+<file path=ppt/slides/slide5.xml><?xml version="1.0" encoding="utf-8"?>
 <p:sld xmlns:a="http://schemas.openxmlformats.org/drawingml/2006/main" xmlns:r="http://schemas.openxmlformats.org/officeDocument/2006/relationships" xmlns:p="http://schemas.openxmlformats.org/presentationml/2006/main">
   <p:cSld>
     <p:bg>
@@ -10738,7 +11275,7 @@
 </p:sld>
 </file>
 
-<file path=ppt/slides/slide4.xml><?xml version="1.0" encoding="utf-8"?>
+<file path=ppt/slides/slide6.xml><?xml version="1.0" encoding="utf-8"?>
 <p:sld xmlns:a="http://schemas.openxmlformats.org/drawingml/2006/main" xmlns:r="http://schemas.openxmlformats.org/officeDocument/2006/relationships" xmlns:p="http://schemas.openxmlformats.org/presentationml/2006/main">
   <p:cSld>
     <p:spTree>
@@ -11543,7 +12080,7 @@
 </p:sld>
 </file>
 
-<file path=ppt/slides/slide5.xml><?xml version="1.0" encoding="utf-8"?>
+<file path=ppt/slides/slide7.xml><?xml version="1.0" encoding="utf-8"?>
 <p:sld xmlns:a="http://schemas.openxmlformats.org/drawingml/2006/main" xmlns:r="http://schemas.openxmlformats.org/officeDocument/2006/relationships" xmlns:p="http://schemas.openxmlformats.org/presentationml/2006/main">
   <p:cSld>
     <p:spTree>
@@ -12485,7 +13022,7 @@
 </p:sld>
 </file>
 
-<file path=ppt/slides/slide6.xml><?xml version="1.0" encoding="utf-8"?>
+<file path=ppt/slides/slide8.xml><?xml version="1.0" encoding="utf-8"?>
 <p:sld xmlns:a="http://schemas.openxmlformats.org/drawingml/2006/main" xmlns:r="http://schemas.openxmlformats.org/officeDocument/2006/relationships" xmlns:p="http://schemas.openxmlformats.org/presentationml/2006/main">
   <p:cSld>
     <p:spTree>
@@ -13598,7 +14135,7 @@
 </p:sld>
 </file>
 
-<file path=ppt/slides/slide7.xml><?xml version="1.0" encoding="utf-8"?>
+<file path=ppt/slides/slide9.xml><?xml version="1.0" encoding="utf-8"?>
 <p:sld xmlns:a="http://schemas.openxmlformats.org/drawingml/2006/main" xmlns:r="http://schemas.openxmlformats.org/officeDocument/2006/relationships" xmlns:p="http://schemas.openxmlformats.org/presentationml/2006/main">
   <p:cSld>
     <p:spTree>
@@ -14355,349 +14892,6 @@
     <p:extLst>
       <p:ext uri="{BB962C8B-B14F-4D97-AF65-F5344CB8AC3E}">
         <p14:creationId xmlns:p14="http://schemas.microsoft.com/office/powerpoint/2010/main" val="2230923970"/>
-      </p:ext>
-    </p:extLst>
-  </p:cSld>
-  <p:clrMapOvr>
-    <a:masterClrMapping/>
-  </p:clrMapOvr>
-</p:sld>
-</file>
-
-<file path=ppt/slides/slide8.xml><?xml version="1.0" encoding="utf-8"?>
-<p:sld xmlns:a="http://schemas.openxmlformats.org/drawingml/2006/main" xmlns:r="http://schemas.openxmlformats.org/officeDocument/2006/relationships" xmlns:p="http://schemas.openxmlformats.org/presentationml/2006/main">
-  <p:cSld>
-    <p:spTree>
-      <p:nvGrpSpPr>
-        <p:cNvPr id="1" name=""/>
-        <p:cNvGrpSpPr/>
-        <p:nvPr/>
-      </p:nvGrpSpPr>
-      <p:grpSpPr>
-        <a:xfrm>
-          <a:off x="0" y="0"/>
-          <a:ext cx="0" cy="0"/>
-          <a:chOff x="0" y="0"/>
-          <a:chExt cx="0" cy="0"/>
-        </a:xfrm>
-      </p:grpSpPr>
-      <p:pic>
-        <p:nvPicPr>
-          <p:cNvPr id="13" name="그림 12" descr="텍스트, 스크린샷, 소프트웨어, 번호이(가) 표시된 사진&#10;&#10;자동 생성된 설명">
-            <a:extLst>
-              <a:ext uri="{FF2B5EF4-FFF2-40B4-BE49-F238E27FC236}">
-                <a16:creationId xmlns:a16="http://schemas.microsoft.com/office/drawing/2014/main" id="{99BC21A7-624A-CF46-8C11-B2C0D290C4F8}"/>
-              </a:ext>
-            </a:extLst>
-          </p:cNvPr>
-          <p:cNvPicPr>
-            <a:picLocks noChangeAspect="1"/>
-          </p:cNvPicPr>
-          <p:nvPr/>
-        </p:nvPicPr>
-        <p:blipFill>
-          <a:blip r:embed="rId2">
-            <a:extLst>
-              <a:ext uri="{28A0092B-C50C-407E-A947-70E740481C1C}">
-                <a14:useLocalDpi xmlns:a14="http://schemas.microsoft.com/office/drawing/2010/main" val="0"/>
-              </a:ext>
-            </a:extLst>
-          </a:blip>
-          <a:stretch>
-            <a:fillRect/>
-          </a:stretch>
-        </p:blipFill>
-        <p:spPr>
-          <a:xfrm>
-            <a:off x="0" y="0"/>
-            <a:ext cx="8324850" cy="6858000"/>
-          </a:xfrm>
-          <a:prstGeom prst="rect">
-            <a:avLst/>
-          </a:prstGeom>
-        </p:spPr>
-      </p:pic>
-      <p:pic>
-        <p:nvPicPr>
-          <p:cNvPr id="11" name="그림 10" descr="텍스트, 번호, 소프트웨어, 폰트이(가) 표시된 사진&#10;&#10;자동 생성된 설명">
-            <a:extLst>
-              <a:ext uri="{FF2B5EF4-FFF2-40B4-BE49-F238E27FC236}">
-                <a16:creationId xmlns:a16="http://schemas.microsoft.com/office/drawing/2014/main" id="{CF2AC58C-12A9-2ED5-3C7A-45D1DE26349E}"/>
-              </a:ext>
-            </a:extLst>
-          </p:cNvPr>
-          <p:cNvPicPr>
-            <a:picLocks noChangeAspect="1"/>
-          </p:cNvPicPr>
-          <p:nvPr/>
-        </p:nvPicPr>
-        <p:blipFill>
-          <a:blip r:embed="rId3">
-            <a:extLst>
-              <a:ext uri="{28A0092B-C50C-407E-A947-70E740481C1C}">
-                <a14:useLocalDpi xmlns:a14="http://schemas.microsoft.com/office/drawing/2010/main" val="0"/>
-              </a:ext>
-            </a:extLst>
-          </a:blip>
-          <a:stretch>
-            <a:fillRect/>
-          </a:stretch>
-        </p:blipFill>
-        <p:spPr>
-          <a:xfrm>
-            <a:off x="4486275" y="0"/>
-            <a:ext cx="8806394" cy="6858000"/>
-          </a:xfrm>
-          <a:prstGeom prst="rect">
-            <a:avLst/>
-          </a:prstGeom>
-        </p:spPr>
-      </p:pic>
-      <p:pic>
-        <p:nvPicPr>
-          <p:cNvPr id="14" name="그림 13" descr="텍스트, 번호, 소프트웨어, 폰트이(가) 표시된 사진&#10;&#10;자동 생성된 설명">
-            <a:extLst>
-              <a:ext uri="{FF2B5EF4-FFF2-40B4-BE49-F238E27FC236}">
-                <a16:creationId xmlns:a16="http://schemas.microsoft.com/office/drawing/2014/main" id="{D96DDF59-325F-117C-8D32-55634856E1AE}"/>
-              </a:ext>
-            </a:extLst>
-          </p:cNvPr>
-          <p:cNvPicPr>
-            <a:picLocks noChangeAspect="1"/>
-          </p:cNvPicPr>
-          <p:nvPr/>
-        </p:nvPicPr>
-        <p:blipFill rotWithShape="1">
-          <a:blip r:embed="rId3">
-            <a:extLst>
-              <a:ext uri="{28A0092B-C50C-407E-A947-70E740481C1C}">
-                <a14:useLocalDpi xmlns:a14="http://schemas.microsoft.com/office/drawing/2010/main" val="0"/>
-              </a:ext>
-            </a:extLst>
-          </a:blip>
-          <a:srcRect b="91323"/>
-          <a:stretch/>
-        </p:blipFill>
-        <p:spPr>
-          <a:xfrm>
-            <a:off x="1" y="1"/>
-            <a:ext cx="13292668" cy="666750"/>
-          </a:xfrm>
-          <a:prstGeom prst="rect">
-            <a:avLst/>
-          </a:prstGeom>
-        </p:spPr>
-      </p:pic>
-    </p:spTree>
-    <p:extLst>
-      <p:ext uri="{BB962C8B-B14F-4D97-AF65-F5344CB8AC3E}">
-        <p14:creationId xmlns:p14="http://schemas.microsoft.com/office/powerpoint/2010/main" val="1335376271"/>
-      </p:ext>
-    </p:extLst>
-  </p:cSld>
-  <p:clrMapOvr>
-    <a:masterClrMapping/>
-  </p:clrMapOvr>
-</p:sld>
-</file>
-
-<file path=ppt/slides/slide9.xml><?xml version="1.0" encoding="utf-8"?>
-<p:sld xmlns:a="http://schemas.openxmlformats.org/drawingml/2006/main" xmlns:r="http://schemas.openxmlformats.org/officeDocument/2006/relationships" xmlns:p="http://schemas.openxmlformats.org/presentationml/2006/main">
-  <p:cSld>
-    <p:spTree>
-      <p:nvGrpSpPr>
-        <p:cNvPr id="1" name=""/>
-        <p:cNvGrpSpPr/>
-        <p:nvPr/>
-      </p:nvGrpSpPr>
-      <p:grpSpPr>
-        <a:xfrm>
-          <a:off x="0" y="0"/>
-          <a:ext cx="0" cy="0"/>
-          <a:chOff x="0" y="0"/>
-          <a:chExt cx="0" cy="0"/>
-        </a:xfrm>
-      </p:grpSpPr>
-      <p:pic>
-        <p:nvPicPr>
-          <p:cNvPr id="7" name="그림 6" descr="텍스트, 라인, 스크린샷이(가) 표시된 사진&#10;&#10;자동 생성된 설명">
-            <a:extLst>
-              <a:ext uri="{FF2B5EF4-FFF2-40B4-BE49-F238E27FC236}">
-                <a16:creationId xmlns:a16="http://schemas.microsoft.com/office/drawing/2014/main" id="{64A3C505-FF7E-806A-5BAD-C21819AE7EC0}"/>
-              </a:ext>
-            </a:extLst>
-          </p:cNvPr>
-          <p:cNvPicPr>
-            <a:picLocks noChangeAspect="1"/>
-          </p:cNvPicPr>
-          <p:nvPr/>
-        </p:nvPicPr>
-        <p:blipFill>
-          <a:blip r:embed="rId2">
-            <a:extLst>
-              <a:ext uri="{28A0092B-C50C-407E-A947-70E740481C1C}">
-                <a14:useLocalDpi xmlns:a14="http://schemas.microsoft.com/office/drawing/2010/main" val="0"/>
-              </a:ext>
-            </a:extLst>
-          </a:blip>
-          <a:stretch>
-            <a:fillRect/>
-          </a:stretch>
-        </p:blipFill>
-        <p:spPr>
-          <a:xfrm>
-            <a:off x="0" y="0"/>
-            <a:ext cx="12192000" cy="1914792"/>
-          </a:xfrm>
-          <a:prstGeom prst="rect">
-            <a:avLst/>
-          </a:prstGeom>
-        </p:spPr>
-      </p:pic>
-      <p:pic>
-        <p:nvPicPr>
-          <p:cNvPr id="5" name="그림 4" descr="텍스트, 스크린샷, 번호이(가) 표시된 사진&#10;&#10;자동 생성된 설명">
-            <a:extLst>
-              <a:ext uri="{FF2B5EF4-FFF2-40B4-BE49-F238E27FC236}">
-                <a16:creationId xmlns:a16="http://schemas.microsoft.com/office/drawing/2014/main" id="{A3ED39DB-7646-103C-C732-62F3DB22296D}"/>
-              </a:ext>
-            </a:extLst>
-          </p:cNvPr>
-          <p:cNvPicPr>
-            <a:picLocks noChangeAspect="1"/>
-          </p:cNvPicPr>
-          <p:nvPr/>
-        </p:nvPicPr>
-        <p:blipFill rotWithShape="1">
-          <a:blip r:embed="rId3">
-            <a:extLst>
-              <a:ext uri="{28A0092B-C50C-407E-A947-70E740481C1C}">
-                <a14:useLocalDpi xmlns:a14="http://schemas.microsoft.com/office/drawing/2010/main" val="0"/>
-              </a:ext>
-            </a:extLst>
-          </a:blip>
-          <a:srcRect b="93333"/>
-          <a:stretch/>
-        </p:blipFill>
-        <p:spPr>
-          <a:xfrm>
-            <a:off x="0" y="25934"/>
-            <a:ext cx="14516100" cy="457200"/>
-          </a:xfrm>
-          <a:prstGeom prst="rect">
-            <a:avLst/>
-          </a:prstGeom>
-        </p:spPr>
-      </p:pic>
-      <p:pic>
-        <p:nvPicPr>
-          <p:cNvPr id="9" name="그림 8" descr="텍스트, 스크린샷, 라인, 폰트이(가) 표시된 사진&#10;&#10;자동 생성된 설명">
-            <a:extLst>
-              <a:ext uri="{FF2B5EF4-FFF2-40B4-BE49-F238E27FC236}">
-                <a16:creationId xmlns:a16="http://schemas.microsoft.com/office/drawing/2014/main" id="{A336727B-96F6-77AE-817B-FB705A95A5EF}"/>
-              </a:ext>
-            </a:extLst>
-          </p:cNvPr>
-          <p:cNvPicPr>
-            <a:picLocks noChangeAspect="1"/>
-          </p:cNvPicPr>
-          <p:nvPr/>
-        </p:nvPicPr>
-        <p:blipFill rotWithShape="1">
-          <a:blip r:embed="rId4">
-            <a:extLst>
-              <a:ext uri="{28A0092B-C50C-407E-A947-70E740481C1C}">
-                <a14:useLocalDpi xmlns:a14="http://schemas.microsoft.com/office/drawing/2010/main" val="0"/>
-              </a:ext>
-            </a:extLst>
-          </a:blip>
-          <a:srcRect t="33245" r="9543"/>
-          <a:stretch/>
-        </p:blipFill>
-        <p:spPr>
-          <a:xfrm>
-            <a:off x="1584701" y="850900"/>
-            <a:ext cx="10607299" cy="1612899"/>
-          </a:xfrm>
-          <a:prstGeom prst="rect">
-            <a:avLst/>
-          </a:prstGeom>
-        </p:spPr>
-      </p:pic>
-      <p:pic>
-        <p:nvPicPr>
-          <p:cNvPr id="11" name="그림 10" descr="텍스트, 스크린샷, 번호이(가) 표시된 사진&#10;&#10;자동 생성된 설명">
-            <a:extLst>
-              <a:ext uri="{FF2B5EF4-FFF2-40B4-BE49-F238E27FC236}">
-                <a16:creationId xmlns:a16="http://schemas.microsoft.com/office/drawing/2014/main" id="{958F19D3-3A18-3586-A197-A3532AE31698}"/>
-              </a:ext>
-            </a:extLst>
-          </p:cNvPr>
-          <p:cNvPicPr>
-            <a:picLocks noChangeAspect="1"/>
-          </p:cNvPicPr>
-          <p:nvPr/>
-        </p:nvPicPr>
-        <p:blipFill rotWithShape="1">
-          <a:blip r:embed="rId3">
-            <a:extLst>
-              <a:ext uri="{28A0092B-C50C-407E-A947-70E740481C1C}">
-                <a14:useLocalDpi xmlns:a14="http://schemas.microsoft.com/office/drawing/2010/main" val="0"/>
-              </a:ext>
-            </a:extLst>
-          </a:blip>
-          <a:srcRect t="6666" b="-10000"/>
-          <a:stretch/>
-        </p:blipFill>
-        <p:spPr>
-          <a:xfrm>
-            <a:off x="4740789" y="517792"/>
-            <a:ext cx="9775311" cy="7086600"/>
-          </a:xfrm>
-          <a:prstGeom prst="rect">
-            <a:avLst/>
-          </a:prstGeom>
-        </p:spPr>
-      </p:pic>
-      <p:pic>
-        <p:nvPicPr>
-          <p:cNvPr id="12" name="그림 11" descr="텍스트, 라인, 스크린샷이(가) 표시된 사진&#10;&#10;자동 생성된 설명">
-            <a:extLst>
-              <a:ext uri="{FF2B5EF4-FFF2-40B4-BE49-F238E27FC236}">
-                <a16:creationId xmlns:a16="http://schemas.microsoft.com/office/drawing/2014/main" id="{6027DA37-8231-783B-73A6-D0A1EDA38095}"/>
-              </a:ext>
-            </a:extLst>
-          </p:cNvPr>
-          <p:cNvPicPr>
-            <a:picLocks noChangeAspect="1"/>
-          </p:cNvPicPr>
-          <p:nvPr/>
-        </p:nvPicPr>
-        <p:blipFill rotWithShape="1">
-          <a:blip r:embed="rId2">
-            <a:extLst>
-              <a:ext uri="{28A0092B-C50C-407E-A947-70E740481C1C}">
-                <a14:useLocalDpi xmlns:a14="http://schemas.microsoft.com/office/drawing/2010/main" val="0"/>
-              </a:ext>
-            </a:extLst>
-          </a:blip>
-          <a:srcRect l="39301" t="26122" r="32952" b="56889"/>
-          <a:stretch/>
-        </p:blipFill>
-        <p:spPr>
-          <a:xfrm>
-            <a:off x="3110013" y="505092"/>
-            <a:ext cx="4459187" cy="320408"/>
-          </a:xfrm>
-          <a:prstGeom prst="rect">
-            <a:avLst/>
-          </a:prstGeom>
-        </p:spPr>
-      </p:pic>
-    </p:spTree>
-    <p:extLst>
-      <p:ext uri="{BB962C8B-B14F-4D97-AF65-F5344CB8AC3E}">
-        <p14:creationId xmlns:p14="http://schemas.microsoft.com/office/powerpoint/2010/main" val="882158913"/>
       </p:ext>
     </p:extLst>
   </p:cSld>
